--- a/guideline-pptx/mqtt-demo-01_guideline.pptx
+++ b/guideline-pptx/mqtt-demo-01_guideline.pptx
@@ -5,33 +5,34 @@
     <p:sldMasterId id="2147483648" r:id="rId1"/>
   </p:sldMasterIdLst>
   <p:notesMasterIdLst>
-    <p:notesMasterId r:id="rId26"/>
+    <p:notesMasterId r:id="rId27"/>
   </p:notesMasterIdLst>
   <p:sldIdLst>
-    <p:sldId id="331" r:id="rId2"/>
-    <p:sldId id="352" r:id="rId3"/>
-    <p:sldId id="332" r:id="rId4"/>
-    <p:sldId id="347" r:id="rId5"/>
-    <p:sldId id="348" r:id="rId6"/>
-    <p:sldId id="346" r:id="rId7"/>
-    <p:sldId id="349" r:id="rId8"/>
-    <p:sldId id="335" r:id="rId9"/>
-    <p:sldId id="337" r:id="rId10"/>
-    <p:sldId id="342" r:id="rId11"/>
-    <p:sldId id="333" r:id="rId12"/>
-    <p:sldId id="345" r:id="rId13"/>
-    <p:sldId id="336" r:id="rId14"/>
-    <p:sldId id="351" r:id="rId15"/>
-    <p:sldId id="344" r:id="rId16"/>
-    <p:sldId id="334" r:id="rId17"/>
-    <p:sldId id="350" r:id="rId18"/>
-    <p:sldId id="338" r:id="rId19"/>
-    <p:sldId id="340" r:id="rId20"/>
-    <p:sldId id="341" r:id="rId21"/>
-    <p:sldId id="343" r:id="rId22"/>
-    <p:sldId id="339" r:id="rId23"/>
-    <p:sldId id="354" r:id="rId24"/>
-    <p:sldId id="353" r:id="rId25"/>
+    <p:sldId id="355" r:id="rId2"/>
+    <p:sldId id="331" r:id="rId3"/>
+    <p:sldId id="352" r:id="rId4"/>
+    <p:sldId id="332" r:id="rId5"/>
+    <p:sldId id="347" r:id="rId6"/>
+    <p:sldId id="348" r:id="rId7"/>
+    <p:sldId id="346" r:id="rId8"/>
+    <p:sldId id="349" r:id="rId9"/>
+    <p:sldId id="335" r:id="rId10"/>
+    <p:sldId id="337" r:id="rId11"/>
+    <p:sldId id="342" r:id="rId12"/>
+    <p:sldId id="333" r:id="rId13"/>
+    <p:sldId id="345" r:id="rId14"/>
+    <p:sldId id="336" r:id="rId15"/>
+    <p:sldId id="351" r:id="rId16"/>
+    <p:sldId id="344" r:id="rId17"/>
+    <p:sldId id="334" r:id="rId18"/>
+    <p:sldId id="350" r:id="rId19"/>
+    <p:sldId id="338" r:id="rId20"/>
+    <p:sldId id="340" r:id="rId21"/>
+    <p:sldId id="341" r:id="rId22"/>
+    <p:sldId id="343" r:id="rId23"/>
+    <p:sldId id="339" r:id="rId24"/>
+    <p:sldId id="354" r:id="rId25"/>
+    <p:sldId id="353" r:id="rId26"/>
   </p:sldIdLst>
   <p:sldSz cx="12192000" cy="6858000"/>
   <p:notesSz cx="6858000" cy="9144000"/>
@@ -220,7 +221,7 @@
           <a:p>
             <a:fld id="{8F77BEB7-B430-4EE0-A3B9-53FF4D2A08F1}" type="datetimeFigureOut">
               <a:rPr lang="en-GB" smtClean="0"/>
-              <a:t>22/11/2016</a:t>
+              <a:t>23/11/2016</a:t>
             </a:fld>
             <a:endParaRPr lang="en-GB"/>
           </a:p>
@@ -619,7 +620,7 @@
           <a:p>
             <a:fld id="{918DACC5-9C81-4A3C-9C30-177A9FF1ED3C}" type="datetime1">
               <a:rPr lang="en-GB" smtClean="0"/>
-              <a:t>22/11/2016</a:t>
+              <a:t>23/11/2016</a:t>
             </a:fld>
             <a:endParaRPr lang="en-GB"/>
           </a:p>
@@ -792,7 +793,7 @@
           <a:p>
             <a:fld id="{E1F1FE36-DA11-4699-A771-28A1F12A4E84}" type="datetime1">
               <a:rPr lang="en-GB" smtClean="0"/>
-              <a:t>22/11/2016</a:t>
+              <a:t>23/11/2016</a:t>
             </a:fld>
             <a:endParaRPr lang="en-GB"/>
           </a:p>
@@ -975,7 +976,7 @@
           <a:p>
             <a:fld id="{5D818CA4-88D4-4C80-985B-1FFAD6228E03}" type="datetime1">
               <a:rPr lang="en-GB" smtClean="0"/>
-              <a:t>22/11/2016</a:t>
+              <a:t>23/11/2016</a:t>
             </a:fld>
             <a:endParaRPr lang="en-GB"/>
           </a:p>
@@ -1148,7 +1149,7 @@
           <a:p>
             <a:fld id="{35078E67-647B-46AF-BE98-140F84A64BAA}" type="datetime1">
               <a:rPr lang="en-GB" smtClean="0"/>
-              <a:t>22/11/2016</a:t>
+              <a:t>23/11/2016</a:t>
             </a:fld>
             <a:endParaRPr lang="en-GB"/>
           </a:p>
@@ -1397,7 +1398,7 @@
           <a:p>
             <a:fld id="{BC58D4AE-FF1F-41E6-B021-DD203D067FE5}" type="datetime1">
               <a:rPr lang="en-GB" smtClean="0"/>
-              <a:t>22/11/2016</a:t>
+              <a:t>23/11/2016</a:t>
             </a:fld>
             <a:endParaRPr lang="en-GB"/>
           </a:p>
@@ -1632,7 +1633,7 @@
           <a:p>
             <a:fld id="{B91B580D-FEFC-4441-98C5-5CD2A30A26A6}" type="datetime1">
               <a:rPr lang="en-GB" smtClean="0"/>
-              <a:t>22/11/2016</a:t>
+              <a:t>23/11/2016</a:t>
             </a:fld>
             <a:endParaRPr lang="en-GB"/>
           </a:p>
@@ -2002,7 +2003,7 @@
           <a:p>
             <a:fld id="{AD971C3B-024E-4773-AE64-C83383E25150}" type="datetime1">
               <a:rPr lang="en-GB" smtClean="0"/>
-              <a:t>22/11/2016</a:t>
+              <a:t>23/11/2016</a:t>
             </a:fld>
             <a:endParaRPr lang="en-GB"/>
           </a:p>
@@ -2123,7 +2124,7 @@
           <a:p>
             <a:fld id="{81EFBAE6-5E63-4D70-B1C4-FA9EE041B05C}" type="datetime1">
               <a:rPr lang="en-GB" smtClean="0"/>
-              <a:t>22/11/2016</a:t>
+              <a:t>23/11/2016</a:t>
             </a:fld>
             <a:endParaRPr lang="en-GB"/>
           </a:p>
@@ -2221,7 +2222,7 @@
           <a:p>
             <a:fld id="{9D7F2C7F-2B74-47CD-8C12-5CD9464413F2}" type="datetime1">
               <a:rPr lang="en-GB" smtClean="0"/>
-              <a:t>22/11/2016</a:t>
+              <a:t>23/11/2016</a:t>
             </a:fld>
             <a:endParaRPr lang="en-GB"/>
           </a:p>
@@ -2501,7 +2502,7 @@
           <a:p>
             <a:fld id="{09429627-698F-4D5A-801D-4E20457CF43F}" type="datetime1">
               <a:rPr lang="en-GB" smtClean="0"/>
-              <a:t>22/11/2016</a:t>
+              <a:t>23/11/2016</a:t>
             </a:fld>
             <a:endParaRPr lang="en-GB"/>
           </a:p>
@@ -2757,7 +2758,7 @@
           <a:p>
             <a:fld id="{02BF5127-2864-4747-A6D6-6ECD9B86BD31}" type="datetime1">
               <a:rPr lang="en-GB" smtClean="0"/>
-              <a:t>22/11/2016</a:t>
+              <a:t>23/11/2016</a:t>
             </a:fld>
             <a:endParaRPr lang="en-GB"/>
           </a:p>
@@ -2973,7 +2974,7 @@
           <a:p>
             <a:fld id="{B40DF90D-B507-46AB-9E29-EA5249D99FE6}" type="datetime1">
               <a:rPr lang="en-GB" smtClean="0"/>
-              <a:t>22/11/2016</a:t>
+              <a:t>23/11/2016</a:t>
             </a:fld>
             <a:endParaRPr lang="en-GB"/>
           </a:p>
@@ -3389,6 +3390,2123 @@
             <a:spLocks noGrp="1"/>
           </p:cNvSpPr>
           <p:nvPr>
+            <p:ph type="ctrTitle"/>
+          </p:nvPr>
+        </p:nvSpPr>
+        <p:spPr/>
+        <p:txBody>
+          <a:bodyPr/>
+          <a:lstStyle/>
+          <a:p>
+            <a:r>
+              <a:rPr lang="en-US" dirty="0"/>
+              <a:t>MQTT DEMO 01</a:t>
+            </a:r>
+          </a:p>
+        </p:txBody>
+      </p:sp>
+      <p:sp>
+        <p:nvSpPr>
+          <p:cNvPr id="3" name="Subtitle 2"/>
+          <p:cNvSpPr>
+            <a:spLocks noGrp="1"/>
+          </p:cNvSpPr>
+          <p:nvPr>
+            <p:ph type="subTitle" idx="1"/>
+          </p:nvPr>
+        </p:nvSpPr>
+        <p:spPr/>
+        <p:txBody>
+          <a:bodyPr/>
+          <a:lstStyle/>
+          <a:p>
+            <a:r>
+              <a:rPr lang="en-US" dirty="0"/>
+              <a:t>Hadrihl // hadrihilmi@gmail.com</a:t>
+            </a:r>
+          </a:p>
+        </p:txBody>
+      </p:sp>
+      <p:pic>
+        <p:nvPicPr>
+          <p:cNvPr id="4" name="Picture 3"/>
+          <p:cNvPicPr>
+            <a:picLocks noChangeAspect="1"/>
+          </p:cNvPicPr>
+          <p:nvPr/>
+        </p:nvPicPr>
+        <p:blipFill>
+          <a:blip r:embed="rId2">
+            <a:extLst>
+              <a:ext uri="{28A0092B-C50C-407E-A947-70E740481C1C}">
+                <a14:useLocalDpi xmlns:a14="http://schemas.microsoft.com/office/drawing/2010/main" val="0"/>
+              </a:ext>
+            </a:extLst>
+          </a:blip>
+          <a:stretch>
+            <a:fillRect/>
+          </a:stretch>
+        </p:blipFill>
+        <p:spPr>
+          <a:xfrm>
+            <a:off x="3929062" y="5029870"/>
+            <a:ext cx="4333875" cy="1016624"/>
+          </a:xfrm>
+          <a:prstGeom prst="rect">
+            <a:avLst/>
+          </a:prstGeom>
+        </p:spPr>
+      </p:pic>
+      <p:sp>
+        <p:nvSpPr>
+          <p:cNvPr id="5" name="TextBox 4"/>
+          <p:cNvSpPr txBox="1"/>
+          <p:nvPr/>
+        </p:nvSpPr>
+        <p:spPr>
+          <a:xfrm>
+            <a:off x="4416052" y="5861828"/>
+            <a:ext cx="3359894" cy="369332"/>
+          </a:xfrm>
+          <a:prstGeom prst="rect">
+            <a:avLst/>
+          </a:prstGeom>
+          <a:noFill/>
+        </p:spPr>
+        <p:txBody>
+          <a:bodyPr wrap="none" rtlCol="0">
+            <a:spAutoFit/>
+          </a:bodyPr>
+          <a:lstStyle/>
+          <a:p>
+            <a:r>
+              <a:rPr lang="en-GB" b="1" kern="400" spc="10" dirty="0">
+                <a:latin typeface="Arial" panose="020B0604020202020204" pitchFamily="34" charset="0"/>
+                <a:cs typeface="Arial" panose="020B0604020202020204" pitchFamily="34" charset="0"/>
+                <a:sym typeface="Wingdings" panose="05000000000000000000" pitchFamily="2" charset="2"/>
+              </a:rPr>
+              <a:t>School of Computer Science</a:t>
+            </a:r>
+            <a:endParaRPr lang="en-GB" b="1" kern="400" spc="10" dirty="0">
+              <a:latin typeface="Arial" panose="020B0604020202020204" pitchFamily="34" charset="0"/>
+              <a:cs typeface="Arial" panose="020B0604020202020204" pitchFamily="34" charset="0"/>
+            </a:endParaRPr>
+          </a:p>
+        </p:txBody>
+      </p:sp>
+    </p:spTree>
+    <p:extLst>
+      <p:ext uri="{BB962C8B-B14F-4D97-AF65-F5344CB8AC3E}">
+        <p14:creationId xmlns:p14="http://schemas.microsoft.com/office/powerpoint/2010/main" val="3481107675"/>
+      </p:ext>
+    </p:extLst>
+  </p:cSld>
+  <p:clrMapOvr>
+    <a:masterClrMapping/>
+  </p:clrMapOvr>
+</p:sld>
+</file>
+
+<file path=ppt/slides/slide10.xml><?xml version="1.0" encoding="utf-8"?>
+<p:sld xmlns:a="http://schemas.openxmlformats.org/drawingml/2006/main" xmlns:r="http://schemas.openxmlformats.org/officeDocument/2006/relationships" xmlns:p="http://schemas.openxmlformats.org/presentationml/2006/main">
+  <p:cSld>
+    <p:spTree>
+      <p:nvGrpSpPr>
+        <p:cNvPr id="1" name=""/>
+        <p:cNvGrpSpPr/>
+        <p:nvPr/>
+      </p:nvGrpSpPr>
+      <p:grpSpPr>
+        <a:xfrm>
+          <a:off x="0" y="0"/>
+          <a:ext cx="0" cy="0"/>
+          <a:chOff x="0" y="0"/>
+          <a:chExt cx="0" cy="0"/>
+        </a:xfrm>
+      </p:grpSpPr>
+      <p:sp>
+        <p:nvSpPr>
+          <p:cNvPr id="6" name="Title 5"/>
+          <p:cNvSpPr>
+            <a:spLocks noGrp="1"/>
+          </p:cNvSpPr>
+          <p:nvPr>
+            <p:ph type="title"/>
+          </p:nvPr>
+        </p:nvSpPr>
+        <p:spPr/>
+        <p:txBody>
+          <a:bodyPr/>
+          <a:lstStyle/>
+          <a:p>
+            <a:r>
+              <a:rPr lang="en-US" dirty="0"/>
+              <a:t>Set Broker IP Address in </a:t>
+            </a:r>
+            <a:r>
+              <a:rPr lang="en-US" b="1" u="sng" dirty="0"/>
+              <a:t>broker-mongodb.js</a:t>
+            </a:r>
+          </a:p>
+        </p:txBody>
+      </p:sp>
+      <p:sp>
+        <p:nvSpPr>
+          <p:cNvPr id="4" name="Footer Placeholder 3"/>
+          <p:cNvSpPr>
+            <a:spLocks noGrp="1"/>
+          </p:cNvSpPr>
+          <p:nvPr>
+            <p:ph type="ftr" sz="quarter" idx="11"/>
+          </p:nvPr>
+        </p:nvSpPr>
+        <p:spPr/>
+        <p:txBody>
+          <a:bodyPr/>
+          <a:lstStyle/>
+          <a:p>
+            <a:r>
+              <a:rPr lang="en-GB"/>
+              <a:t>MHW | Introduction to NodeJS, SocketIO &amp; Libmraa for IoT</a:t>
+            </a:r>
+          </a:p>
+        </p:txBody>
+      </p:sp>
+      <p:sp>
+        <p:nvSpPr>
+          <p:cNvPr id="5" name="Slide Number Placeholder 4"/>
+          <p:cNvSpPr>
+            <a:spLocks noGrp="1"/>
+          </p:cNvSpPr>
+          <p:nvPr>
+            <p:ph type="sldNum" sz="quarter" idx="12"/>
+          </p:nvPr>
+        </p:nvSpPr>
+        <p:spPr/>
+        <p:txBody>
+          <a:bodyPr/>
+          <a:lstStyle/>
+          <a:p>
+            <a:fld id="{A9FBE660-3FB8-4F39-B090-6A019F1CE903}" type="slidenum">
+              <a:rPr lang="en-GB" smtClean="0"/>
+              <a:t>10</a:t>
+            </a:fld>
+            <a:endParaRPr lang="en-GB"/>
+          </a:p>
+        </p:txBody>
+      </p:sp>
+      <p:pic>
+        <p:nvPicPr>
+          <p:cNvPr id="14" name="Content Placeholder 13"/>
+          <p:cNvPicPr>
+            <a:picLocks noGrp="1" noChangeAspect="1"/>
+          </p:cNvPicPr>
+          <p:nvPr>
+            <p:ph idx="1"/>
+          </p:nvPr>
+        </p:nvPicPr>
+        <p:blipFill>
+          <a:blip r:embed="rId2">
+            <a:extLst>
+              <a:ext uri="{28A0092B-C50C-407E-A947-70E740481C1C}">
+                <a14:useLocalDpi xmlns:a14="http://schemas.microsoft.com/office/drawing/2010/main" val="0"/>
+              </a:ext>
+            </a:extLst>
+          </a:blip>
+          <a:stretch>
+            <a:fillRect/>
+          </a:stretch>
+        </p:blipFill>
+        <p:spPr>
+          <a:xfrm>
+            <a:off x="838200" y="1380700"/>
+            <a:ext cx="7785029" cy="4975650"/>
+          </a:xfrm>
+        </p:spPr>
+      </p:pic>
+      <p:sp>
+        <p:nvSpPr>
+          <p:cNvPr id="9" name="Right Arrow 8"/>
+          <p:cNvSpPr/>
+          <p:nvPr/>
+        </p:nvSpPr>
+        <p:spPr>
+          <a:xfrm rot="10800000">
+            <a:off x="4405891" y="3331197"/>
+            <a:ext cx="854266" cy="537327"/>
+          </a:xfrm>
+          <a:prstGeom prst="rightArrow">
+            <a:avLst/>
+          </a:prstGeom>
+          <a:solidFill>
+            <a:srgbClr val="FF0000"/>
+          </a:solidFill>
+          <a:ln>
+            <a:solidFill>
+              <a:srgbClr val="FF0000"/>
+            </a:solidFill>
+          </a:ln>
+        </p:spPr>
+        <p:style>
+          <a:lnRef idx="2">
+            <a:schemeClr val="accent1">
+              <a:shade val="50000"/>
+            </a:schemeClr>
+          </a:lnRef>
+          <a:fillRef idx="1">
+            <a:schemeClr val="accent1"/>
+          </a:fillRef>
+          <a:effectRef idx="0">
+            <a:schemeClr val="accent1"/>
+          </a:effectRef>
+          <a:fontRef idx="minor">
+            <a:schemeClr val="lt1"/>
+          </a:fontRef>
+        </p:style>
+        <p:txBody>
+          <a:bodyPr rtlCol="0" anchor="ctr"/>
+          <a:lstStyle/>
+          <a:p>
+            <a:pPr algn="ctr"/>
+            <a:endParaRPr lang="en-US"/>
+          </a:p>
+        </p:txBody>
+      </p:sp>
+      <p:sp>
+        <p:nvSpPr>
+          <p:cNvPr id="10" name="TextBox 9"/>
+          <p:cNvSpPr txBox="1"/>
+          <p:nvPr/>
+        </p:nvSpPr>
+        <p:spPr>
+          <a:xfrm>
+            <a:off x="5334123" y="2938142"/>
+            <a:ext cx="3043692" cy="1323439"/>
+          </a:xfrm>
+          <a:prstGeom prst="rect">
+            <a:avLst/>
+          </a:prstGeom>
+          <a:solidFill>
+            <a:schemeClr val="bg1">
+              <a:lumMod val="75000"/>
+            </a:schemeClr>
+          </a:solidFill>
+        </p:spPr>
+        <p:txBody>
+          <a:bodyPr wrap="square" rtlCol="0">
+            <a:spAutoFit/>
+          </a:bodyPr>
+          <a:lstStyle/>
+          <a:p>
+            <a:r>
+              <a:rPr lang="en-US" sz="2000" dirty="0">
+                <a:latin typeface="Arial" panose="020B0604020202020204" pitchFamily="34" charset="0"/>
+                <a:cs typeface="Arial" panose="020B0604020202020204" pitchFamily="34" charset="0"/>
+              </a:rPr>
+              <a:t>p/s: Make sure to set IP for </a:t>
+            </a:r>
+            <a:r>
+              <a:rPr lang="en-US" sz="2000" b="1" u="sng" dirty="0">
+                <a:latin typeface="Arial" panose="020B0604020202020204" pitchFamily="34" charset="0"/>
+                <a:cs typeface="Arial" panose="020B0604020202020204" pitchFamily="34" charset="0"/>
+              </a:rPr>
+              <a:t>broker-mongodb.js</a:t>
+            </a:r>
+            <a:r>
+              <a:rPr lang="en-US" sz="2000" dirty="0">
+                <a:latin typeface="Arial" panose="020B0604020202020204" pitchFamily="34" charset="0"/>
+                <a:cs typeface="Arial" panose="020B0604020202020204" pitchFamily="34" charset="0"/>
+              </a:rPr>
+              <a:t> accordingly to your PC IP (run ipconfig in </a:t>
+            </a:r>
+            <a:r>
+              <a:rPr lang="en-US" sz="2000" dirty="0" err="1">
+                <a:latin typeface="Arial" panose="020B0604020202020204" pitchFamily="34" charset="0"/>
+                <a:cs typeface="Arial" panose="020B0604020202020204" pitchFamily="34" charset="0"/>
+              </a:rPr>
+              <a:t>cmd</a:t>
+            </a:r>
+            <a:r>
+              <a:rPr lang="en-US" sz="2000" dirty="0">
+                <a:latin typeface="Arial" panose="020B0604020202020204" pitchFamily="34" charset="0"/>
+                <a:cs typeface="Arial" panose="020B0604020202020204" pitchFamily="34" charset="0"/>
+              </a:rPr>
+              <a:t>). </a:t>
+            </a:r>
+          </a:p>
+        </p:txBody>
+      </p:sp>
+    </p:spTree>
+    <p:extLst>
+      <p:ext uri="{BB962C8B-B14F-4D97-AF65-F5344CB8AC3E}">
+        <p14:creationId xmlns:p14="http://schemas.microsoft.com/office/powerpoint/2010/main" val="2008778179"/>
+      </p:ext>
+    </p:extLst>
+  </p:cSld>
+  <p:clrMapOvr>
+    <a:masterClrMapping/>
+  </p:clrMapOvr>
+</p:sld>
+</file>
+
+<file path=ppt/slides/slide11.xml><?xml version="1.0" encoding="utf-8"?>
+<p:sld xmlns:a="http://schemas.openxmlformats.org/drawingml/2006/main" xmlns:r="http://schemas.openxmlformats.org/officeDocument/2006/relationships" xmlns:p="http://schemas.openxmlformats.org/presentationml/2006/main">
+  <p:cSld>
+    <p:spTree>
+      <p:nvGrpSpPr>
+        <p:cNvPr id="1" name=""/>
+        <p:cNvGrpSpPr/>
+        <p:nvPr/>
+      </p:nvGrpSpPr>
+      <p:grpSpPr>
+        <a:xfrm>
+          <a:off x="0" y="0"/>
+          <a:ext cx="0" cy="0"/>
+          <a:chOff x="0" y="0"/>
+          <a:chExt cx="0" cy="0"/>
+        </a:xfrm>
+      </p:grpSpPr>
+      <p:sp>
+        <p:nvSpPr>
+          <p:cNvPr id="6" name="Title 5"/>
+          <p:cNvSpPr>
+            <a:spLocks noGrp="1"/>
+          </p:cNvSpPr>
+          <p:nvPr>
+            <p:ph type="title"/>
+          </p:nvPr>
+        </p:nvSpPr>
+        <p:spPr/>
+        <p:txBody>
+          <a:bodyPr/>
+          <a:lstStyle/>
+          <a:p>
+            <a:r>
+              <a:rPr lang="en-US" dirty="0"/>
+              <a:t>Resolve dependencies: </a:t>
+            </a:r>
+            <a:r>
+              <a:rPr lang="en-US" b="1" u="sng" dirty="0"/>
+              <a:t>broker-mongodb.js</a:t>
+            </a:r>
+          </a:p>
+        </p:txBody>
+      </p:sp>
+      <p:sp>
+        <p:nvSpPr>
+          <p:cNvPr id="7" name="Content Placeholder 6"/>
+          <p:cNvSpPr>
+            <a:spLocks noGrp="1"/>
+          </p:cNvSpPr>
+          <p:nvPr>
+            <p:ph idx="1"/>
+          </p:nvPr>
+        </p:nvSpPr>
+        <p:spPr/>
+        <p:txBody>
+          <a:bodyPr/>
+          <a:lstStyle/>
+          <a:p>
+            <a:endParaRPr lang="en-US" dirty="0"/>
+          </a:p>
+        </p:txBody>
+      </p:sp>
+      <p:sp>
+        <p:nvSpPr>
+          <p:cNvPr id="4" name="Footer Placeholder 3"/>
+          <p:cNvSpPr>
+            <a:spLocks noGrp="1"/>
+          </p:cNvSpPr>
+          <p:nvPr>
+            <p:ph type="ftr" sz="quarter" idx="11"/>
+          </p:nvPr>
+        </p:nvSpPr>
+        <p:spPr/>
+        <p:txBody>
+          <a:bodyPr/>
+          <a:lstStyle/>
+          <a:p>
+            <a:r>
+              <a:rPr lang="en-GB"/>
+              <a:t>MHW | Introduction to NodeJS, SocketIO &amp; Libmraa for IoT</a:t>
+            </a:r>
+          </a:p>
+        </p:txBody>
+      </p:sp>
+      <p:sp>
+        <p:nvSpPr>
+          <p:cNvPr id="5" name="Slide Number Placeholder 4"/>
+          <p:cNvSpPr>
+            <a:spLocks noGrp="1"/>
+          </p:cNvSpPr>
+          <p:nvPr>
+            <p:ph type="sldNum" sz="quarter" idx="12"/>
+          </p:nvPr>
+        </p:nvSpPr>
+        <p:spPr/>
+        <p:txBody>
+          <a:bodyPr/>
+          <a:lstStyle/>
+          <a:p>
+            <a:fld id="{A9FBE660-3FB8-4F39-B090-6A019F1CE903}" type="slidenum">
+              <a:rPr lang="en-GB" smtClean="0"/>
+              <a:t>11</a:t>
+            </a:fld>
+            <a:endParaRPr lang="en-GB"/>
+          </a:p>
+        </p:txBody>
+      </p:sp>
+      <p:pic>
+        <p:nvPicPr>
+          <p:cNvPr id="8" name="Content Placeholder 11"/>
+          <p:cNvPicPr>
+            <a:picLocks noChangeAspect="1"/>
+          </p:cNvPicPr>
+          <p:nvPr/>
+        </p:nvPicPr>
+        <p:blipFill>
+          <a:blip r:embed="rId2">
+            <a:extLst>
+              <a:ext uri="{28A0092B-C50C-407E-A947-70E740481C1C}">
+                <a14:useLocalDpi xmlns:a14="http://schemas.microsoft.com/office/drawing/2010/main" val="0"/>
+              </a:ext>
+            </a:extLst>
+          </a:blip>
+          <a:stretch>
+            <a:fillRect/>
+          </a:stretch>
+        </p:blipFill>
+        <p:spPr>
+          <a:xfrm>
+            <a:off x="838200" y="1825625"/>
+            <a:ext cx="6356669" cy="4351338"/>
+          </a:xfrm>
+          <a:prstGeom prst="rect">
+            <a:avLst/>
+          </a:prstGeom>
+        </p:spPr>
+      </p:pic>
+    </p:spTree>
+    <p:extLst>
+      <p:ext uri="{BB962C8B-B14F-4D97-AF65-F5344CB8AC3E}">
+        <p14:creationId xmlns:p14="http://schemas.microsoft.com/office/powerpoint/2010/main" val="1007031207"/>
+      </p:ext>
+    </p:extLst>
+  </p:cSld>
+  <p:clrMapOvr>
+    <a:masterClrMapping/>
+  </p:clrMapOvr>
+</p:sld>
+</file>
+
+<file path=ppt/slides/slide12.xml><?xml version="1.0" encoding="utf-8"?>
+<p:sld xmlns:a="http://schemas.openxmlformats.org/drawingml/2006/main" xmlns:r="http://schemas.openxmlformats.org/officeDocument/2006/relationships" xmlns:p="http://schemas.openxmlformats.org/presentationml/2006/main">
+  <p:cSld>
+    <p:spTree>
+      <p:nvGrpSpPr>
+        <p:cNvPr id="1" name=""/>
+        <p:cNvGrpSpPr/>
+        <p:nvPr/>
+      </p:nvGrpSpPr>
+      <p:grpSpPr>
+        <a:xfrm>
+          <a:off x="0" y="0"/>
+          <a:ext cx="0" cy="0"/>
+          <a:chOff x="0" y="0"/>
+          <a:chExt cx="0" cy="0"/>
+        </a:xfrm>
+      </p:grpSpPr>
+      <p:sp>
+        <p:nvSpPr>
+          <p:cNvPr id="2" name="Title 1"/>
+          <p:cNvSpPr>
+            <a:spLocks noGrp="1"/>
+          </p:cNvSpPr>
+          <p:nvPr>
+            <p:ph type="title"/>
+          </p:nvPr>
+        </p:nvSpPr>
+        <p:spPr/>
+        <p:txBody>
+          <a:bodyPr/>
+          <a:lstStyle/>
+          <a:p>
+            <a:r>
+              <a:rPr lang="en-US" dirty="0"/>
+              <a:t>Run </a:t>
+            </a:r>
+            <a:r>
+              <a:rPr lang="en-US" b="1" u="sng" dirty="0"/>
+              <a:t>broker-mongodb.js</a:t>
+            </a:r>
+          </a:p>
+        </p:txBody>
+      </p:sp>
+      <p:sp>
+        <p:nvSpPr>
+          <p:cNvPr id="4" name="Footer Placeholder 3"/>
+          <p:cNvSpPr>
+            <a:spLocks noGrp="1"/>
+          </p:cNvSpPr>
+          <p:nvPr>
+            <p:ph type="ftr" sz="quarter" idx="11"/>
+          </p:nvPr>
+        </p:nvSpPr>
+        <p:spPr/>
+        <p:txBody>
+          <a:bodyPr/>
+          <a:lstStyle/>
+          <a:p>
+            <a:r>
+              <a:rPr lang="en-GB"/>
+              <a:t>MHW | Introduction to NodeJS, SocketIO &amp; Libmraa for IoT</a:t>
+            </a:r>
+          </a:p>
+        </p:txBody>
+      </p:sp>
+      <p:sp>
+        <p:nvSpPr>
+          <p:cNvPr id="5" name="Slide Number Placeholder 4"/>
+          <p:cNvSpPr>
+            <a:spLocks noGrp="1"/>
+          </p:cNvSpPr>
+          <p:nvPr>
+            <p:ph type="sldNum" sz="quarter" idx="12"/>
+          </p:nvPr>
+        </p:nvSpPr>
+        <p:spPr/>
+        <p:txBody>
+          <a:bodyPr/>
+          <a:lstStyle/>
+          <a:p>
+            <a:fld id="{A9FBE660-3FB8-4F39-B090-6A019F1CE903}" type="slidenum">
+              <a:rPr lang="en-GB" smtClean="0"/>
+              <a:t>12</a:t>
+            </a:fld>
+            <a:endParaRPr lang="en-GB"/>
+          </a:p>
+        </p:txBody>
+      </p:sp>
+      <p:pic>
+        <p:nvPicPr>
+          <p:cNvPr id="6" name="Picture 5"/>
+          <p:cNvPicPr>
+            <a:picLocks noChangeAspect="1"/>
+          </p:cNvPicPr>
+          <p:nvPr/>
+        </p:nvPicPr>
+        <p:blipFill>
+          <a:blip r:embed="rId2"/>
+          <a:stretch>
+            <a:fillRect/>
+          </a:stretch>
+        </p:blipFill>
+        <p:spPr>
+          <a:xfrm>
+            <a:off x="838200" y="1690688"/>
+            <a:ext cx="6281738" cy="4300045"/>
+          </a:xfrm>
+          <a:prstGeom prst="rect">
+            <a:avLst/>
+          </a:prstGeom>
+        </p:spPr>
+      </p:pic>
+      <p:pic>
+        <p:nvPicPr>
+          <p:cNvPr id="9" name="Content Placeholder 8"/>
+          <p:cNvPicPr>
+            <a:picLocks noGrp="1" noChangeAspect="1"/>
+          </p:cNvPicPr>
+          <p:nvPr>
+            <p:ph idx="1"/>
+          </p:nvPr>
+        </p:nvPicPr>
+        <p:blipFill>
+          <a:blip r:embed="rId3">
+            <a:extLst>
+              <a:ext uri="{28A0092B-C50C-407E-A947-70E740481C1C}">
+                <a14:useLocalDpi xmlns:a14="http://schemas.microsoft.com/office/drawing/2010/main" val="0"/>
+              </a:ext>
+            </a:extLst>
+          </a:blip>
+          <a:stretch>
+            <a:fillRect/>
+          </a:stretch>
+        </p:blipFill>
+        <p:spPr>
+          <a:xfrm>
+            <a:off x="7486049" y="2406159"/>
+            <a:ext cx="3686689" cy="1286054"/>
+          </a:xfrm>
+        </p:spPr>
+      </p:pic>
+      <p:sp>
+        <p:nvSpPr>
+          <p:cNvPr id="10" name="TextBox 9"/>
+          <p:cNvSpPr txBox="1"/>
+          <p:nvPr/>
+        </p:nvSpPr>
+        <p:spPr>
+          <a:xfrm>
+            <a:off x="7807547" y="3692213"/>
+            <a:ext cx="3043692" cy="2246769"/>
+          </a:xfrm>
+          <a:prstGeom prst="rect">
+            <a:avLst/>
+          </a:prstGeom>
+          <a:noFill/>
+        </p:spPr>
+        <p:txBody>
+          <a:bodyPr wrap="square" rtlCol="0">
+            <a:spAutoFit/>
+          </a:bodyPr>
+          <a:lstStyle/>
+          <a:p>
+            <a:r>
+              <a:rPr lang="en-US" sz="2000" dirty="0">
+                <a:latin typeface="Arial" panose="020B0604020202020204" pitchFamily="34" charset="0"/>
+                <a:cs typeface="Arial" panose="020B0604020202020204" pitchFamily="34" charset="0"/>
+              </a:rPr>
+              <a:t>p/s: Windows might asks you (prompt) to allow Firewall access, so kindly allow it. Notice that Broker (</a:t>
+            </a:r>
+            <a:r>
+              <a:rPr lang="en-US" sz="2000" b="1" u="sng" dirty="0">
+                <a:latin typeface="Arial" panose="020B0604020202020204" pitchFamily="34" charset="0"/>
+                <a:cs typeface="Arial" panose="020B0604020202020204" pitchFamily="34" charset="0"/>
+              </a:rPr>
+              <a:t>broker-mongodb.js</a:t>
+            </a:r>
+            <a:r>
+              <a:rPr lang="en-US" sz="2000" dirty="0">
+                <a:latin typeface="Arial" panose="020B0604020202020204" pitchFamily="34" charset="0"/>
+                <a:cs typeface="Arial" panose="020B0604020202020204" pitchFamily="34" charset="0"/>
+              </a:rPr>
+              <a:t>) runs on port </a:t>
+            </a:r>
+            <a:r>
+              <a:rPr lang="en-US" sz="2000" b="1" u="sng" dirty="0">
+                <a:latin typeface="Arial" panose="020B0604020202020204" pitchFamily="34" charset="0"/>
+                <a:cs typeface="Arial" panose="020B0604020202020204" pitchFamily="34" charset="0"/>
+              </a:rPr>
+              <a:t>1883</a:t>
+            </a:r>
+            <a:r>
+              <a:rPr lang="en-US" sz="2000" dirty="0">
+                <a:latin typeface="Arial" panose="020B0604020202020204" pitchFamily="34" charset="0"/>
+                <a:cs typeface="Arial" panose="020B0604020202020204" pitchFamily="34" charset="0"/>
+              </a:rPr>
+              <a:t>. </a:t>
+            </a:r>
+          </a:p>
+        </p:txBody>
+      </p:sp>
+    </p:spTree>
+    <p:extLst>
+      <p:ext uri="{BB962C8B-B14F-4D97-AF65-F5344CB8AC3E}">
+        <p14:creationId xmlns:p14="http://schemas.microsoft.com/office/powerpoint/2010/main" val="2195546280"/>
+      </p:ext>
+    </p:extLst>
+  </p:cSld>
+  <p:clrMapOvr>
+    <a:masterClrMapping/>
+  </p:clrMapOvr>
+</p:sld>
+</file>
+
+<file path=ppt/slides/slide13.xml><?xml version="1.0" encoding="utf-8"?>
+<p:sld xmlns:a="http://schemas.openxmlformats.org/drawingml/2006/main" xmlns:r="http://schemas.openxmlformats.org/officeDocument/2006/relationships" xmlns:p="http://schemas.openxmlformats.org/presentationml/2006/main">
+  <p:cSld>
+    <p:spTree>
+      <p:nvGrpSpPr>
+        <p:cNvPr id="1" name=""/>
+        <p:cNvGrpSpPr/>
+        <p:nvPr/>
+      </p:nvGrpSpPr>
+      <p:grpSpPr>
+        <a:xfrm>
+          <a:off x="0" y="0"/>
+          <a:ext cx="0" cy="0"/>
+          <a:chOff x="0" y="0"/>
+          <a:chExt cx="0" cy="0"/>
+        </a:xfrm>
+      </p:grpSpPr>
+      <p:sp>
+        <p:nvSpPr>
+          <p:cNvPr id="2" name="Title 1"/>
+          <p:cNvSpPr>
+            <a:spLocks noGrp="1"/>
+          </p:cNvSpPr>
+          <p:nvPr>
+            <p:ph type="title"/>
+          </p:nvPr>
+        </p:nvSpPr>
+        <p:spPr/>
+        <p:txBody>
+          <a:bodyPr/>
+          <a:lstStyle/>
+          <a:p>
+            <a:r>
+              <a:rPr lang="en-US" dirty="0"/>
+              <a:t>Verify: </a:t>
+            </a:r>
+            <a:r>
+              <a:rPr lang="en-US" b="1" u="sng" dirty="0"/>
+              <a:t>broker-mongodb.js</a:t>
+            </a:r>
+          </a:p>
+        </p:txBody>
+      </p:sp>
+      <p:sp>
+        <p:nvSpPr>
+          <p:cNvPr id="4" name="Footer Placeholder 3"/>
+          <p:cNvSpPr>
+            <a:spLocks noGrp="1"/>
+          </p:cNvSpPr>
+          <p:nvPr>
+            <p:ph type="ftr" sz="quarter" idx="11"/>
+          </p:nvPr>
+        </p:nvSpPr>
+        <p:spPr/>
+        <p:txBody>
+          <a:bodyPr/>
+          <a:lstStyle/>
+          <a:p>
+            <a:r>
+              <a:rPr lang="en-GB"/>
+              <a:t>MHW | Introduction to NodeJS, SocketIO &amp; Libmraa for IoT</a:t>
+            </a:r>
+          </a:p>
+        </p:txBody>
+      </p:sp>
+      <p:sp>
+        <p:nvSpPr>
+          <p:cNvPr id="5" name="Slide Number Placeholder 4"/>
+          <p:cNvSpPr>
+            <a:spLocks noGrp="1"/>
+          </p:cNvSpPr>
+          <p:nvPr>
+            <p:ph type="sldNum" sz="quarter" idx="12"/>
+          </p:nvPr>
+        </p:nvSpPr>
+        <p:spPr/>
+        <p:txBody>
+          <a:bodyPr/>
+          <a:lstStyle/>
+          <a:p>
+            <a:fld id="{A9FBE660-3FB8-4F39-B090-6A019F1CE903}" type="slidenum">
+              <a:rPr lang="en-GB" smtClean="0"/>
+              <a:t>13</a:t>
+            </a:fld>
+            <a:endParaRPr lang="en-GB"/>
+          </a:p>
+        </p:txBody>
+      </p:sp>
+      <p:sp>
+        <p:nvSpPr>
+          <p:cNvPr id="9" name="TextBox 8"/>
+          <p:cNvSpPr txBox="1"/>
+          <p:nvPr/>
+        </p:nvSpPr>
+        <p:spPr>
+          <a:xfrm>
+            <a:off x="7394517" y="2377240"/>
+            <a:ext cx="4411743" cy="1015663"/>
+          </a:xfrm>
+          <a:prstGeom prst="rect">
+            <a:avLst/>
+          </a:prstGeom>
+          <a:noFill/>
+        </p:spPr>
+        <p:txBody>
+          <a:bodyPr wrap="square" rtlCol="0">
+            <a:spAutoFit/>
+          </a:bodyPr>
+          <a:lstStyle/>
+          <a:p>
+            <a:r>
+              <a:rPr lang="en-US" sz="2000" dirty="0">
+                <a:latin typeface="Arial" panose="020B0604020202020204" pitchFamily="34" charset="0"/>
+                <a:cs typeface="Arial" panose="020B0604020202020204" pitchFamily="34" charset="0"/>
+              </a:rPr>
+              <a:t>Broker use MongoDB to store the data. ESTABLISHED means broker is hooked up to MongoDB now. </a:t>
+            </a:r>
+          </a:p>
+        </p:txBody>
+      </p:sp>
+      <p:sp>
+        <p:nvSpPr>
+          <p:cNvPr id="10" name="TextBox 9"/>
+          <p:cNvSpPr txBox="1"/>
+          <p:nvPr/>
+        </p:nvSpPr>
+        <p:spPr>
+          <a:xfrm>
+            <a:off x="7394518" y="3803522"/>
+            <a:ext cx="4411743" cy="1015663"/>
+          </a:xfrm>
+          <a:prstGeom prst="rect">
+            <a:avLst/>
+          </a:prstGeom>
+          <a:noFill/>
+        </p:spPr>
+        <p:txBody>
+          <a:bodyPr wrap="square" rtlCol="0">
+            <a:spAutoFit/>
+          </a:bodyPr>
+          <a:lstStyle/>
+          <a:p>
+            <a:r>
+              <a:rPr lang="en-US" sz="2000" dirty="0">
+                <a:latin typeface="Arial" panose="020B0604020202020204" pitchFamily="34" charset="0"/>
+                <a:cs typeface="Arial" panose="020B0604020202020204" pitchFamily="34" charset="0"/>
+              </a:rPr>
+              <a:t>Broker is ready to receive connection from either SN (Sensor Node, </a:t>
+            </a:r>
+            <a:r>
+              <a:rPr lang="en-US" sz="2000" b="1" u="sng" dirty="0">
+                <a:latin typeface="Arial" panose="020B0604020202020204" pitchFamily="34" charset="0"/>
+                <a:cs typeface="Arial" panose="020B0604020202020204" pitchFamily="34" charset="0"/>
+              </a:rPr>
+              <a:t>mqtt-sn.js</a:t>
+            </a:r>
+            <a:r>
+              <a:rPr lang="en-US" sz="2000" dirty="0">
+                <a:latin typeface="Arial" panose="020B0604020202020204" pitchFamily="34" charset="0"/>
+                <a:cs typeface="Arial" panose="020B0604020202020204" pitchFamily="34" charset="0"/>
+              </a:rPr>
+              <a:t>) or client (</a:t>
+            </a:r>
+            <a:r>
+              <a:rPr lang="en-US" sz="2000" b="1" u="sng" dirty="0">
+                <a:latin typeface="Arial" panose="020B0604020202020204" pitchFamily="34" charset="0"/>
+                <a:cs typeface="Arial" panose="020B0604020202020204" pitchFamily="34" charset="0"/>
+              </a:rPr>
+              <a:t>mqtt-client.js</a:t>
+            </a:r>
+            <a:r>
+              <a:rPr lang="en-US" sz="2000" dirty="0">
+                <a:latin typeface="Arial" panose="020B0604020202020204" pitchFamily="34" charset="0"/>
+                <a:cs typeface="Arial" panose="020B0604020202020204" pitchFamily="34" charset="0"/>
+              </a:rPr>
+              <a:t>)</a:t>
+            </a:r>
+          </a:p>
+        </p:txBody>
+      </p:sp>
+      <p:pic>
+        <p:nvPicPr>
+          <p:cNvPr id="12" name="Content Placeholder 11"/>
+          <p:cNvPicPr>
+            <a:picLocks noGrp="1" noChangeAspect="1"/>
+          </p:cNvPicPr>
+          <p:nvPr>
+            <p:ph idx="1"/>
+          </p:nvPr>
+        </p:nvPicPr>
+        <p:blipFill>
+          <a:blip r:embed="rId2">
+            <a:extLst>
+              <a:ext uri="{28A0092B-C50C-407E-A947-70E740481C1C}">
+                <a14:useLocalDpi xmlns:a14="http://schemas.microsoft.com/office/drawing/2010/main" val="0"/>
+              </a:ext>
+            </a:extLst>
+          </a:blip>
+          <a:stretch>
+            <a:fillRect/>
+          </a:stretch>
+        </p:blipFill>
+        <p:spPr>
+          <a:xfrm>
+            <a:off x="838200" y="1690688"/>
+            <a:ext cx="6348927" cy="4351338"/>
+          </a:xfrm>
+        </p:spPr>
+      </p:pic>
+      <p:sp>
+        <p:nvSpPr>
+          <p:cNvPr id="7" name="Right Arrow 6"/>
+          <p:cNvSpPr/>
+          <p:nvPr/>
+        </p:nvSpPr>
+        <p:spPr>
+          <a:xfrm rot="10800000">
+            <a:off x="6540251" y="2691824"/>
+            <a:ext cx="854266" cy="537327"/>
+          </a:xfrm>
+          <a:prstGeom prst="rightArrow">
+            <a:avLst/>
+          </a:prstGeom>
+          <a:solidFill>
+            <a:srgbClr val="FF0000"/>
+          </a:solidFill>
+          <a:ln>
+            <a:solidFill>
+              <a:srgbClr val="FF0000"/>
+            </a:solidFill>
+          </a:ln>
+        </p:spPr>
+        <p:style>
+          <a:lnRef idx="2">
+            <a:schemeClr val="accent1">
+              <a:shade val="50000"/>
+            </a:schemeClr>
+          </a:lnRef>
+          <a:fillRef idx="1">
+            <a:schemeClr val="accent1"/>
+          </a:fillRef>
+          <a:effectRef idx="0">
+            <a:schemeClr val="accent1"/>
+          </a:effectRef>
+          <a:fontRef idx="minor">
+            <a:schemeClr val="lt1"/>
+          </a:fontRef>
+        </p:style>
+        <p:txBody>
+          <a:bodyPr rtlCol="0" anchor="ctr"/>
+          <a:lstStyle/>
+          <a:p>
+            <a:pPr algn="ctr"/>
+            <a:endParaRPr lang="en-US"/>
+          </a:p>
+        </p:txBody>
+      </p:sp>
+      <p:sp>
+        <p:nvSpPr>
+          <p:cNvPr id="8" name="Right Arrow 7"/>
+          <p:cNvSpPr/>
+          <p:nvPr/>
+        </p:nvSpPr>
+        <p:spPr>
+          <a:xfrm rot="10800000">
+            <a:off x="6540252" y="3968238"/>
+            <a:ext cx="854266" cy="537327"/>
+          </a:xfrm>
+          <a:prstGeom prst="rightArrow">
+            <a:avLst/>
+          </a:prstGeom>
+          <a:solidFill>
+            <a:srgbClr val="FF0000"/>
+          </a:solidFill>
+          <a:ln>
+            <a:solidFill>
+              <a:srgbClr val="FF0000"/>
+            </a:solidFill>
+          </a:ln>
+        </p:spPr>
+        <p:style>
+          <a:lnRef idx="2">
+            <a:schemeClr val="accent1">
+              <a:shade val="50000"/>
+            </a:schemeClr>
+          </a:lnRef>
+          <a:fillRef idx="1">
+            <a:schemeClr val="accent1"/>
+          </a:fillRef>
+          <a:effectRef idx="0">
+            <a:schemeClr val="accent1"/>
+          </a:effectRef>
+          <a:fontRef idx="minor">
+            <a:schemeClr val="lt1"/>
+          </a:fontRef>
+        </p:style>
+        <p:txBody>
+          <a:bodyPr rtlCol="0" anchor="ctr"/>
+          <a:lstStyle/>
+          <a:p>
+            <a:pPr algn="ctr"/>
+            <a:endParaRPr lang="en-US"/>
+          </a:p>
+        </p:txBody>
+      </p:sp>
+    </p:spTree>
+    <p:extLst>
+      <p:ext uri="{BB962C8B-B14F-4D97-AF65-F5344CB8AC3E}">
+        <p14:creationId xmlns:p14="http://schemas.microsoft.com/office/powerpoint/2010/main" val="609606842"/>
+      </p:ext>
+    </p:extLst>
+  </p:cSld>
+  <p:clrMapOvr>
+    <a:masterClrMapping/>
+  </p:clrMapOvr>
+</p:sld>
+</file>
+
+<file path=ppt/slides/slide14.xml><?xml version="1.0" encoding="utf-8"?>
+<p:sld xmlns:a="http://schemas.openxmlformats.org/drawingml/2006/main" xmlns:r="http://schemas.openxmlformats.org/officeDocument/2006/relationships" xmlns:p="http://schemas.openxmlformats.org/presentationml/2006/main">
+  <p:cSld>
+    <p:spTree>
+      <p:nvGrpSpPr>
+        <p:cNvPr id="1" name=""/>
+        <p:cNvGrpSpPr/>
+        <p:nvPr/>
+      </p:nvGrpSpPr>
+      <p:grpSpPr>
+        <a:xfrm>
+          <a:off x="0" y="0"/>
+          <a:ext cx="0" cy="0"/>
+          <a:chOff x="0" y="0"/>
+          <a:chExt cx="0" cy="0"/>
+        </a:xfrm>
+      </p:grpSpPr>
+      <p:sp>
+        <p:nvSpPr>
+          <p:cNvPr id="6" name="Title 5"/>
+          <p:cNvSpPr>
+            <a:spLocks noGrp="1"/>
+          </p:cNvSpPr>
+          <p:nvPr>
+            <p:ph type="title"/>
+          </p:nvPr>
+        </p:nvSpPr>
+        <p:spPr/>
+        <p:txBody>
+          <a:bodyPr/>
+          <a:lstStyle/>
+          <a:p>
+            <a:r>
+              <a:rPr lang="en-US" dirty="0"/>
+              <a:t>Run </a:t>
+            </a:r>
+            <a:r>
+              <a:rPr lang="en-US" b="1" u="sng" dirty="0"/>
+              <a:t>mqtt-client.js</a:t>
+            </a:r>
+          </a:p>
+        </p:txBody>
+      </p:sp>
+      <p:sp>
+        <p:nvSpPr>
+          <p:cNvPr id="7" name="Text Placeholder 6"/>
+          <p:cNvSpPr>
+            <a:spLocks noGrp="1"/>
+          </p:cNvSpPr>
+          <p:nvPr>
+            <p:ph type="body" idx="1"/>
+          </p:nvPr>
+        </p:nvSpPr>
+        <p:spPr/>
+        <p:txBody>
+          <a:bodyPr/>
+          <a:lstStyle/>
+          <a:p>
+            <a:endParaRPr lang="en-US"/>
+          </a:p>
+        </p:txBody>
+      </p:sp>
+      <p:sp>
+        <p:nvSpPr>
+          <p:cNvPr id="4" name="Footer Placeholder 3"/>
+          <p:cNvSpPr>
+            <a:spLocks noGrp="1"/>
+          </p:cNvSpPr>
+          <p:nvPr>
+            <p:ph type="ftr" sz="quarter" idx="11"/>
+          </p:nvPr>
+        </p:nvSpPr>
+        <p:spPr/>
+        <p:txBody>
+          <a:bodyPr/>
+          <a:lstStyle/>
+          <a:p>
+            <a:r>
+              <a:rPr lang="en-GB"/>
+              <a:t>MHW | Introduction to NodeJS, SocketIO &amp; Libmraa for IoT</a:t>
+            </a:r>
+          </a:p>
+        </p:txBody>
+      </p:sp>
+      <p:sp>
+        <p:nvSpPr>
+          <p:cNvPr id="5" name="Slide Number Placeholder 4"/>
+          <p:cNvSpPr>
+            <a:spLocks noGrp="1"/>
+          </p:cNvSpPr>
+          <p:nvPr>
+            <p:ph type="sldNum" sz="quarter" idx="12"/>
+          </p:nvPr>
+        </p:nvSpPr>
+        <p:spPr/>
+        <p:txBody>
+          <a:bodyPr/>
+          <a:lstStyle/>
+          <a:p>
+            <a:fld id="{A9FBE660-3FB8-4F39-B090-6A019F1CE903}" type="slidenum">
+              <a:rPr lang="en-GB" smtClean="0"/>
+              <a:t>14</a:t>
+            </a:fld>
+            <a:endParaRPr lang="en-GB"/>
+          </a:p>
+        </p:txBody>
+      </p:sp>
+    </p:spTree>
+    <p:extLst>
+      <p:ext uri="{BB962C8B-B14F-4D97-AF65-F5344CB8AC3E}">
+        <p14:creationId xmlns:p14="http://schemas.microsoft.com/office/powerpoint/2010/main" val="3185077010"/>
+      </p:ext>
+    </p:extLst>
+  </p:cSld>
+  <p:clrMapOvr>
+    <a:masterClrMapping/>
+  </p:clrMapOvr>
+</p:sld>
+</file>
+
+<file path=ppt/slides/slide15.xml><?xml version="1.0" encoding="utf-8"?>
+<p:sld xmlns:a="http://schemas.openxmlformats.org/drawingml/2006/main" xmlns:r="http://schemas.openxmlformats.org/officeDocument/2006/relationships" xmlns:p="http://schemas.openxmlformats.org/presentationml/2006/main">
+  <p:cSld>
+    <p:spTree>
+      <p:nvGrpSpPr>
+        <p:cNvPr id="1" name=""/>
+        <p:cNvGrpSpPr/>
+        <p:nvPr/>
+      </p:nvGrpSpPr>
+      <p:grpSpPr>
+        <a:xfrm>
+          <a:off x="0" y="0"/>
+          <a:ext cx="0" cy="0"/>
+          <a:chOff x="0" y="0"/>
+          <a:chExt cx="0" cy="0"/>
+        </a:xfrm>
+      </p:grpSpPr>
+      <p:sp>
+        <p:nvSpPr>
+          <p:cNvPr id="2" name="Title 1"/>
+          <p:cNvSpPr>
+            <a:spLocks noGrp="1"/>
+          </p:cNvSpPr>
+          <p:nvPr>
+            <p:ph type="title"/>
+          </p:nvPr>
+        </p:nvSpPr>
+        <p:spPr/>
+        <p:txBody>
+          <a:bodyPr/>
+          <a:lstStyle/>
+          <a:p>
+            <a:r>
+              <a:rPr lang="en-US" dirty="0"/>
+              <a:t>Set Broker IP Address in </a:t>
+            </a:r>
+            <a:r>
+              <a:rPr lang="en-US" b="1" u="sng" dirty="0"/>
+              <a:t>mqtt-client.js</a:t>
+            </a:r>
+            <a:endParaRPr lang="en-US" dirty="0"/>
+          </a:p>
+        </p:txBody>
+      </p:sp>
+      <p:pic>
+        <p:nvPicPr>
+          <p:cNvPr id="6" name="Content Placeholder 5"/>
+          <p:cNvPicPr>
+            <a:picLocks noGrp="1" noChangeAspect="1"/>
+          </p:cNvPicPr>
+          <p:nvPr>
+            <p:ph idx="1"/>
+          </p:nvPr>
+        </p:nvPicPr>
+        <p:blipFill>
+          <a:blip r:embed="rId2">
+            <a:extLst>
+              <a:ext uri="{28A0092B-C50C-407E-A947-70E740481C1C}">
+                <a14:useLocalDpi xmlns:a14="http://schemas.microsoft.com/office/drawing/2010/main" val="0"/>
+              </a:ext>
+            </a:extLst>
+          </a:blip>
+          <a:stretch>
+            <a:fillRect/>
+          </a:stretch>
+        </p:blipFill>
+        <p:spPr>
+          <a:xfrm>
+            <a:off x="838200" y="1388772"/>
+            <a:ext cx="7772400" cy="4967578"/>
+          </a:xfrm>
+        </p:spPr>
+      </p:pic>
+      <p:sp>
+        <p:nvSpPr>
+          <p:cNvPr id="4" name="Footer Placeholder 3"/>
+          <p:cNvSpPr>
+            <a:spLocks noGrp="1"/>
+          </p:cNvSpPr>
+          <p:nvPr>
+            <p:ph type="ftr" sz="quarter" idx="11"/>
+          </p:nvPr>
+        </p:nvSpPr>
+        <p:spPr/>
+        <p:txBody>
+          <a:bodyPr/>
+          <a:lstStyle/>
+          <a:p>
+            <a:r>
+              <a:rPr lang="en-GB"/>
+              <a:t>MHW | Introduction to NodeJS, SocketIO &amp; Libmraa for IoT</a:t>
+            </a:r>
+          </a:p>
+        </p:txBody>
+      </p:sp>
+      <p:sp>
+        <p:nvSpPr>
+          <p:cNvPr id="5" name="Slide Number Placeholder 4"/>
+          <p:cNvSpPr>
+            <a:spLocks noGrp="1"/>
+          </p:cNvSpPr>
+          <p:nvPr>
+            <p:ph type="sldNum" sz="quarter" idx="12"/>
+          </p:nvPr>
+        </p:nvSpPr>
+        <p:spPr/>
+        <p:txBody>
+          <a:bodyPr/>
+          <a:lstStyle/>
+          <a:p>
+            <a:fld id="{A9FBE660-3FB8-4F39-B090-6A019F1CE903}" type="slidenum">
+              <a:rPr lang="en-GB" smtClean="0"/>
+              <a:t>15</a:t>
+            </a:fld>
+            <a:endParaRPr lang="en-GB"/>
+          </a:p>
+        </p:txBody>
+      </p:sp>
+      <p:sp>
+        <p:nvSpPr>
+          <p:cNvPr id="7" name="Right Arrow 6"/>
+          <p:cNvSpPr/>
+          <p:nvPr/>
+        </p:nvSpPr>
+        <p:spPr>
+          <a:xfrm rot="10800000">
+            <a:off x="5895326" y="2294248"/>
+            <a:ext cx="854266" cy="537327"/>
+          </a:xfrm>
+          <a:prstGeom prst="rightArrow">
+            <a:avLst/>
+          </a:prstGeom>
+          <a:solidFill>
+            <a:srgbClr val="FF0000"/>
+          </a:solidFill>
+          <a:ln>
+            <a:solidFill>
+              <a:srgbClr val="FF0000"/>
+            </a:solidFill>
+          </a:ln>
+        </p:spPr>
+        <p:style>
+          <a:lnRef idx="2">
+            <a:schemeClr val="accent1">
+              <a:shade val="50000"/>
+            </a:schemeClr>
+          </a:lnRef>
+          <a:fillRef idx="1">
+            <a:schemeClr val="accent1"/>
+          </a:fillRef>
+          <a:effectRef idx="0">
+            <a:schemeClr val="accent1"/>
+          </a:effectRef>
+          <a:fontRef idx="minor">
+            <a:schemeClr val="lt1"/>
+          </a:fontRef>
+        </p:style>
+        <p:txBody>
+          <a:bodyPr rtlCol="0" anchor="ctr"/>
+          <a:lstStyle/>
+          <a:p>
+            <a:pPr algn="ctr"/>
+            <a:endParaRPr lang="en-US"/>
+          </a:p>
+        </p:txBody>
+      </p:sp>
+      <p:sp>
+        <p:nvSpPr>
+          <p:cNvPr id="8" name="TextBox 7"/>
+          <p:cNvSpPr txBox="1"/>
+          <p:nvPr/>
+        </p:nvSpPr>
+        <p:spPr>
+          <a:xfrm>
+            <a:off x="6823558" y="1901193"/>
+            <a:ext cx="3043692" cy="1323439"/>
+          </a:xfrm>
+          <a:prstGeom prst="rect">
+            <a:avLst/>
+          </a:prstGeom>
+          <a:solidFill>
+            <a:schemeClr val="bg1">
+              <a:lumMod val="75000"/>
+            </a:schemeClr>
+          </a:solidFill>
+        </p:spPr>
+        <p:txBody>
+          <a:bodyPr wrap="square" rtlCol="0">
+            <a:spAutoFit/>
+          </a:bodyPr>
+          <a:lstStyle/>
+          <a:p>
+            <a:r>
+              <a:rPr lang="en-US" sz="2000" dirty="0">
+                <a:latin typeface="Arial" panose="020B0604020202020204" pitchFamily="34" charset="0"/>
+                <a:cs typeface="Arial" panose="020B0604020202020204" pitchFamily="34" charset="0"/>
+              </a:rPr>
+              <a:t>p/s: Make sure to set IP for </a:t>
+            </a:r>
+            <a:r>
+              <a:rPr lang="en-US" sz="2000" b="1" u="sng" dirty="0">
+                <a:latin typeface="Arial" panose="020B0604020202020204" pitchFamily="34" charset="0"/>
+                <a:cs typeface="Arial" panose="020B0604020202020204" pitchFamily="34" charset="0"/>
+              </a:rPr>
+              <a:t>mqtt-client.js</a:t>
+            </a:r>
+            <a:r>
+              <a:rPr lang="en-US" sz="2000" dirty="0">
+                <a:latin typeface="Arial" panose="020B0604020202020204" pitchFamily="34" charset="0"/>
+                <a:cs typeface="Arial" panose="020B0604020202020204" pitchFamily="34" charset="0"/>
+              </a:rPr>
+              <a:t> accordingly to your PC IP (run ipconfig in </a:t>
+            </a:r>
+            <a:r>
+              <a:rPr lang="en-US" sz="2000" dirty="0" err="1">
+                <a:latin typeface="Arial" panose="020B0604020202020204" pitchFamily="34" charset="0"/>
+                <a:cs typeface="Arial" panose="020B0604020202020204" pitchFamily="34" charset="0"/>
+              </a:rPr>
+              <a:t>cmd</a:t>
+            </a:r>
+            <a:r>
+              <a:rPr lang="en-US" sz="2000" dirty="0">
+                <a:latin typeface="Arial" panose="020B0604020202020204" pitchFamily="34" charset="0"/>
+                <a:cs typeface="Arial" panose="020B0604020202020204" pitchFamily="34" charset="0"/>
+              </a:rPr>
+              <a:t>). </a:t>
+            </a:r>
+          </a:p>
+        </p:txBody>
+      </p:sp>
+    </p:spTree>
+    <p:extLst>
+      <p:ext uri="{BB962C8B-B14F-4D97-AF65-F5344CB8AC3E}">
+        <p14:creationId xmlns:p14="http://schemas.microsoft.com/office/powerpoint/2010/main" val="96670640"/>
+      </p:ext>
+    </p:extLst>
+  </p:cSld>
+  <p:clrMapOvr>
+    <a:masterClrMapping/>
+  </p:clrMapOvr>
+</p:sld>
+</file>
+
+<file path=ppt/slides/slide16.xml><?xml version="1.0" encoding="utf-8"?>
+<p:sld xmlns:a="http://schemas.openxmlformats.org/drawingml/2006/main" xmlns:r="http://schemas.openxmlformats.org/officeDocument/2006/relationships" xmlns:p="http://schemas.openxmlformats.org/presentationml/2006/main">
+  <p:cSld>
+    <p:spTree>
+      <p:nvGrpSpPr>
+        <p:cNvPr id="1" name=""/>
+        <p:cNvGrpSpPr/>
+        <p:nvPr/>
+      </p:nvGrpSpPr>
+      <p:grpSpPr>
+        <a:xfrm>
+          <a:off x="0" y="0"/>
+          <a:ext cx="0" cy="0"/>
+          <a:chOff x="0" y="0"/>
+          <a:chExt cx="0" cy="0"/>
+        </a:xfrm>
+      </p:grpSpPr>
+      <p:sp>
+        <p:nvSpPr>
+          <p:cNvPr id="2" name="Title 1"/>
+          <p:cNvSpPr>
+            <a:spLocks noGrp="1"/>
+          </p:cNvSpPr>
+          <p:nvPr>
+            <p:ph type="title"/>
+          </p:nvPr>
+        </p:nvSpPr>
+        <p:spPr/>
+        <p:txBody>
+          <a:bodyPr/>
+          <a:lstStyle/>
+          <a:p>
+            <a:r>
+              <a:rPr lang="en-US" dirty="0"/>
+              <a:t>Resolve dependencies: </a:t>
+            </a:r>
+            <a:r>
+              <a:rPr lang="en-US" b="1" u="sng" dirty="0"/>
+              <a:t>mqtt-client.js</a:t>
+            </a:r>
+          </a:p>
+        </p:txBody>
+      </p:sp>
+      <p:pic>
+        <p:nvPicPr>
+          <p:cNvPr id="6" name="Content Placeholder 5"/>
+          <p:cNvPicPr>
+            <a:picLocks noGrp="1" noChangeAspect="1"/>
+          </p:cNvPicPr>
+          <p:nvPr>
+            <p:ph idx="1"/>
+          </p:nvPr>
+        </p:nvPicPr>
+        <p:blipFill>
+          <a:blip r:embed="rId2">
+            <a:extLst>
+              <a:ext uri="{28A0092B-C50C-407E-A947-70E740481C1C}">
+                <a14:useLocalDpi xmlns:a14="http://schemas.microsoft.com/office/drawing/2010/main" val="0"/>
+              </a:ext>
+            </a:extLst>
+          </a:blip>
+          <a:stretch>
+            <a:fillRect/>
+          </a:stretch>
+        </p:blipFill>
+        <p:spPr>
+          <a:xfrm>
+            <a:off x="838200" y="1690688"/>
+            <a:ext cx="6356669" cy="4351338"/>
+          </a:xfrm>
+        </p:spPr>
+      </p:pic>
+      <p:sp>
+        <p:nvSpPr>
+          <p:cNvPr id="4" name="Footer Placeholder 3"/>
+          <p:cNvSpPr>
+            <a:spLocks noGrp="1"/>
+          </p:cNvSpPr>
+          <p:nvPr>
+            <p:ph type="ftr" sz="quarter" idx="11"/>
+          </p:nvPr>
+        </p:nvSpPr>
+        <p:spPr/>
+        <p:txBody>
+          <a:bodyPr/>
+          <a:lstStyle/>
+          <a:p>
+            <a:r>
+              <a:rPr lang="en-GB"/>
+              <a:t>MHW | Introduction to NodeJS, SocketIO &amp; Libmraa for IoT</a:t>
+            </a:r>
+          </a:p>
+        </p:txBody>
+      </p:sp>
+      <p:sp>
+        <p:nvSpPr>
+          <p:cNvPr id="5" name="Slide Number Placeholder 4"/>
+          <p:cNvSpPr>
+            <a:spLocks noGrp="1"/>
+          </p:cNvSpPr>
+          <p:nvPr>
+            <p:ph type="sldNum" sz="quarter" idx="12"/>
+          </p:nvPr>
+        </p:nvSpPr>
+        <p:spPr/>
+        <p:txBody>
+          <a:bodyPr/>
+          <a:lstStyle/>
+          <a:p>
+            <a:fld id="{A9FBE660-3FB8-4F39-B090-6A019F1CE903}" type="slidenum">
+              <a:rPr lang="en-GB" smtClean="0"/>
+              <a:t>16</a:t>
+            </a:fld>
+            <a:endParaRPr lang="en-GB"/>
+          </a:p>
+        </p:txBody>
+      </p:sp>
+    </p:spTree>
+    <p:extLst>
+      <p:ext uri="{BB962C8B-B14F-4D97-AF65-F5344CB8AC3E}">
+        <p14:creationId xmlns:p14="http://schemas.microsoft.com/office/powerpoint/2010/main" val="4242177743"/>
+      </p:ext>
+    </p:extLst>
+  </p:cSld>
+  <p:clrMapOvr>
+    <a:masterClrMapping/>
+  </p:clrMapOvr>
+</p:sld>
+</file>
+
+<file path=ppt/slides/slide17.xml><?xml version="1.0" encoding="utf-8"?>
+<p:sld xmlns:a="http://schemas.openxmlformats.org/drawingml/2006/main" xmlns:r="http://schemas.openxmlformats.org/officeDocument/2006/relationships" xmlns:p="http://schemas.openxmlformats.org/presentationml/2006/main">
+  <p:cSld>
+    <p:spTree>
+      <p:nvGrpSpPr>
+        <p:cNvPr id="1" name=""/>
+        <p:cNvGrpSpPr/>
+        <p:nvPr/>
+      </p:nvGrpSpPr>
+      <p:grpSpPr>
+        <a:xfrm>
+          <a:off x="0" y="0"/>
+          <a:ext cx="0" cy="0"/>
+          <a:chOff x="0" y="0"/>
+          <a:chExt cx="0" cy="0"/>
+        </a:xfrm>
+      </p:grpSpPr>
+      <p:sp>
+        <p:nvSpPr>
+          <p:cNvPr id="2" name="Title 1"/>
+          <p:cNvSpPr>
+            <a:spLocks noGrp="1"/>
+          </p:cNvSpPr>
+          <p:nvPr>
+            <p:ph type="title"/>
+          </p:nvPr>
+        </p:nvSpPr>
+        <p:spPr/>
+        <p:txBody>
+          <a:bodyPr/>
+          <a:lstStyle/>
+          <a:p>
+            <a:r>
+              <a:rPr lang="en-US" dirty="0"/>
+              <a:t>Run </a:t>
+            </a:r>
+            <a:r>
+              <a:rPr lang="en-US" b="1" u="sng" dirty="0"/>
+              <a:t>mqtt-client.js</a:t>
+            </a:r>
+          </a:p>
+        </p:txBody>
+      </p:sp>
+      <p:pic>
+        <p:nvPicPr>
+          <p:cNvPr id="6" name="Content Placeholder 5"/>
+          <p:cNvPicPr>
+            <a:picLocks noGrp="1" noChangeAspect="1"/>
+          </p:cNvPicPr>
+          <p:nvPr>
+            <p:ph idx="1"/>
+          </p:nvPr>
+        </p:nvPicPr>
+        <p:blipFill>
+          <a:blip r:embed="rId2">
+            <a:extLst>
+              <a:ext uri="{28A0092B-C50C-407E-A947-70E740481C1C}">
+                <a14:useLocalDpi xmlns:a14="http://schemas.microsoft.com/office/drawing/2010/main" val="0"/>
+              </a:ext>
+            </a:extLst>
+          </a:blip>
+          <a:stretch>
+            <a:fillRect/>
+          </a:stretch>
+        </p:blipFill>
+        <p:spPr>
+          <a:xfrm>
+            <a:off x="838200" y="1690688"/>
+            <a:ext cx="10515600" cy="3681706"/>
+          </a:xfrm>
+        </p:spPr>
+      </p:pic>
+      <p:sp>
+        <p:nvSpPr>
+          <p:cNvPr id="4" name="Footer Placeholder 3"/>
+          <p:cNvSpPr>
+            <a:spLocks noGrp="1"/>
+          </p:cNvSpPr>
+          <p:nvPr>
+            <p:ph type="ftr" sz="quarter" idx="11"/>
+          </p:nvPr>
+        </p:nvSpPr>
+        <p:spPr/>
+        <p:txBody>
+          <a:bodyPr/>
+          <a:lstStyle/>
+          <a:p>
+            <a:r>
+              <a:rPr lang="en-GB"/>
+              <a:t>MHW | Introduction to NodeJS, SocketIO &amp; Libmraa for IoT</a:t>
+            </a:r>
+          </a:p>
+        </p:txBody>
+      </p:sp>
+      <p:sp>
+        <p:nvSpPr>
+          <p:cNvPr id="5" name="Slide Number Placeholder 4"/>
+          <p:cNvSpPr>
+            <a:spLocks noGrp="1"/>
+          </p:cNvSpPr>
+          <p:nvPr>
+            <p:ph type="sldNum" sz="quarter" idx="12"/>
+          </p:nvPr>
+        </p:nvSpPr>
+        <p:spPr/>
+        <p:txBody>
+          <a:bodyPr/>
+          <a:lstStyle/>
+          <a:p>
+            <a:fld id="{A9FBE660-3FB8-4F39-B090-6A019F1CE903}" type="slidenum">
+              <a:rPr lang="en-GB" smtClean="0"/>
+              <a:t>17</a:t>
+            </a:fld>
+            <a:endParaRPr lang="en-GB"/>
+          </a:p>
+        </p:txBody>
+      </p:sp>
+      <p:sp>
+        <p:nvSpPr>
+          <p:cNvPr id="7" name="TextBox 6"/>
+          <p:cNvSpPr txBox="1"/>
+          <p:nvPr/>
+        </p:nvSpPr>
+        <p:spPr>
+          <a:xfrm>
+            <a:off x="1759670" y="5510429"/>
+            <a:ext cx="8672660" cy="707886"/>
+          </a:xfrm>
+          <a:prstGeom prst="rect">
+            <a:avLst/>
+          </a:prstGeom>
+          <a:noFill/>
+        </p:spPr>
+        <p:txBody>
+          <a:bodyPr wrap="square" rtlCol="0">
+            <a:spAutoFit/>
+          </a:bodyPr>
+          <a:lstStyle/>
+          <a:p>
+            <a:r>
+              <a:rPr lang="en-US" sz="2000" dirty="0">
+                <a:latin typeface="Arial" panose="020B0604020202020204" pitchFamily="34" charset="0"/>
+                <a:cs typeface="Arial" panose="020B0604020202020204" pitchFamily="34" charset="0"/>
+              </a:rPr>
+              <a:t>p/s: When you run </a:t>
+            </a:r>
+            <a:r>
+              <a:rPr lang="en-US" sz="2000" b="1" u="sng" dirty="0">
+                <a:latin typeface="Arial" panose="020B0604020202020204" pitchFamily="34" charset="0"/>
+                <a:cs typeface="Arial" panose="020B0604020202020204" pitchFamily="34" charset="0"/>
+              </a:rPr>
+              <a:t>mqtt-client.js</a:t>
+            </a:r>
+            <a:r>
+              <a:rPr lang="en-US" sz="2000" dirty="0">
+                <a:latin typeface="Arial" panose="020B0604020202020204" pitchFamily="34" charset="0"/>
+                <a:cs typeface="Arial" panose="020B0604020202020204" pitchFamily="34" charset="0"/>
+              </a:rPr>
+              <a:t>, your broker (</a:t>
+            </a:r>
+            <a:r>
+              <a:rPr lang="en-US" sz="2000" b="1" u="sng" dirty="0">
+                <a:latin typeface="Arial" panose="020B0604020202020204" pitchFamily="34" charset="0"/>
+                <a:cs typeface="Arial" panose="020B0604020202020204" pitchFamily="34" charset="0"/>
+              </a:rPr>
+              <a:t>broker-mongodb.js</a:t>
+            </a:r>
+            <a:r>
+              <a:rPr lang="en-US" sz="2000" dirty="0">
+                <a:latin typeface="Arial" panose="020B0604020202020204" pitchFamily="34" charset="0"/>
+                <a:cs typeface="Arial" panose="020B0604020202020204" pitchFamily="34" charset="0"/>
+              </a:rPr>
+              <a:t>) will immediately receives the connection. </a:t>
+            </a:r>
+          </a:p>
+        </p:txBody>
+      </p:sp>
+    </p:spTree>
+    <p:extLst>
+      <p:ext uri="{BB962C8B-B14F-4D97-AF65-F5344CB8AC3E}">
+        <p14:creationId xmlns:p14="http://schemas.microsoft.com/office/powerpoint/2010/main" val="902082430"/>
+      </p:ext>
+    </p:extLst>
+  </p:cSld>
+  <p:clrMapOvr>
+    <a:masterClrMapping/>
+  </p:clrMapOvr>
+</p:sld>
+</file>
+
+<file path=ppt/slides/slide18.xml><?xml version="1.0" encoding="utf-8"?>
+<p:sld xmlns:a="http://schemas.openxmlformats.org/drawingml/2006/main" xmlns:r="http://schemas.openxmlformats.org/officeDocument/2006/relationships" xmlns:p="http://schemas.openxmlformats.org/presentationml/2006/main">
+  <p:cSld>
+    <p:spTree>
+      <p:nvGrpSpPr>
+        <p:cNvPr id="1" name=""/>
+        <p:cNvGrpSpPr/>
+        <p:nvPr/>
+      </p:nvGrpSpPr>
+      <p:grpSpPr>
+        <a:xfrm>
+          <a:off x="0" y="0"/>
+          <a:ext cx="0" cy="0"/>
+          <a:chOff x="0" y="0"/>
+          <a:chExt cx="0" cy="0"/>
+        </a:xfrm>
+      </p:grpSpPr>
+      <p:sp>
+        <p:nvSpPr>
+          <p:cNvPr id="2" name="Title 1"/>
+          <p:cNvSpPr>
+            <a:spLocks noGrp="1"/>
+          </p:cNvSpPr>
+          <p:nvPr>
+            <p:ph type="title"/>
+          </p:nvPr>
+        </p:nvSpPr>
+        <p:spPr/>
+        <p:txBody>
+          <a:bodyPr/>
+          <a:lstStyle/>
+          <a:p>
+            <a:r>
+              <a:rPr lang="en-US" dirty="0"/>
+              <a:t>Verify: </a:t>
+            </a:r>
+          </a:p>
+        </p:txBody>
+      </p:sp>
+      <p:pic>
+        <p:nvPicPr>
+          <p:cNvPr id="6" name="Content Placeholder 5"/>
+          <p:cNvPicPr>
+            <a:picLocks noGrp="1" noChangeAspect="1"/>
+          </p:cNvPicPr>
+          <p:nvPr>
+            <p:ph idx="1"/>
+          </p:nvPr>
+        </p:nvPicPr>
+        <p:blipFill>
+          <a:blip r:embed="rId2">
+            <a:extLst>
+              <a:ext uri="{28A0092B-C50C-407E-A947-70E740481C1C}">
+                <a14:useLocalDpi xmlns:a14="http://schemas.microsoft.com/office/drawing/2010/main" val="0"/>
+              </a:ext>
+            </a:extLst>
+          </a:blip>
+          <a:stretch>
+            <a:fillRect/>
+          </a:stretch>
+        </p:blipFill>
+        <p:spPr>
+          <a:xfrm>
+            <a:off x="838200" y="1690688"/>
+            <a:ext cx="6356669" cy="4351338"/>
+          </a:xfrm>
+        </p:spPr>
+      </p:pic>
+      <p:sp>
+        <p:nvSpPr>
+          <p:cNvPr id="4" name="Footer Placeholder 3"/>
+          <p:cNvSpPr>
+            <a:spLocks noGrp="1"/>
+          </p:cNvSpPr>
+          <p:nvPr>
+            <p:ph type="ftr" sz="quarter" idx="11"/>
+          </p:nvPr>
+        </p:nvSpPr>
+        <p:spPr/>
+        <p:txBody>
+          <a:bodyPr/>
+          <a:lstStyle/>
+          <a:p>
+            <a:r>
+              <a:rPr lang="en-GB"/>
+              <a:t>MHW | Introduction to NodeJS, SocketIO &amp; Libmraa for IoT</a:t>
+            </a:r>
+          </a:p>
+        </p:txBody>
+      </p:sp>
+      <p:sp>
+        <p:nvSpPr>
+          <p:cNvPr id="5" name="Slide Number Placeholder 4"/>
+          <p:cNvSpPr>
+            <a:spLocks noGrp="1"/>
+          </p:cNvSpPr>
+          <p:nvPr>
+            <p:ph type="sldNum" sz="quarter" idx="12"/>
+          </p:nvPr>
+        </p:nvSpPr>
+        <p:spPr/>
+        <p:txBody>
+          <a:bodyPr/>
+          <a:lstStyle/>
+          <a:p>
+            <a:fld id="{A9FBE660-3FB8-4F39-B090-6A019F1CE903}" type="slidenum">
+              <a:rPr lang="en-GB" smtClean="0"/>
+              <a:t>18</a:t>
+            </a:fld>
+            <a:endParaRPr lang="en-GB"/>
+          </a:p>
+        </p:txBody>
+      </p:sp>
+      <p:sp>
+        <p:nvSpPr>
+          <p:cNvPr id="7" name="TextBox 6"/>
+          <p:cNvSpPr txBox="1"/>
+          <p:nvPr/>
+        </p:nvSpPr>
+        <p:spPr>
+          <a:xfrm>
+            <a:off x="7352908" y="2354900"/>
+            <a:ext cx="4411743" cy="1631216"/>
+          </a:xfrm>
+          <a:prstGeom prst="rect">
+            <a:avLst/>
+          </a:prstGeom>
+          <a:noFill/>
+        </p:spPr>
+        <p:txBody>
+          <a:bodyPr wrap="square" rtlCol="0">
+            <a:spAutoFit/>
+          </a:bodyPr>
+          <a:lstStyle/>
+          <a:p>
+            <a:r>
+              <a:rPr lang="en-US" sz="2000" dirty="0">
+                <a:latin typeface="Arial" panose="020B0604020202020204" pitchFamily="34" charset="0"/>
+                <a:cs typeface="Arial" panose="020B0604020202020204" pitchFamily="34" charset="0"/>
+              </a:rPr>
+              <a:t>Broker received connection from client (</a:t>
+            </a:r>
+            <a:r>
+              <a:rPr lang="en-US" sz="2000" b="1" u="sng" dirty="0">
+                <a:latin typeface="Arial" panose="020B0604020202020204" pitchFamily="34" charset="0"/>
+                <a:cs typeface="Arial" panose="020B0604020202020204" pitchFamily="34" charset="0"/>
+              </a:rPr>
+              <a:t>mqtt-client.js</a:t>
+            </a:r>
+            <a:r>
+              <a:rPr lang="en-US" sz="2000" dirty="0">
+                <a:latin typeface="Arial" panose="020B0604020202020204" pitchFamily="34" charset="0"/>
+                <a:cs typeface="Arial" panose="020B0604020202020204" pitchFamily="34" charset="0"/>
+              </a:rPr>
+              <a:t>).</a:t>
+            </a:r>
+          </a:p>
+          <a:p>
+            <a:endParaRPr lang="en-US" sz="2000" dirty="0">
+              <a:latin typeface="Arial" panose="020B0604020202020204" pitchFamily="34" charset="0"/>
+              <a:cs typeface="Arial" panose="020B0604020202020204" pitchFamily="34" charset="0"/>
+            </a:endParaRPr>
+          </a:p>
+          <a:p>
+            <a:r>
+              <a:rPr lang="en-US" sz="2000" dirty="0">
+                <a:latin typeface="Arial" panose="020B0604020202020204" pitchFamily="34" charset="0"/>
+                <a:cs typeface="Arial" panose="020B0604020202020204" pitchFamily="34" charset="0"/>
+              </a:rPr>
+              <a:t>p/s: To make it real, you may setup </a:t>
+            </a:r>
+            <a:r>
+              <a:rPr lang="en-US" sz="2000" b="1" u="sng" dirty="0">
+                <a:latin typeface="Arial" panose="020B0604020202020204" pitchFamily="34" charset="0"/>
+                <a:cs typeface="Arial" panose="020B0604020202020204" pitchFamily="34" charset="0"/>
+              </a:rPr>
+              <a:t>mqtt-client.js</a:t>
+            </a:r>
+            <a:r>
+              <a:rPr lang="en-US" sz="2000" dirty="0">
+                <a:latin typeface="Arial" panose="020B0604020202020204" pitchFamily="34" charset="0"/>
+                <a:cs typeface="Arial" panose="020B0604020202020204" pitchFamily="34" charset="0"/>
+              </a:rPr>
+              <a:t> on other PC. </a:t>
+            </a:r>
+          </a:p>
+        </p:txBody>
+      </p:sp>
+      <p:sp>
+        <p:nvSpPr>
+          <p:cNvPr id="8" name="Right Arrow 7"/>
+          <p:cNvSpPr/>
+          <p:nvPr/>
+        </p:nvSpPr>
+        <p:spPr>
+          <a:xfrm rot="10800000">
+            <a:off x="6419623" y="2496852"/>
+            <a:ext cx="854266" cy="537327"/>
+          </a:xfrm>
+          <a:prstGeom prst="rightArrow">
+            <a:avLst/>
+          </a:prstGeom>
+          <a:solidFill>
+            <a:srgbClr val="FF0000"/>
+          </a:solidFill>
+          <a:ln>
+            <a:solidFill>
+              <a:srgbClr val="FF0000"/>
+            </a:solidFill>
+          </a:ln>
+        </p:spPr>
+        <p:style>
+          <a:lnRef idx="2">
+            <a:schemeClr val="accent1">
+              <a:shade val="50000"/>
+            </a:schemeClr>
+          </a:lnRef>
+          <a:fillRef idx="1">
+            <a:schemeClr val="accent1"/>
+          </a:fillRef>
+          <a:effectRef idx="0">
+            <a:schemeClr val="accent1"/>
+          </a:effectRef>
+          <a:fontRef idx="minor">
+            <a:schemeClr val="lt1"/>
+          </a:fontRef>
+        </p:style>
+        <p:txBody>
+          <a:bodyPr rtlCol="0" anchor="ctr"/>
+          <a:lstStyle/>
+          <a:p>
+            <a:pPr algn="ctr"/>
+            <a:endParaRPr lang="en-US"/>
+          </a:p>
+        </p:txBody>
+      </p:sp>
+    </p:spTree>
+    <p:extLst>
+      <p:ext uri="{BB962C8B-B14F-4D97-AF65-F5344CB8AC3E}">
+        <p14:creationId xmlns:p14="http://schemas.microsoft.com/office/powerpoint/2010/main" val="1586159022"/>
+      </p:ext>
+    </p:extLst>
+  </p:cSld>
+  <p:clrMapOvr>
+    <a:masterClrMapping/>
+  </p:clrMapOvr>
+</p:sld>
+</file>
+
+<file path=ppt/slides/slide19.xml><?xml version="1.0" encoding="utf-8"?>
+<p:sld xmlns:a="http://schemas.openxmlformats.org/drawingml/2006/main" xmlns:r="http://schemas.openxmlformats.org/officeDocument/2006/relationships" xmlns:p="http://schemas.openxmlformats.org/presentationml/2006/main">
+  <p:cSld>
+    <p:spTree>
+      <p:nvGrpSpPr>
+        <p:cNvPr id="1" name=""/>
+        <p:cNvGrpSpPr/>
+        <p:nvPr/>
+      </p:nvGrpSpPr>
+      <p:grpSpPr>
+        <a:xfrm>
+          <a:off x="0" y="0"/>
+          <a:ext cx="0" cy="0"/>
+          <a:chOff x="0" y="0"/>
+          <a:chExt cx="0" cy="0"/>
+        </a:xfrm>
+      </p:grpSpPr>
+      <p:sp>
+        <p:nvSpPr>
+          <p:cNvPr id="6" name="Title 5"/>
+          <p:cNvSpPr>
+            <a:spLocks noGrp="1"/>
+          </p:cNvSpPr>
+          <p:nvPr>
+            <p:ph type="title"/>
+          </p:nvPr>
+        </p:nvSpPr>
+        <p:spPr/>
+        <p:txBody>
+          <a:bodyPr/>
+          <a:lstStyle/>
+          <a:p>
+            <a:r>
+              <a:rPr lang="en-US" dirty="0"/>
+              <a:t>Run </a:t>
+            </a:r>
+            <a:r>
+              <a:rPr lang="en-US" b="1" u="sng" dirty="0"/>
+              <a:t>mqtt-sn.js</a:t>
+            </a:r>
+          </a:p>
+        </p:txBody>
+      </p:sp>
+      <p:sp>
+        <p:nvSpPr>
+          <p:cNvPr id="7" name="Text Placeholder 6"/>
+          <p:cNvSpPr>
+            <a:spLocks noGrp="1"/>
+          </p:cNvSpPr>
+          <p:nvPr>
+            <p:ph type="body" idx="1"/>
+          </p:nvPr>
+        </p:nvSpPr>
+        <p:spPr/>
+        <p:txBody>
+          <a:bodyPr/>
+          <a:lstStyle/>
+          <a:p>
+            <a:endParaRPr lang="en-US"/>
+          </a:p>
+        </p:txBody>
+      </p:sp>
+      <p:sp>
+        <p:nvSpPr>
+          <p:cNvPr id="4" name="Footer Placeholder 3"/>
+          <p:cNvSpPr>
+            <a:spLocks noGrp="1"/>
+          </p:cNvSpPr>
+          <p:nvPr>
+            <p:ph type="ftr" sz="quarter" idx="11"/>
+          </p:nvPr>
+        </p:nvSpPr>
+        <p:spPr/>
+        <p:txBody>
+          <a:bodyPr/>
+          <a:lstStyle/>
+          <a:p>
+            <a:r>
+              <a:rPr lang="en-GB"/>
+              <a:t>MHW | Introduction to NodeJS, SocketIO &amp; Libmraa for IoT</a:t>
+            </a:r>
+          </a:p>
+        </p:txBody>
+      </p:sp>
+      <p:sp>
+        <p:nvSpPr>
+          <p:cNvPr id="5" name="Slide Number Placeholder 4"/>
+          <p:cNvSpPr>
+            <a:spLocks noGrp="1"/>
+          </p:cNvSpPr>
+          <p:nvPr>
+            <p:ph type="sldNum" sz="quarter" idx="12"/>
+          </p:nvPr>
+        </p:nvSpPr>
+        <p:spPr/>
+        <p:txBody>
+          <a:bodyPr/>
+          <a:lstStyle/>
+          <a:p>
+            <a:fld id="{A9FBE660-3FB8-4F39-B090-6A019F1CE903}" type="slidenum">
+              <a:rPr lang="en-GB" smtClean="0"/>
+              <a:t>19</a:t>
+            </a:fld>
+            <a:endParaRPr lang="en-GB"/>
+          </a:p>
+        </p:txBody>
+      </p:sp>
+    </p:spTree>
+    <p:extLst>
+      <p:ext uri="{BB962C8B-B14F-4D97-AF65-F5344CB8AC3E}">
+        <p14:creationId xmlns:p14="http://schemas.microsoft.com/office/powerpoint/2010/main" val="1329825537"/>
+      </p:ext>
+    </p:extLst>
+  </p:cSld>
+  <p:clrMapOvr>
+    <a:masterClrMapping/>
+  </p:clrMapOvr>
+</p:sld>
+</file>
+
+<file path=ppt/slides/slide2.xml><?xml version="1.0" encoding="utf-8"?>
+<p:sld xmlns:a="http://schemas.openxmlformats.org/drawingml/2006/main" xmlns:r="http://schemas.openxmlformats.org/officeDocument/2006/relationships" xmlns:p="http://schemas.openxmlformats.org/presentationml/2006/main">
+  <p:cSld>
+    <p:spTree>
+      <p:nvGrpSpPr>
+        <p:cNvPr id="1" name=""/>
+        <p:cNvGrpSpPr/>
+        <p:nvPr/>
+      </p:nvGrpSpPr>
+      <p:grpSpPr>
+        <a:xfrm>
+          <a:off x="0" y="0"/>
+          <a:ext cx="0" cy="0"/>
+          <a:chOff x="0" y="0"/>
+          <a:chExt cx="0" cy="0"/>
+        </a:xfrm>
+      </p:grpSpPr>
+      <p:sp>
+        <p:nvSpPr>
+          <p:cNvPr id="2" name="Title 1"/>
+          <p:cNvSpPr>
+            <a:spLocks noGrp="1"/>
+          </p:cNvSpPr>
+          <p:nvPr>
             <p:ph type="title"/>
           </p:nvPr>
         </p:nvSpPr>
@@ -3447,7 +5565,7 @@
           <a:p>
             <a:fld id="{A9FBE660-3FB8-4F39-B090-6A019F1CE903}" type="slidenum">
               <a:rPr lang="en-GB" smtClean="0"/>
-              <a:t>1</a:t>
+              <a:t>2</a:t>
             </a:fld>
             <a:endParaRPr lang="en-GB"/>
           </a:p>
@@ -3718,7 +5836,7 @@
 </p:sld>
 </file>
 
-<file path=ppt/slides/slide10.xml><?xml version="1.0" encoding="utf-8"?>
+<file path=ppt/slides/slide20.xml><?xml version="1.0" encoding="utf-8"?>
 <p:sld xmlns:a="http://schemas.openxmlformats.org/drawingml/2006/main" xmlns:r="http://schemas.openxmlformats.org/officeDocument/2006/relationships" xmlns:p="http://schemas.openxmlformats.org/presentationml/2006/main">
   <p:cSld>
     <p:spTree>
@@ -3752,1063 +5870,33 @@
           <a:p>
             <a:r>
               <a:rPr lang="en-US" dirty="0"/>
-              <a:t>Resolve dependencies: </a:t>
+              <a:t>Transfer </a:t>
             </a:r>
             <a:r>
               <a:rPr lang="en-US" b="1" u="sng" dirty="0"/>
-              <a:t>broker-mongodb.js</a:t>
-            </a:r>
-          </a:p>
-        </p:txBody>
-      </p:sp>
-      <p:sp>
-        <p:nvSpPr>
-          <p:cNvPr id="7" name="Content Placeholder 6"/>
-          <p:cNvSpPr>
-            <a:spLocks noGrp="1"/>
-          </p:cNvSpPr>
-          <p:nvPr>
-            <p:ph idx="1"/>
-          </p:nvPr>
-        </p:nvSpPr>
-        <p:spPr/>
-        <p:txBody>
-          <a:bodyPr/>
-          <a:lstStyle/>
-          <a:p>
-            <a:endParaRPr lang="en-US" dirty="0"/>
-          </a:p>
-        </p:txBody>
-      </p:sp>
-      <p:sp>
-        <p:nvSpPr>
-          <p:cNvPr id="4" name="Footer Placeholder 3"/>
-          <p:cNvSpPr>
-            <a:spLocks noGrp="1"/>
-          </p:cNvSpPr>
-          <p:nvPr>
-            <p:ph type="ftr" sz="quarter" idx="11"/>
-          </p:nvPr>
-        </p:nvSpPr>
-        <p:spPr/>
-        <p:txBody>
-          <a:bodyPr/>
-          <a:lstStyle/>
-          <a:p>
-            <a:r>
-              <a:rPr lang="en-GB"/>
-              <a:t>MHW | Introduction to NodeJS, SocketIO &amp; Libmraa for IoT</a:t>
-            </a:r>
-          </a:p>
-        </p:txBody>
-      </p:sp>
-      <p:sp>
-        <p:nvSpPr>
-          <p:cNvPr id="5" name="Slide Number Placeholder 4"/>
-          <p:cNvSpPr>
-            <a:spLocks noGrp="1"/>
-          </p:cNvSpPr>
-          <p:nvPr>
-            <p:ph type="sldNum" sz="quarter" idx="12"/>
-          </p:nvPr>
-        </p:nvSpPr>
-        <p:spPr/>
-        <p:txBody>
-          <a:bodyPr/>
-          <a:lstStyle/>
-          <a:p>
-            <a:fld id="{A9FBE660-3FB8-4F39-B090-6A019F1CE903}" type="slidenum">
-              <a:rPr lang="en-GB" smtClean="0"/>
-              <a:t>10</a:t>
-            </a:fld>
-            <a:endParaRPr lang="en-GB"/>
+              <a:t>mqtt-sn.js</a:t>
+            </a:r>
+            <a:r>
+              <a:rPr lang="en-US" dirty="0"/>
+              <a:t> &amp; </a:t>
+            </a:r>
+            <a:r>
+              <a:rPr lang="en-US" b="1" u="sng" dirty="0" err="1"/>
+              <a:t>package.json</a:t>
+            </a:r>
+            <a:br>
+              <a:rPr lang="en-US" dirty="0"/>
+            </a:br>
+            <a:r>
+              <a:rPr lang="en-US" dirty="0"/>
+              <a:t>into Galileo/Edison</a:t>
+            </a:r>
           </a:p>
         </p:txBody>
       </p:sp>
       <p:pic>
         <p:nvPicPr>
-          <p:cNvPr id="8" name="Content Placeholder 11"/>
-          <p:cNvPicPr>
-            <a:picLocks noChangeAspect="1"/>
-          </p:cNvPicPr>
-          <p:nvPr/>
-        </p:nvPicPr>
-        <p:blipFill>
-          <a:blip r:embed="rId2">
-            <a:extLst>
-              <a:ext uri="{28A0092B-C50C-407E-A947-70E740481C1C}">
-                <a14:useLocalDpi xmlns:a14="http://schemas.microsoft.com/office/drawing/2010/main" val="0"/>
-              </a:ext>
-            </a:extLst>
-          </a:blip>
-          <a:stretch>
-            <a:fillRect/>
-          </a:stretch>
-        </p:blipFill>
-        <p:spPr>
-          <a:xfrm>
-            <a:off x="838200" y="1825625"/>
-            <a:ext cx="6356669" cy="4351338"/>
-          </a:xfrm>
-          <a:prstGeom prst="rect">
-            <a:avLst/>
-          </a:prstGeom>
-        </p:spPr>
-      </p:pic>
-    </p:spTree>
-    <p:extLst>
-      <p:ext uri="{BB962C8B-B14F-4D97-AF65-F5344CB8AC3E}">
-        <p14:creationId xmlns:p14="http://schemas.microsoft.com/office/powerpoint/2010/main" val="1007031207"/>
-      </p:ext>
-    </p:extLst>
-  </p:cSld>
-  <p:clrMapOvr>
-    <a:masterClrMapping/>
-  </p:clrMapOvr>
-</p:sld>
-</file>
-
-<file path=ppt/slides/slide11.xml><?xml version="1.0" encoding="utf-8"?>
-<p:sld xmlns:a="http://schemas.openxmlformats.org/drawingml/2006/main" xmlns:r="http://schemas.openxmlformats.org/officeDocument/2006/relationships" xmlns:p="http://schemas.openxmlformats.org/presentationml/2006/main">
-  <p:cSld>
-    <p:spTree>
-      <p:nvGrpSpPr>
-        <p:cNvPr id="1" name=""/>
-        <p:cNvGrpSpPr/>
-        <p:nvPr/>
-      </p:nvGrpSpPr>
-      <p:grpSpPr>
-        <a:xfrm>
-          <a:off x="0" y="0"/>
-          <a:ext cx="0" cy="0"/>
-          <a:chOff x="0" y="0"/>
-          <a:chExt cx="0" cy="0"/>
-        </a:xfrm>
-      </p:grpSpPr>
-      <p:sp>
-        <p:nvSpPr>
-          <p:cNvPr id="2" name="Title 1"/>
-          <p:cNvSpPr>
-            <a:spLocks noGrp="1"/>
-          </p:cNvSpPr>
-          <p:nvPr>
-            <p:ph type="title"/>
-          </p:nvPr>
-        </p:nvSpPr>
-        <p:spPr/>
-        <p:txBody>
-          <a:bodyPr/>
-          <a:lstStyle/>
-          <a:p>
-            <a:r>
-              <a:rPr lang="en-US" dirty="0"/>
-              <a:t>Run </a:t>
-            </a:r>
-            <a:r>
-              <a:rPr lang="en-US" b="1" u="sng" dirty="0"/>
-              <a:t>broker-mongodb.js</a:t>
-            </a:r>
-          </a:p>
-        </p:txBody>
-      </p:sp>
-      <p:sp>
-        <p:nvSpPr>
-          <p:cNvPr id="4" name="Footer Placeholder 3"/>
-          <p:cNvSpPr>
-            <a:spLocks noGrp="1"/>
-          </p:cNvSpPr>
-          <p:nvPr>
-            <p:ph type="ftr" sz="quarter" idx="11"/>
-          </p:nvPr>
-        </p:nvSpPr>
-        <p:spPr/>
-        <p:txBody>
-          <a:bodyPr/>
-          <a:lstStyle/>
-          <a:p>
-            <a:r>
-              <a:rPr lang="en-GB"/>
-              <a:t>MHW | Introduction to NodeJS, SocketIO &amp; Libmraa for IoT</a:t>
-            </a:r>
-          </a:p>
-        </p:txBody>
-      </p:sp>
-      <p:sp>
-        <p:nvSpPr>
-          <p:cNvPr id="5" name="Slide Number Placeholder 4"/>
-          <p:cNvSpPr>
-            <a:spLocks noGrp="1"/>
-          </p:cNvSpPr>
-          <p:nvPr>
-            <p:ph type="sldNum" sz="quarter" idx="12"/>
-          </p:nvPr>
-        </p:nvSpPr>
-        <p:spPr/>
-        <p:txBody>
-          <a:bodyPr/>
-          <a:lstStyle/>
-          <a:p>
-            <a:fld id="{A9FBE660-3FB8-4F39-B090-6A019F1CE903}" type="slidenum">
-              <a:rPr lang="en-GB" smtClean="0"/>
-              <a:t>11</a:t>
-            </a:fld>
-            <a:endParaRPr lang="en-GB"/>
-          </a:p>
-        </p:txBody>
-      </p:sp>
-      <p:pic>
-        <p:nvPicPr>
-          <p:cNvPr id="6" name="Picture 5"/>
-          <p:cNvPicPr>
-            <a:picLocks noChangeAspect="1"/>
-          </p:cNvPicPr>
-          <p:nvPr/>
-        </p:nvPicPr>
-        <p:blipFill>
-          <a:blip r:embed="rId2"/>
-          <a:stretch>
-            <a:fillRect/>
-          </a:stretch>
-        </p:blipFill>
-        <p:spPr>
-          <a:xfrm>
-            <a:off x="838200" y="1690688"/>
-            <a:ext cx="6281738" cy="4300045"/>
-          </a:xfrm>
-          <a:prstGeom prst="rect">
-            <a:avLst/>
-          </a:prstGeom>
-        </p:spPr>
-      </p:pic>
-      <p:pic>
-        <p:nvPicPr>
-          <p:cNvPr id="9" name="Content Placeholder 8"/>
-          <p:cNvPicPr>
-            <a:picLocks noGrp="1" noChangeAspect="1"/>
-          </p:cNvPicPr>
-          <p:nvPr>
-            <p:ph idx="1"/>
-          </p:nvPr>
-        </p:nvPicPr>
-        <p:blipFill>
-          <a:blip r:embed="rId3">
-            <a:extLst>
-              <a:ext uri="{28A0092B-C50C-407E-A947-70E740481C1C}">
-                <a14:useLocalDpi xmlns:a14="http://schemas.microsoft.com/office/drawing/2010/main" val="0"/>
-              </a:ext>
-            </a:extLst>
-          </a:blip>
-          <a:stretch>
-            <a:fillRect/>
-          </a:stretch>
-        </p:blipFill>
-        <p:spPr>
-          <a:xfrm>
-            <a:off x="7486049" y="2406159"/>
-            <a:ext cx="3686689" cy="1286054"/>
-          </a:xfrm>
-        </p:spPr>
-      </p:pic>
-      <p:sp>
-        <p:nvSpPr>
-          <p:cNvPr id="10" name="TextBox 9"/>
-          <p:cNvSpPr txBox="1"/>
-          <p:nvPr/>
-        </p:nvSpPr>
-        <p:spPr>
-          <a:xfrm>
-            <a:off x="7807547" y="3692213"/>
-            <a:ext cx="3043692" cy="2246769"/>
-          </a:xfrm>
-          <a:prstGeom prst="rect">
-            <a:avLst/>
-          </a:prstGeom>
-          <a:noFill/>
-        </p:spPr>
-        <p:txBody>
-          <a:bodyPr wrap="square" rtlCol="0">
-            <a:spAutoFit/>
-          </a:bodyPr>
-          <a:lstStyle/>
-          <a:p>
-            <a:r>
-              <a:rPr lang="en-US" sz="2000" dirty="0">
-                <a:latin typeface="Arial" panose="020B0604020202020204" pitchFamily="34" charset="0"/>
-                <a:cs typeface="Arial" panose="020B0604020202020204" pitchFamily="34" charset="0"/>
-              </a:rPr>
-              <a:t>p/s: Windows might asks you (prompt) to allow Firewall access, so kindly allow it. Notice that Broker (</a:t>
-            </a:r>
-            <a:r>
-              <a:rPr lang="en-US" sz="2000" b="1" u="sng" dirty="0">
-                <a:latin typeface="Arial" panose="020B0604020202020204" pitchFamily="34" charset="0"/>
-                <a:cs typeface="Arial" panose="020B0604020202020204" pitchFamily="34" charset="0"/>
-              </a:rPr>
-              <a:t>broker-mongodb.js</a:t>
-            </a:r>
-            <a:r>
-              <a:rPr lang="en-US" sz="2000" dirty="0">
-                <a:latin typeface="Arial" panose="020B0604020202020204" pitchFamily="34" charset="0"/>
-                <a:cs typeface="Arial" panose="020B0604020202020204" pitchFamily="34" charset="0"/>
-              </a:rPr>
-              <a:t>) runs on port </a:t>
-            </a:r>
-            <a:r>
-              <a:rPr lang="en-US" sz="2000" b="1" u="sng" dirty="0">
-                <a:latin typeface="Arial" panose="020B0604020202020204" pitchFamily="34" charset="0"/>
-                <a:cs typeface="Arial" panose="020B0604020202020204" pitchFamily="34" charset="0"/>
-              </a:rPr>
-              <a:t>1883</a:t>
-            </a:r>
-            <a:r>
-              <a:rPr lang="en-US" sz="2000" dirty="0">
-                <a:latin typeface="Arial" panose="020B0604020202020204" pitchFamily="34" charset="0"/>
-                <a:cs typeface="Arial" panose="020B0604020202020204" pitchFamily="34" charset="0"/>
-              </a:rPr>
-              <a:t>. </a:t>
-            </a:r>
-          </a:p>
-        </p:txBody>
-      </p:sp>
-    </p:spTree>
-    <p:extLst>
-      <p:ext uri="{BB962C8B-B14F-4D97-AF65-F5344CB8AC3E}">
-        <p14:creationId xmlns:p14="http://schemas.microsoft.com/office/powerpoint/2010/main" val="2195546280"/>
-      </p:ext>
-    </p:extLst>
-  </p:cSld>
-  <p:clrMapOvr>
-    <a:masterClrMapping/>
-  </p:clrMapOvr>
-</p:sld>
-</file>
-
-<file path=ppt/slides/slide12.xml><?xml version="1.0" encoding="utf-8"?>
-<p:sld xmlns:a="http://schemas.openxmlformats.org/drawingml/2006/main" xmlns:r="http://schemas.openxmlformats.org/officeDocument/2006/relationships" xmlns:p="http://schemas.openxmlformats.org/presentationml/2006/main">
-  <p:cSld>
-    <p:spTree>
-      <p:nvGrpSpPr>
-        <p:cNvPr id="1" name=""/>
-        <p:cNvGrpSpPr/>
-        <p:nvPr/>
-      </p:nvGrpSpPr>
-      <p:grpSpPr>
-        <a:xfrm>
-          <a:off x="0" y="0"/>
-          <a:ext cx="0" cy="0"/>
-          <a:chOff x="0" y="0"/>
-          <a:chExt cx="0" cy="0"/>
-        </a:xfrm>
-      </p:grpSpPr>
-      <p:sp>
-        <p:nvSpPr>
-          <p:cNvPr id="2" name="Title 1"/>
-          <p:cNvSpPr>
-            <a:spLocks noGrp="1"/>
-          </p:cNvSpPr>
-          <p:nvPr>
-            <p:ph type="title"/>
-          </p:nvPr>
-        </p:nvSpPr>
-        <p:spPr/>
-        <p:txBody>
-          <a:bodyPr/>
-          <a:lstStyle/>
-          <a:p>
-            <a:r>
-              <a:rPr lang="en-US" dirty="0"/>
-              <a:t>Verify: </a:t>
-            </a:r>
-            <a:r>
-              <a:rPr lang="en-US" b="1" u="sng" dirty="0"/>
-              <a:t>broker-mongodb.js</a:t>
-            </a:r>
-          </a:p>
-        </p:txBody>
-      </p:sp>
-      <p:sp>
-        <p:nvSpPr>
-          <p:cNvPr id="4" name="Footer Placeholder 3"/>
-          <p:cNvSpPr>
-            <a:spLocks noGrp="1"/>
-          </p:cNvSpPr>
-          <p:nvPr>
-            <p:ph type="ftr" sz="quarter" idx="11"/>
-          </p:nvPr>
-        </p:nvSpPr>
-        <p:spPr/>
-        <p:txBody>
-          <a:bodyPr/>
-          <a:lstStyle/>
-          <a:p>
-            <a:r>
-              <a:rPr lang="en-GB"/>
-              <a:t>MHW | Introduction to NodeJS, SocketIO &amp; Libmraa for IoT</a:t>
-            </a:r>
-          </a:p>
-        </p:txBody>
-      </p:sp>
-      <p:sp>
-        <p:nvSpPr>
-          <p:cNvPr id="5" name="Slide Number Placeholder 4"/>
-          <p:cNvSpPr>
-            <a:spLocks noGrp="1"/>
-          </p:cNvSpPr>
-          <p:nvPr>
-            <p:ph type="sldNum" sz="quarter" idx="12"/>
-          </p:nvPr>
-        </p:nvSpPr>
-        <p:spPr/>
-        <p:txBody>
-          <a:bodyPr/>
-          <a:lstStyle/>
-          <a:p>
-            <a:fld id="{A9FBE660-3FB8-4F39-B090-6A019F1CE903}" type="slidenum">
-              <a:rPr lang="en-GB" smtClean="0"/>
-              <a:t>12</a:t>
-            </a:fld>
-            <a:endParaRPr lang="en-GB"/>
-          </a:p>
-        </p:txBody>
-      </p:sp>
-      <p:sp>
-        <p:nvSpPr>
-          <p:cNvPr id="9" name="TextBox 8"/>
-          <p:cNvSpPr txBox="1"/>
-          <p:nvPr/>
-        </p:nvSpPr>
-        <p:spPr>
-          <a:xfrm>
-            <a:off x="7394517" y="2377240"/>
-            <a:ext cx="4411743" cy="1015663"/>
-          </a:xfrm>
-          <a:prstGeom prst="rect">
-            <a:avLst/>
-          </a:prstGeom>
-          <a:noFill/>
-        </p:spPr>
-        <p:txBody>
-          <a:bodyPr wrap="square" rtlCol="0">
-            <a:spAutoFit/>
-          </a:bodyPr>
-          <a:lstStyle/>
-          <a:p>
-            <a:r>
-              <a:rPr lang="en-US" sz="2000" dirty="0">
-                <a:latin typeface="Arial" panose="020B0604020202020204" pitchFamily="34" charset="0"/>
-                <a:cs typeface="Arial" panose="020B0604020202020204" pitchFamily="34" charset="0"/>
-              </a:rPr>
-              <a:t>Broker use MongoDB to store the data. ESTABLISHED means broker is hooked up to MongoDB now. </a:t>
-            </a:r>
-          </a:p>
-        </p:txBody>
-      </p:sp>
-      <p:sp>
-        <p:nvSpPr>
-          <p:cNvPr id="10" name="TextBox 9"/>
-          <p:cNvSpPr txBox="1"/>
-          <p:nvPr/>
-        </p:nvSpPr>
-        <p:spPr>
-          <a:xfrm>
-            <a:off x="7394518" y="3803522"/>
-            <a:ext cx="4411743" cy="1015663"/>
-          </a:xfrm>
-          <a:prstGeom prst="rect">
-            <a:avLst/>
-          </a:prstGeom>
-          <a:noFill/>
-        </p:spPr>
-        <p:txBody>
-          <a:bodyPr wrap="square" rtlCol="0">
-            <a:spAutoFit/>
-          </a:bodyPr>
-          <a:lstStyle/>
-          <a:p>
-            <a:r>
-              <a:rPr lang="en-US" sz="2000" dirty="0">
-                <a:latin typeface="Arial" panose="020B0604020202020204" pitchFamily="34" charset="0"/>
-                <a:cs typeface="Arial" panose="020B0604020202020204" pitchFamily="34" charset="0"/>
-              </a:rPr>
-              <a:t>Broker is ready to receive connection from either SN (Sensor Node, </a:t>
-            </a:r>
-            <a:r>
-              <a:rPr lang="en-US" sz="2000" b="1" u="sng" dirty="0">
-                <a:latin typeface="Arial" panose="020B0604020202020204" pitchFamily="34" charset="0"/>
-                <a:cs typeface="Arial" panose="020B0604020202020204" pitchFamily="34" charset="0"/>
-              </a:rPr>
-              <a:t>mqtt-sn.js</a:t>
-            </a:r>
-            <a:r>
-              <a:rPr lang="en-US" sz="2000" dirty="0">
-                <a:latin typeface="Arial" panose="020B0604020202020204" pitchFamily="34" charset="0"/>
-                <a:cs typeface="Arial" panose="020B0604020202020204" pitchFamily="34" charset="0"/>
-              </a:rPr>
-              <a:t>) or client (</a:t>
-            </a:r>
-            <a:r>
-              <a:rPr lang="en-US" sz="2000" b="1" u="sng" dirty="0">
-                <a:latin typeface="Arial" panose="020B0604020202020204" pitchFamily="34" charset="0"/>
-                <a:cs typeface="Arial" panose="020B0604020202020204" pitchFamily="34" charset="0"/>
-              </a:rPr>
-              <a:t>mqtt-client.js</a:t>
-            </a:r>
-            <a:r>
-              <a:rPr lang="en-US" sz="2000" dirty="0">
-                <a:latin typeface="Arial" panose="020B0604020202020204" pitchFamily="34" charset="0"/>
-                <a:cs typeface="Arial" panose="020B0604020202020204" pitchFamily="34" charset="0"/>
-              </a:rPr>
-              <a:t>)</a:t>
-            </a:r>
-          </a:p>
-        </p:txBody>
-      </p:sp>
-      <p:pic>
-        <p:nvPicPr>
-          <p:cNvPr id="12" name="Content Placeholder 11"/>
-          <p:cNvPicPr>
-            <a:picLocks noGrp="1" noChangeAspect="1"/>
-          </p:cNvPicPr>
-          <p:nvPr>
-            <p:ph idx="1"/>
-          </p:nvPr>
-        </p:nvPicPr>
-        <p:blipFill>
-          <a:blip r:embed="rId2">
-            <a:extLst>
-              <a:ext uri="{28A0092B-C50C-407E-A947-70E740481C1C}">
-                <a14:useLocalDpi xmlns:a14="http://schemas.microsoft.com/office/drawing/2010/main" val="0"/>
-              </a:ext>
-            </a:extLst>
-          </a:blip>
-          <a:stretch>
-            <a:fillRect/>
-          </a:stretch>
-        </p:blipFill>
-        <p:spPr>
-          <a:xfrm>
-            <a:off x="838200" y="1690688"/>
-            <a:ext cx="6348927" cy="4351338"/>
-          </a:xfrm>
-        </p:spPr>
-      </p:pic>
-      <p:sp>
-        <p:nvSpPr>
-          <p:cNvPr id="7" name="Right Arrow 6"/>
-          <p:cNvSpPr/>
-          <p:nvPr/>
-        </p:nvSpPr>
-        <p:spPr>
-          <a:xfrm rot="10800000">
-            <a:off x="6540251" y="2691824"/>
-            <a:ext cx="854266" cy="537327"/>
-          </a:xfrm>
-          <a:prstGeom prst="rightArrow">
-            <a:avLst/>
-          </a:prstGeom>
-          <a:solidFill>
-            <a:srgbClr val="FF0000"/>
-          </a:solidFill>
-          <a:ln>
-            <a:solidFill>
-              <a:srgbClr val="FF0000"/>
-            </a:solidFill>
-          </a:ln>
-        </p:spPr>
-        <p:style>
-          <a:lnRef idx="2">
-            <a:schemeClr val="accent1">
-              <a:shade val="50000"/>
-            </a:schemeClr>
-          </a:lnRef>
-          <a:fillRef idx="1">
-            <a:schemeClr val="accent1"/>
-          </a:fillRef>
-          <a:effectRef idx="0">
-            <a:schemeClr val="accent1"/>
-          </a:effectRef>
-          <a:fontRef idx="minor">
-            <a:schemeClr val="lt1"/>
-          </a:fontRef>
-        </p:style>
-        <p:txBody>
-          <a:bodyPr rtlCol="0" anchor="ctr"/>
-          <a:lstStyle/>
-          <a:p>
-            <a:pPr algn="ctr"/>
-            <a:endParaRPr lang="en-US"/>
-          </a:p>
-        </p:txBody>
-      </p:sp>
-      <p:sp>
-        <p:nvSpPr>
-          <p:cNvPr id="8" name="Right Arrow 7"/>
-          <p:cNvSpPr/>
-          <p:nvPr/>
-        </p:nvSpPr>
-        <p:spPr>
-          <a:xfrm rot="10800000">
-            <a:off x="6540252" y="3968238"/>
-            <a:ext cx="854266" cy="537327"/>
-          </a:xfrm>
-          <a:prstGeom prst="rightArrow">
-            <a:avLst/>
-          </a:prstGeom>
-          <a:solidFill>
-            <a:srgbClr val="FF0000"/>
-          </a:solidFill>
-          <a:ln>
-            <a:solidFill>
-              <a:srgbClr val="FF0000"/>
-            </a:solidFill>
-          </a:ln>
-        </p:spPr>
-        <p:style>
-          <a:lnRef idx="2">
-            <a:schemeClr val="accent1">
-              <a:shade val="50000"/>
-            </a:schemeClr>
-          </a:lnRef>
-          <a:fillRef idx="1">
-            <a:schemeClr val="accent1"/>
-          </a:fillRef>
-          <a:effectRef idx="0">
-            <a:schemeClr val="accent1"/>
-          </a:effectRef>
-          <a:fontRef idx="minor">
-            <a:schemeClr val="lt1"/>
-          </a:fontRef>
-        </p:style>
-        <p:txBody>
-          <a:bodyPr rtlCol="0" anchor="ctr"/>
-          <a:lstStyle/>
-          <a:p>
-            <a:pPr algn="ctr"/>
-            <a:endParaRPr lang="en-US"/>
-          </a:p>
-        </p:txBody>
-      </p:sp>
-    </p:spTree>
-    <p:extLst>
-      <p:ext uri="{BB962C8B-B14F-4D97-AF65-F5344CB8AC3E}">
-        <p14:creationId xmlns:p14="http://schemas.microsoft.com/office/powerpoint/2010/main" val="609606842"/>
-      </p:ext>
-    </p:extLst>
-  </p:cSld>
-  <p:clrMapOvr>
-    <a:masterClrMapping/>
-  </p:clrMapOvr>
-</p:sld>
-</file>
-
-<file path=ppt/slides/slide13.xml><?xml version="1.0" encoding="utf-8"?>
-<p:sld xmlns:a="http://schemas.openxmlformats.org/drawingml/2006/main" xmlns:r="http://schemas.openxmlformats.org/officeDocument/2006/relationships" xmlns:p="http://schemas.openxmlformats.org/presentationml/2006/main">
-  <p:cSld>
-    <p:spTree>
-      <p:nvGrpSpPr>
-        <p:cNvPr id="1" name=""/>
-        <p:cNvGrpSpPr/>
-        <p:nvPr/>
-      </p:nvGrpSpPr>
-      <p:grpSpPr>
-        <a:xfrm>
-          <a:off x="0" y="0"/>
-          <a:ext cx="0" cy="0"/>
-          <a:chOff x="0" y="0"/>
-          <a:chExt cx="0" cy="0"/>
-        </a:xfrm>
-      </p:grpSpPr>
-      <p:sp>
-        <p:nvSpPr>
-          <p:cNvPr id="6" name="Title 5"/>
-          <p:cNvSpPr>
-            <a:spLocks noGrp="1"/>
-          </p:cNvSpPr>
-          <p:nvPr>
-            <p:ph type="title"/>
-          </p:nvPr>
-        </p:nvSpPr>
-        <p:spPr/>
-        <p:txBody>
-          <a:bodyPr/>
-          <a:lstStyle/>
-          <a:p>
-            <a:r>
-              <a:rPr lang="en-US" dirty="0"/>
-              <a:t>Run </a:t>
-            </a:r>
-            <a:r>
-              <a:rPr lang="en-US" b="1" u="sng" dirty="0"/>
-              <a:t>mqtt-client.js</a:t>
-            </a:r>
-          </a:p>
-        </p:txBody>
-      </p:sp>
-      <p:sp>
-        <p:nvSpPr>
-          <p:cNvPr id="7" name="Text Placeholder 6"/>
-          <p:cNvSpPr>
-            <a:spLocks noGrp="1"/>
-          </p:cNvSpPr>
-          <p:nvPr>
-            <p:ph type="body" idx="1"/>
-          </p:nvPr>
-        </p:nvSpPr>
-        <p:spPr/>
-        <p:txBody>
-          <a:bodyPr/>
-          <a:lstStyle/>
-          <a:p>
-            <a:endParaRPr lang="en-US"/>
-          </a:p>
-        </p:txBody>
-      </p:sp>
-      <p:sp>
-        <p:nvSpPr>
-          <p:cNvPr id="4" name="Footer Placeholder 3"/>
-          <p:cNvSpPr>
-            <a:spLocks noGrp="1"/>
-          </p:cNvSpPr>
-          <p:nvPr>
-            <p:ph type="ftr" sz="quarter" idx="11"/>
-          </p:nvPr>
-        </p:nvSpPr>
-        <p:spPr/>
-        <p:txBody>
-          <a:bodyPr/>
-          <a:lstStyle/>
-          <a:p>
-            <a:r>
-              <a:rPr lang="en-GB"/>
-              <a:t>MHW | Introduction to NodeJS, SocketIO &amp; Libmraa for IoT</a:t>
-            </a:r>
-          </a:p>
-        </p:txBody>
-      </p:sp>
-      <p:sp>
-        <p:nvSpPr>
-          <p:cNvPr id="5" name="Slide Number Placeholder 4"/>
-          <p:cNvSpPr>
-            <a:spLocks noGrp="1"/>
-          </p:cNvSpPr>
-          <p:nvPr>
-            <p:ph type="sldNum" sz="quarter" idx="12"/>
-          </p:nvPr>
-        </p:nvSpPr>
-        <p:spPr/>
-        <p:txBody>
-          <a:bodyPr/>
-          <a:lstStyle/>
-          <a:p>
-            <a:fld id="{A9FBE660-3FB8-4F39-B090-6A019F1CE903}" type="slidenum">
-              <a:rPr lang="en-GB" smtClean="0"/>
-              <a:t>13</a:t>
-            </a:fld>
-            <a:endParaRPr lang="en-GB"/>
-          </a:p>
-        </p:txBody>
-      </p:sp>
-    </p:spTree>
-    <p:extLst>
-      <p:ext uri="{BB962C8B-B14F-4D97-AF65-F5344CB8AC3E}">
-        <p14:creationId xmlns:p14="http://schemas.microsoft.com/office/powerpoint/2010/main" val="3185077010"/>
-      </p:ext>
-    </p:extLst>
-  </p:cSld>
-  <p:clrMapOvr>
-    <a:masterClrMapping/>
-  </p:clrMapOvr>
-</p:sld>
-</file>
-
-<file path=ppt/slides/slide14.xml><?xml version="1.0" encoding="utf-8"?>
-<p:sld xmlns:a="http://schemas.openxmlformats.org/drawingml/2006/main" xmlns:r="http://schemas.openxmlformats.org/officeDocument/2006/relationships" xmlns:p="http://schemas.openxmlformats.org/presentationml/2006/main">
-  <p:cSld>
-    <p:spTree>
-      <p:nvGrpSpPr>
-        <p:cNvPr id="1" name=""/>
-        <p:cNvGrpSpPr/>
-        <p:nvPr/>
-      </p:nvGrpSpPr>
-      <p:grpSpPr>
-        <a:xfrm>
-          <a:off x="0" y="0"/>
-          <a:ext cx="0" cy="0"/>
-          <a:chOff x="0" y="0"/>
-          <a:chExt cx="0" cy="0"/>
-        </a:xfrm>
-      </p:grpSpPr>
-      <p:sp>
-        <p:nvSpPr>
-          <p:cNvPr id="2" name="Title 1"/>
-          <p:cNvSpPr>
-            <a:spLocks noGrp="1"/>
-          </p:cNvSpPr>
-          <p:nvPr>
-            <p:ph type="title"/>
-          </p:nvPr>
-        </p:nvSpPr>
-        <p:spPr/>
-        <p:txBody>
-          <a:bodyPr/>
-          <a:lstStyle/>
-          <a:p>
-            <a:r>
-              <a:rPr lang="en-US" dirty="0"/>
-              <a:t>Set Broker IP Address in </a:t>
-            </a:r>
-            <a:r>
-              <a:rPr lang="en-US" b="1" u="sng" dirty="0"/>
-              <a:t>mqtt-client.js</a:t>
-            </a:r>
-            <a:endParaRPr lang="en-US" dirty="0"/>
-          </a:p>
-        </p:txBody>
-      </p:sp>
-      <p:pic>
-        <p:nvPicPr>
-          <p:cNvPr id="6" name="Content Placeholder 5"/>
-          <p:cNvPicPr>
-            <a:picLocks noGrp="1" noChangeAspect="1"/>
-          </p:cNvPicPr>
-          <p:nvPr>
-            <p:ph idx="1"/>
-          </p:nvPr>
-        </p:nvPicPr>
-        <p:blipFill>
-          <a:blip r:embed="rId2">
-            <a:extLst>
-              <a:ext uri="{28A0092B-C50C-407E-A947-70E740481C1C}">
-                <a14:useLocalDpi xmlns:a14="http://schemas.microsoft.com/office/drawing/2010/main" val="0"/>
-              </a:ext>
-            </a:extLst>
-          </a:blip>
-          <a:stretch>
-            <a:fillRect/>
-          </a:stretch>
-        </p:blipFill>
-        <p:spPr>
-          <a:xfrm>
-            <a:off x="838200" y="1388772"/>
-            <a:ext cx="7772400" cy="4967578"/>
-          </a:xfrm>
-        </p:spPr>
-      </p:pic>
-      <p:sp>
-        <p:nvSpPr>
-          <p:cNvPr id="4" name="Footer Placeholder 3"/>
-          <p:cNvSpPr>
-            <a:spLocks noGrp="1"/>
-          </p:cNvSpPr>
-          <p:nvPr>
-            <p:ph type="ftr" sz="quarter" idx="11"/>
-          </p:nvPr>
-        </p:nvSpPr>
-        <p:spPr/>
-        <p:txBody>
-          <a:bodyPr/>
-          <a:lstStyle/>
-          <a:p>
-            <a:r>
-              <a:rPr lang="en-GB"/>
-              <a:t>MHW | Introduction to NodeJS, SocketIO &amp; Libmraa for IoT</a:t>
-            </a:r>
-          </a:p>
-        </p:txBody>
-      </p:sp>
-      <p:sp>
-        <p:nvSpPr>
-          <p:cNvPr id="5" name="Slide Number Placeholder 4"/>
-          <p:cNvSpPr>
-            <a:spLocks noGrp="1"/>
-          </p:cNvSpPr>
-          <p:nvPr>
-            <p:ph type="sldNum" sz="quarter" idx="12"/>
-          </p:nvPr>
-        </p:nvSpPr>
-        <p:spPr/>
-        <p:txBody>
-          <a:bodyPr/>
-          <a:lstStyle/>
-          <a:p>
-            <a:fld id="{A9FBE660-3FB8-4F39-B090-6A019F1CE903}" type="slidenum">
-              <a:rPr lang="en-GB" smtClean="0"/>
-              <a:t>14</a:t>
-            </a:fld>
-            <a:endParaRPr lang="en-GB"/>
-          </a:p>
-        </p:txBody>
-      </p:sp>
-      <p:sp>
-        <p:nvSpPr>
-          <p:cNvPr id="7" name="Right Arrow 6"/>
-          <p:cNvSpPr/>
-          <p:nvPr/>
-        </p:nvSpPr>
-        <p:spPr>
-          <a:xfrm rot="10800000">
-            <a:off x="5895326" y="2294248"/>
-            <a:ext cx="854266" cy="537327"/>
-          </a:xfrm>
-          <a:prstGeom prst="rightArrow">
-            <a:avLst/>
-          </a:prstGeom>
-          <a:solidFill>
-            <a:srgbClr val="FF0000"/>
-          </a:solidFill>
-          <a:ln>
-            <a:solidFill>
-              <a:srgbClr val="FF0000"/>
-            </a:solidFill>
-          </a:ln>
-        </p:spPr>
-        <p:style>
-          <a:lnRef idx="2">
-            <a:schemeClr val="accent1">
-              <a:shade val="50000"/>
-            </a:schemeClr>
-          </a:lnRef>
-          <a:fillRef idx="1">
-            <a:schemeClr val="accent1"/>
-          </a:fillRef>
-          <a:effectRef idx="0">
-            <a:schemeClr val="accent1"/>
-          </a:effectRef>
-          <a:fontRef idx="minor">
-            <a:schemeClr val="lt1"/>
-          </a:fontRef>
-        </p:style>
-        <p:txBody>
-          <a:bodyPr rtlCol="0" anchor="ctr"/>
-          <a:lstStyle/>
-          <a:p>
-            <a:pPr algn="ctr"/>
-            <a:endParaRPr lang="en-US"/>
-          </a:p>
-        </p:txBody>
-      </p:sp>
-      <p:sp>
-        <p:nvSpPr>
-          <p:cNvPr id="8" name="TextBox 7"/>
-          <p:cNvSpPr txBox="1"/>
-          <p:nvPr/>
-        </p:nvSpPr>
-        <p:spPr>
-          <a:xfrm>
-            <a:off x="6823558" y="1901193"/>
-            <a:ext cx="3043692" cy="1323439"/>
-          </a:xfrm>
-          <a:prstGeom prst="rect">
-            <a:avLst/>
-          </a:prstGeom>
-          <a:solidFill>
-            <a:schemeClr val="bg1">
-              <a:lumMod val="75000"/>
-            </a:schemeClr>
-          </a:solidFill>
-        </p:spPr>
-        <p:txBody>
-          <a:bodyPr wrap="square" rtlCol="0">
-            <a:spAutoFit/>
-          </a:bodyPr>
-          <a:lstStyle/>
-          <a:p>
-            <a:r>
-              <a:rPr lang="en-US" sz="2000" dirty="0">
-                <a:latin typeface="Arial" panose="020B0604020202020204" pitchFamily="34" charset="0"/>
-                <a:cs typeface="Arial" panose="020B0604020202020204" pitchFamily="34" charset="0"/>
-              </a:rPr>
-              <a:t>p/s: Make sure to set IP for </a:t>
-            </a:r>
-            <a:r>
-              <a:rPr lang="en-US" sz="2000" b="1" u="sng" dirty="0">
-                <a:latin typeface="Arial" panose="020B0604020202020204" pitchFamily="34" charset="0"/>
-                <a:cs typeface="Arial" panose="020B0604020202020204" pitchFamily="34" charset="0"/>
-              </a:rPr>
-              <a:t>mqtt-client.js</a:t>
-            </a:r>
-            <a:r>
-              <a:rPr lang="en-US" sz="2000" dirty="0">
-                <a:latin typeface="Arial" panose="020B0604020202020204" pitchFamily="34" charset="0"/>
-                <a:cs typeface="Arial" panose="020B0604020202020204" pitchFamily="34" charset="0"/>
-              </a:rPr>
-              <a:t> accordingly to your PC IP (run ipconfig in </a:t>
-            </a:r>
-            <a:r>
-              <a:rPr lang="en-US" sz="2000" dirty="0" err="1">
-                <a:latin typeface="Arial" panose="020B0604020202020204" pitchFamily="34" charset="0"/>
-                <a:cs typeface="Arial" panose="020B0604020202020204" pitchFamily="34" charset="0"/>
-              </a:rPr>
-              <a:t>cmd</a:t>
-            </a:r>
-            <a:r>
-              <a:rPr lang="en-US" sz="2000" dirty="0">
-                <a:latin typeface="Arial" panose="020B0604020202020204" pitchFamily="34" charset="0"/>
-                <a:cs typeface="Arial" panose="020B0604020202020204" pitchFamily="34" charset="0"/>
-              </a:rPr>
-              <a:t>). </a:t>
-            </a:r>
-          </a:p>
-        </p:txBody>
-      </p:sp>
-    </p:spTree>
-    <p:extLst>
-      <p:ext uri="{BB962C8B-B14F-4D97-AF65-F5344CB8AC3E}">
-        <p14:creationId xmlns:p14="http://schemas.microsoft.com/office/powerpoint/2010/main" val="96670640"/>
-      </p:ext>
-    </p:extLst>
-  </p:cSld>
-  <p:clrMapOvr>
-    <a:masterClrMapping/>
-  </p:clrMapOvr>
-</p:sld>
-</file>
-
-<file path=ppt/slides/slide15.xml><?xml version="1.0" encoding="utf-8"?>
-<p:sld xmlns:a="http://schemas.openxmlformats.org/drawingml/2006/main" xmlns:r="http://schemas.openxmlformats.org/officeDocument/2006/relationships" xmlns:p="http://schemas.openxmlformats.org/presentationml/2006/main">
-  <p:cSld>
-    <p:spTree>
-      <p:nvGrpSpPr>
-        <p:cNvPr id="1" name=""/>
-        <p:cNvGrpSpPr/>
-        <p:nvPr/>
-      </p:nvGrpSpPr>
-      <p:grpSpPr>
-        <a:xfrm>
-          <a:off x="0" y="0"/>
-          <a:ext cx="0" cy="0"/>
-          <a:chOff x="0" y="0"/>
-          <a:chExt cx="0" cy="0"/>
-        </a:xfrm>
-      </p:grpSpPr>
-      <p:sp>
-        <p:nvSpPr>
-          <p:cNvPr id="2" name="Title 1"/>
-          <p:cNvSpPr>
-            <a:spLocks noGrp="1"/>
-          </p:cNvSpPr>
-          <p:nvPr>
-            <p:ph type="title"/>
-          </p:nvPr>
-        </p:nvSpPr>
-        <p:spPr/>
-        <p:txBody>
-          <a:bodyPr/>
-          <a:lstStyle/>
-          <a:p>
-            <a:r>
-              <a:rPr lang="en-US" dirty="0"/>
-              <a:t>Resolve dependencies: </a:t>
-            </a:r>
-            <a:r>
-              <a:rPr lang="en-US" b="1" u="sng" dirty="0"/>
-              <a:t>mqtt-client.js</a:t>
-            </a:r>
-          </a:p>
-        </p:txBody>
-      </p:sp>
-      <p:pic>
-        <p:nvPicPr>
-          <p:cNvPr id="6" name="Content Placeholder 5"/>
+          <p:cNvPr id="8" name="Content Placeholder 7"/>
           <p:cNvPicPr>
             <a:picLocks noGrp="1" noChangeAspect="1"/>
           </p:cNvPicPr>
@@ -4874,711 +5962,7 @@
           <a:p>
             <a:fld id="{A9FBE660-3FB8-4F39-B090-6A019F1CE903}" type="slidenum">
               <a:rPr lang="en-GB" smtClean="0"/>
-              <a:t>15</a:t>
-            </a:fld>
-            <a:endParaRPr lang="en-GB"/>
-          </a:p>
-        </p:txBody>
-      </p:sp>
-    </p:spTree>
-    <p:extLst>
-      <p:ext uri="{BB962C8B-B14F-4D97-AF65-F5344CB8AC3E}">
-        <p14:creationId xmlns:p14="http://schemas.microsoft.com/office/powerpoint/2010/main" val="4242177743"/>
-      </p:ext>
-    </p:extLst>
-  </p:cSld>
-  <p:clrMapOvr>
-    <a:masterClrMapping/>
-  </p:clrMapOvr>
-</p:sld>
-</file>
-
-<file path=ppt/slides/slide16.xml><?xml version="1.0" encoding="utf-8"?>
-<p:sld xmlns:a="http://schemas.openxmlformats.org/drawingml/2006/main" xmlns:r="http://schemas.openxmlformats.org/officeDocument/2006/relationships" xmlns:p="http://schemas.openxmlformats.org/presentationml/2006/main">
-  <p:cSld>
-    <p:spTree>
-      <p:nvGrpSpPr>
-        <p:cNvPr id="1" name=""/>
-        <p:cNvGrpSpPr/>
-        <p:nvPr/>
-      </p:nvGrpSpPr>
-      <p:grpSpPr>
-        <a:xfrm>
-          <a:off x="0" y="0"/>
-          <a:ext cx="0" cy="0"/>
-          <a:chOff x="0" y="0"/>
-          <a:chExt cx="0" cy="0"/>
-        </a:xfrm>
-      </p:grpSpPr>
-      <p:sp>
-        <p:nvSpPr>
-          <p:cNvPr id="2" name="Title 1"/>
-          <p:cNvSpPr>
-            <a:spLocks noGrp="1"/>
-          </p:cNvSpPr>
-          <p:nvPr>
-            <p:ph type="title"/>
-          </p:nvPr>
-        </p:nvSpPr>
-        <p:spPr/>
-        <p:txBody>
-          <a:bodyPr/>
-          <a:lstStyle/>
-          <a:p>
-            <a:r>
-              <a:rPr lang="en-US" dirty="0"/>
-              <a:t>Run </a:t>
-            </a:r>
-            <a:r>
-              <a:rPr lang="en-US" b="1" u="sng" dirty="0"/>
-              <a:t>mqtt-client.js</a:t>
-            </a:r>
-          </a:p>
-        </p:txBody>
-      </p:sp>
-      <p:pic>
-        <p:nvPicPr>
-          <p:cNvPr id="6" name="Content Placeholder 5"/>
-          <p:cNvPicPr>
-            <a:picLocks noGrp="1" noChangeAspect="1"/>
-          </p:cNvPicPr>
-          <p:nvPr>
-            <p:ph idx="1"/>
-          </p:nvPr>
-        </p:nvPicPr>
-        <p:blipFill>
-          <a:blip r:embed="rId2">
-            <a:extLst>
-              <a:ext uri="{28A0092B-C50C-407E-A947-70E740481C1C}">
-                <a14:useLocalDpi xmlns:a14="http://schemas.microsoft.com/office/drawing/2010/main" val="0"/>
-              </a:ext>
-            </a:extLst>
-          </a:blip>
-          <a:stretch>
-            <a:fillRect/>
-          </a:stretch>
-        </p:blipFill>
-        <p:spPr>
-          <a:xfrm>
-            <a:off x="838200" y="1690688"/>
-            <a:ext cx="10515600" cy="3681706"/>
-          </a:xfrm>
-        </p:spPr>
-      </p:pic>
-      <p:sp>
-        <p:nvSpPr>
-          <p:cNvPr id="4" name="Footer Placeholder 3"/>
-          <p:cNvSpPr>
-            <a:spLocks noGrp="1"/>
-          </p:cNvSpPr>
-          <p:nvPr>
-            <p:ph type="ftr" sz="quarter" idx="11"/>
-          </p:nvPr>
-        </p:nvSpPr>
-        <p:spPr/>
-        <p:txBody>
-          <a:bodyPr/>
-          <a:lstStyle/>
-          <a:p>
-            <a:r>
-              <a:rPr lang="en-GB"/>
-              <a:t>MHW | Introduction to NodeJS, SocketIO &amp; Libmraa for IoT</a:t>
-            </a:r>
-          </a:p>
-        </p:txBody>
-      </p:sp>
-      <p:sp>
-        <p:nvSpPr>
-          <p:cNvPr id="5" name="Slide Number Placeholder 4"/>
-          <p:cNvSpPr>
-            <a:spLocks noGrp="1"/>
-          </p:cNvSpPr>
-          <p:nvPr>
-            <p:ph type="sldNum" sz="quarter" idx="12"/>
-          </p:nvPr>
-        </p:nvSpPr>
-        <p:spPr/>
-        <p:txBody>
-          <a:bodyPr/>
-          <a:lstStyle/>
-          <a:p>
-            <a:fld id="{A9FBE660-3FB8-4F39-B090-6A019F1CE903}" type="slidenum">
-              <a:rPr lang="en-GB" smtClean="0"/>
-              <a:t>16</a:t>
-            </a:fld>
-            <a:endParaRPr lang="en-GB"/>
-          </a:p>
-        </p:txBody>
-      </p:sp>
-      <p:sp>
-        <p:nvSpPr>
-          <p:cNvPr id="7" name="TextBox 6"/>
-          <p:cNvSpPr txBox="1"/>
-          <p:nvPr/>
-        </p:nvSpPr>
-        <p:spPr>
-          <a:xfrm>
-            <a:off x="1759670" y="5510429"/>
-            <a:ext cx="8672660" cy="707886"/>
-          </a:xfrm>
-          <a:prstGeom prst="rect">
-            <a:avLst/>
-          </a:prstGeom>
-          <a:noFill/>
-        </p:spPr>
-        <p:txBody>
-          <a:bodyPr wrap="square" rtlCol="0">
-            <a:spAutoFit/>
-          </a:bodyPr>
-          <a:lstStyle/>
-          <a:p>
-            <a:r>
-              <a:rPr lang="en-US" sz="2000" dirty="0">
-                <a:latin typeface="Arial" panose="020B0604020202020204" pitchFamily="34" charset="0"/>
-                <a:cs typeface="Arial" panose="020B0604020202020204" pitchFamily="34" charset="0"/>
-              </a:rPr>
-              <a:t>p/s: When you run </a:t>
-            </a:r>
-            <a:r>
-              <a:rPr lang="en-US" sz="2000" b="1" u="sng" dirty="0">
-                <a:latin typeface="Arial" panose="020B0604020202020204" pitchFamily="34" charset="0"/>
-                <a:cs typeface="Arial" panose="020B0604020202020204" pitchFamily="34" charset="0"/>
-              </a:rPr>
-              <a:t>mqtt-client.js</a:t>
-            </a:r>
-            <a:r>
-              <a:rPr lang="en-US" sz="2000" dirty="0">
-                <a:latin typeface="Arial" panose="020B0604020202020204" pitchFamily="34" charset="0"/>
-                <a:cs typeface="Arial" panose="020B0604020202020204" pitchFamily="34" charset="0"/>
-              </a:rPr>
-              <a:t>, your broker (</a:t>
-            </a:r>
-            <a:r>
-              <a:rPr lang="en-US" sz="2000" b="1" u="sng" dirty="0">
-                <a:latin typeface="Arial" panose="020B0604020202020204" pitchFamily="34" charset="0"/>
-                <a:cs typeface="Arial" panose="020B0604020202020204" pitchFamily="34" charset="0"/>
-              </a:rPr>
-              <a:t>broker-mongodb.js</a:t>
-            </a:r>
-            <a:r>
-              <a:rPr lang="en-US" sz="2000" dirty="0">
-                <a:latin typeface="Arial" panose="020B0604020202020204" pitchFamily="34" charset="0"/>
-                <a:cs typeface="Arial" panose="020B0604020202020204" pitchFamily="34" charset="0"/>
-              </a:rPr>
-              <a:t>) will immediately receives the connection. </a:t>
-            </a:r>
-          </a:p>
-        </p:txBody>
-      </p:sp>
-    </p:spTree>
-    <p:extLst>
-      <p:ext uri="{BB962C8B-B14F-4D97-AF65-F5344CB8AC3E}">
-        <p14:creationId xmlns:p14="http://schemas.microsoft.com/office/powerpoint/2010/main" val="902082430"/>
-      </p:ext>
-    </p:extLst>
-  </p:cSld>
-  <p:clrMapOvr>
-    <a:masterClrMapping/>
-  </p:clrMapOvr>
-</p:sld>
-</file>
-
-<file path=ppt/slides/slide17.xml><?xml version="1.0" encoding="utf-8"?>
-<p:sld xmlns:a="http://schemas.openxmlformats.org/drawingml/2006/main" xmlns:r="http://schemas.openxmlformats.org/officeDocument/2006/relationships" xmlns:p="http://schemas.openxmlformats.org/presentationml/2006/main">
-  <p:cSld>
-    <p:spTree>
-      <p:nvGrpSpPr>
-        <p:cNvPr id="1" name=""/>
-        <p:cNvGrpSpPr/>
-        <p:nvPr/>
-      </p:nvGrpSpPr>
-      <p:grpSpPr>
-        <a:xfrm>
-          <a:off x="0" y="0"/>
-          <a:ext cx="0" cy="0"/>
-          <a:chOff x="0" y="0"/>
-          <a:chExt cx="0" cy="0"/>
-        </a:xfrm>
-      </p:grpSpPr>
-      <p:sp>
-        <p:nvSpPr>
-          <p:cNvPr id="2" name="Title 1"/>
-          <p:cNvSpPr>
-            <a:spLocks noGrp="1"/>
-          </p:cNvSpPr>
-          <p:nvPr>
-            <p:ph type="title"/>
-          </p:nvPr>
-        </p:nvSpPr>
-        <p:spPr/>
-        <p:txBody>
-          <a:bodyPr/>
-          <a:lstStyle/>
-          <a:p>
-            <a:r>
-              <a:rPr lang="en-US" dirty="0"/>
-              <a:t>Verify: </a:t>
-            </a:r>
-          </a:p>
-        </p:txBody>
-      </p:sp>
-      <p:pic>
-        <p:nvPicPr>
-          <p:cNvPr id="6" name="Content Placeholder 5"/>
-          <p:cNvPicPr>
-            <a:picLocks noGrp="1" noChangeAspect="1"/>
-          </p:cNvPicPr>
-          <p:nvPr>
-            <p:ph idx="1"/>
-          </p:nvPr>
-        </p:nvPicPr>
-        <p:blipFill>
-          <a:blip r:embed="rId2">
-            <a:extLst>
-              <a:ext uri="{28A0092B-C50C-407E-A947-70E740481C1C}">
-                <a14:useLocalDpi xmlns:a14="http://schemas.microsoft.com/office/drawing/2010/main" val="0"/>
-              </a:ext>
-            </a:extLst>
-          </a:blip>
-          <a:stretch>
-            <a:fillRect/>
-          </a:stretch>
-        </p:blipFill>
-        <p:spPr>
-          <a:xfrm>
-            <a:off x="838200" y="1690688"/>
-            <a:ext cx="6356669" cy="4351338"/>
-          </a:xfrm>
-        </p:spPr>
-      </p:pic>
-      <p:sp>
-        <p:nvSpPr>
-          <p:cNvPr id="4" name="Footer Placeholder 3"/>
-          <p:cNvSpPr>
-            <a:spLocks noGrp="1"/>
-          </p:cNvSpPr>
-          <p:nvPr>
-            <p:ph type="ftr" sz="quarter" idx="11"/>
-          </p:nvPr>
-        </p:nvSpPr>
-        <p:spPr/>
-        <p:txBody>
-          <a:bodyPr/>
-          <a:lstStyle/>
-          <a:p>
-            <a:r>
-              <a:rPr lang="en-GB"/>
-              <a:t>MHW | Introduction to NodeJS, SocketIO &amp; Libmraa for IoT</a:t>
-            </a:r>
-          </a:p>
-        </p:txBody>
-      </p:sp>
-      <p:sp>
-        <p:nvSpPr>
-          <p:cNvPr id="5" name="Slide Number Placeholder 4"/>
-          <p:cNvSpPr>
-            <a:spLocks noGrp="1"/>
-          </p:cNvSpPr>
-          <p:nvPr>
-            <p:ph type="sldNum" sz="quarter" idx="12"/>
-          </p:nvPr>
-        </p:nvSpPr>
-        <p:spPr/>
-        <p:txBody>
-          <a:bodyPr/>
-          <a:lstStyle/>
-          <a:p>
-            <a:fld id="{A9FBE660-3FB8-4F39-B090-6A019F1CE903}" type="slidenum">
-              <a:rPr lang="en-GB" smtClean="0"/>
-              <a:t>17</a:t>
-            </a:fld>
-            <a:endParaRPr lang="en-GB"/>
-          </a:p>
-        </p:txBody>
-      </p:sp>
-      <p:sp>
-        <p:nvSpPr>
-          <p:cNvPr id="7" name="TextBox 6"/>
-          <p:cNvSpPr txBox="1"/>
-          <p:nvPr/>
-        </p:nvSpPr>
-        <p:spPr>
-          <a:xfrm>
-            <a:off x="7352908" y="2354900"/>
-            <a:ext cx="4411743" cy="1631216"/>
-          </a:xfrm>
-          <a:prstGeom prst="rect">
-            <a:avLst/>
-          </a:prstGeom>
-          <a:noFill/>
-        </p:spPr>
-        <p:txBody>
-          <a:bodyPr wrap="square" rtlCol="0">
-            <a:spAutoFit/>
-          </a:bodyPr>
-          <a:lstStyle/>
-          <a:p>
-            <a:r>
-              <a:rPr lang="en-US" sz="2000" dirty="0">
-                <a:latin typeface="Arial" panose="020B0604020202020204" pitchFamily="34" charset="0"/>
-                <a:cs typeface="Arial" panose="020B0604020202020204" pitchFamily="34" charset="0"/>
-              </a:rPr>
-              <a:t>Broker received connection from client (</a:t>
-            </a:r>
-            <a:r>
-              <a:rPr lang="en-US" sz="2000" b="1" u="sng" dirty="0">
-                <a:latin typeface="Arial" panose="020B0604020202020204" pitchFamily="34" charset="0"/>
-                <a:cs typeface="Arial" panose="020B0604020202020204" pitchFamily="34" charset="0"/>
-              </a:rPr>
-              <a:t>mqtt-client.js</a:t>
-            </a:r>
-            <a:r>
-              <a:rPr lang="en-US" sz="2000" dirty="0">
-                <a:latin typeface="Arial" panose="020B0604020202020204" pitchFamily="34" charset="0"/>
-                <a:cs typeface="Arial" panose="020B0604020202020204" pitchFamily="34" charset="0"/>
-              </a:rPr>
-              <a:t>).</a:t>
-            </a:r>
-          </a:p>
-          <a:p>
-            <a:endParaRPr lang="en-US" sz="2000" dirty="0">
-              <a:latin typeface="Arial" panose="020B0604020202020204" pitchFamily="34" charset="0"/>
-              <a:cs typeface="Arial" panose="020B0604020202020204" pitchFamily="34" charset="0"/>
-            </a:endParaRPr>
-          </a:p>
-          <a:p>
-            <a:r>
-              <a:rPr lang="en-US" sz="2000" dirty="0">
-                <a:latin typeface="Arial" panose="020B0604020202020204" pitchFamily="34" charset="0"/>
-                <a:cs typeface="Arial" panose="020B0604020202020204" pitchFamily="34" charset="0"/>
-              </a:rPr>
-              <a:t>p/s: To make it real, you may setup </a:t>
-            </a:r>
-            <a:r>
-              <a:rPr lang="en-US" sz="2000" b="1" u="sng" dirty="0">
-                <a:latin typeface="Arial" panose="020B0604020202020204" pitchFamily="34" charset="0"/>
-                <a:cs typeface="Arial" panose="020B0604020202020204" pitchFamily="34" charset="0"/>
-              </a:rPr>
-              <a:t>mqtt-client.js</a:t>
-            </a:r>
-            <a:r>
-              <a:rPr lang="en-US" sz="2000" dirty="0">
-                <a:latin typeface="Arial" panose="020B0604020202020204" pitchFamily="34" charset="0"/>
-                <a:cs typeface="Arial" panose="020B0604020202020204" pitchFamily="34" charset="0"/>
-              </a:rPr>
-              <a:t> on other PC. </a:t>
-            </a:r>
-          </a:p>
-        </p:txBody>
-      </p:sp>
-      <p:sp>
-        <p:nvSpPr>
-          <p:cNvPr id="8" name="Right Arrow 7"/>
-          <p:cNvSpPr/>
-          <p:nvPr/>
-        </p:nvSpPr>
-        <p:spPr>
-          <a:xfrm rot="10800000">
-            <a:off x="6419623" y="2496852"/>
-            <a:ext cx="854266" cy="537327"/>
-          </a:xfrm>
-          <a:prstGeom prst="rightArrow">
-            <a:avLst/>
-          </a:prstGeom>
-          <a:solidFill>
-            <a:srgbClr val="FF0000"/>
-          </a:solidFill>
-          <a:ln>
-            <a:solidFill>
-              <a:srgbClr val="FF0000"/>
-            </a:solidFill>
-          </a:ln>
-        </p:spPr>
-        <p:style>
-          <a:lnRef idx="2">
-            <a:schemeClr val="accent1">
-              <a:shade val="50000"/>
-            </a:schemeClr>
-          </a:lnRef>
-          <a:fillRef idx="1">
-            <a:schemeClr val="accent1"/>
-          </a:fillRef>
-          <a:effectRef idx="0">
-            <a:schemeClr val="accent1"/>
-          </a:effectRef>
-          <a:fontRef idx="minor">
-            <a:schemeClr val="lt1"/>
-          </a:fontRef>
-        </p:style>
-        <p:txBody>
-          <a:bodyPr rtlCol="0" anchor="ctr"/>
-          <a:lstStyle/>
-          <a:p>
-            <a:pPr algn="ctr"/>
-            <a:endParaRPr lang="en-US"/>
-          </a:p>
-        </p:txBody>
-      </p:sp>
-    </p:spTree>
-    <p:extLst>
-      <p:ext uri="{BB962C8B-B14F-4D97-AF65-F5344CB8AC3E}">
-        <p14:creationId xmlns:p14="http://schemas.microsoft.com/office/powerpoint/2010/main" val="1586159022"/>
-      </p:ext>
-    </p:extLst>
-  </p:cSld>
-  <p:clrMapOvr>
-    <a:masterClrMapping/>
-  </p:clrMapOvr>
-</p:sld>
-</file>
-
-<file path=ppt/slides/slide18.xml><?xml version="1.0" encoding="utf-8"?>
-<p:sld xmlns:a="http://schemas.openxmlformats.org/drawingml/2006/main" xmlns:r="http://schemas.openxmlformats.org/officeDocument/2006/relationships" xmlns:p="http://schemas.openxmlformats.org/presentationml/2006/main">
-  <p:cSld>
-    <p:spTree>
-      <p:nvGrpSpPr>
-        <p:cNvPr id="1" name=""/>
-        <p:cNvGrpSpPr/>
-        <p:nvPr/>
-      </p:nvGrpSpPr>
-      <p:grpSpPr>
-        <a:xfrm>
-          <a:off x="0" y="0"/>
-          <a:ext cx="0" cy="0"/>
-          <a:chOff x="0" y="0"/>
-          <a:chExt cx="0" cy="0"/>
-        </a:xfrm>
-      </p:grpSpPr>
-      <p:sp>
-        <p:nvSpPr>
-          <p:cNvPr id="6" name="Title 5"/>
-          <p:cNvSpPr>
-            <a:spLocks noGrp="1"/>
-          </p:cNvSpPr>
-          <p:nvPr>
-            <p:ph type="title"/>
-          </p:nvPr>
-        </p:nvSpPr>
-        <p:spPr/>
-        <p:txBody>
-          <a:bodyPr/>
-          <a:lstStyle/>
-          <a:p>
-            <a:r>
-              <a:rPr lang="en-US" dirty="0"/>
-              <a:t>Run </a:t>
-            </a:r>
-            <a:r>
-              <a:rPr lang="en-US" b="1" u="sng" dirty="0"/>
-              <a:t>mqtt-sn.js</a:t>
-            </a:r>
-          </a:p>
-        </p:txBody>
-      </p:sp>
-      <p:sp>
-        <p:nvSpPr>
-          <p:cNvPr id="7" name="Text Placeholder 6"/>
-          <p:cNvSpPr>
-            <a:spLocks noGrp="1"/>
-          </p:cNvSpPr>
-          <p:nvPr>
-            <p:ph type="body" idx="1"/>
-          </p:nvPr>
-        </p:nvSpPr>
-        <p:spPr/>
-        <p:txBody>
-          <a:bodyPr/>
-          <a:lstStyle/>
-          <a:p>
-            <a:endParaRPr lang="en-US"/>
-          </a:p>
-        </p:txBody>
-      </p:sp>
-      <p:sp>
-        <p:nvSpPr>
-          <p:cNvPr id="4" name="Footer Placeholder 3"/>
-          <p:cNvSpPr>
-            <a:spLocks noGrp="1"/>
-          </p:cNvSpPr>
-          <p:nvPr>
-            <p:ph type="ftr" sz="quarter" idx="11"/>
-          </p:nvPr>
-        </p:nvSpPr>
-        <p:spPr/>
-        <p:txBody>
-          <a:bodyPr/>
-          <a:lstStyle/>
-          <a:p>
-            <a:r>
-              <a:rPr lang="en-GB"/>
-              <a:t>MHW | Introduction to NodeJS, SocketIO &amp; Libmraa for IoT</a:t>
-            </a:r>
-          </a:p>
-        </p:txBody>
-      </p:sp>
-      <p:sp>
-        <p:nvSpPr>
-          <p:cNvPr id="5" name="Slide Number Placeholder 4"/>
-          <p:cNvSpPr>
-            <a:spLocks noGrp="1"/>
-          </p:cNvSpPr>
-          <p:nvPr>
-            <p:ph type="sldNum" sz="quarter" idx="12"/>
-          </p:nvPr>
-        </p:nvSpPr>
-        <p:spPr/>
-        <p:txBody>
-          <a:bodyPr/>
-          <a:lstStyle/>
-          <a:p>
-            <a:fld id="{A9FBE660-3FB8-4F39-B090-6A019F1CE903}" type="slidenum">
-              <a:rPr lang="en-GB" smtClean="0"/>
-              <a:t>18</a:t>
-            </a:fld>
-            <a:endParaRPr lang="en-GB"/>
-          </a:p>
-        </p:txBody>
-      </p:sp>
-    </p:spTree>
-    <p:extLst>
-      <p:ext uri="{BB962C8B-B14F-4D97-AF65-F5344CB8AC3E}">
-        <p14:creationId xmlns:p14="http://schemas.microsoft.com/office/powerpoint/2010/main" val="1329825537"/>
-      </p:ext>
-    </p:extLst>
-  </p:cSld>
-  <p:clrMapOvr>
-    <a:masterClrMapping/>
-  </p:clrMapOvr>
-</p:sld>
-</file>
-
-<file path=ppt/slides/slide19.xml><?xml version="1.0" encoding="utf-8"?>
-<p:sld xmlns:a="http://schemas.openxmlformats.org/drawingml/2006/main" xmlns:r="http://schemas.openxmlformats.org/officeDocument/2006/relationships" xmlns:p="http://schemas.openxmlformats.org/presentationml/2006/main">
-  <p:cSld>
-    <p:spTree>
-      <p:nvGrpSpPr>
-        <p:cNvPr id="1" name=""/>
-        <p:cNvGrpSpPr/>
-        <p:nvPr/>
-      </p:nvGrpSpPr>
-      <p:grpSpPr>
-        <a:xfrm>
-          <a:off x="0" y="0"/>
-          <a:ext cx="0" cy="0"/>
-          <a:chOff x="0" y="0"/>
-          <a:chExt cx="0" cy="0"/>
-        </a:xfrm>
-      </p:grpSpPr>
-      <p:sp>
-        <p:nvSpPr>
-          <p:cNvPr id="6" name="Title 5"/>
-          <p:cNvSpPr>
-            <a:spLocks noGrp="1"/>
-          </p:cNvSpPr>
-          <p:nvPr>
-            <p:ph type="title"/>
-          </p:nvPr>
-        </p:nvSpPr>
-        <p:spPr/>
-        <p:txBody>
-          <a:bodyPr/>
-          <a:lstStyle/>
-          <a:p>
-            <a:r>
-              <a:rPr lang="en-US" dirty="0"/>
-              <a:t>Transfer </a:t>
-            </a:r>
-            <a:r>
-              <a:rPr lang="en-US" b="1" u="sng" dirty="0"/>
-              <a:t>mqtt-sn.js</a:t>
-            </a:r>
-            <a:r>
-              <a:rPr lang="en-US" dirty="0"/>
-              <a:t> &amp; </a:t>
-            </a:r>
-            <a:r>
-              <a:rPr lang="en-US" b="1" u="sng" dirty="0" err="1"/>
-              <a:t>package.json</a:t>
-            </a:r>
-            <a:br>
-              <a:rPr lang="en-US" dirty="0"/>
-            </a:br>
-            <a:r>
-              <a:rPr lang="en-US" dirty="0"/>
-              <a:t>into Galileo/Edison</a:t>
-            </a:r>
-          </a:p>
-        </p:txBody>
-      </p:sp>
-      <p:pic>
-        <p:nvPicPr>
-          <p:cNvPr id="8" name="Content Placeholder 7"/>
-          <p:cNvPicPr>
-            <a:picLocks noGrp="1" noChangeAspect="1"/>
-          </p:cNvPicPr>
-          <p:nvPr>
-            <p:ph idx="1"/>
-          </p:nvPr>
-        </p:nvPicPr>
-        <p:blipFill>
-          <a:blip r:embed="rId2">
-            <a:extLst>
-              <a:ext uri="{28A0092B-C50C-407E-A947-70E740481C1C}">
-                <a14:useLocalDpi xmlns:a14="http://schemas.microsoft.com/office/drawing/2010/main" val="0"/>
-              </a:ext>
-            </a:extLst>
-          </a:blip>
-          <a:stretch>
-            <a:fillRect/>
-          </a:stretch>
-        </p:blipFill>
-        <p:spPr>
-          <a:xfrm>
-            <a:off x="838200" y="1690688"/>
-            <a:ext cx="6356669" cy="4351338"/>
-          </a:xfrm>
-        </p:spPr>
-      </p:pic>
-      <p:sp>
-        <p:nvSpPr>
-          <p:cNvPr id="4" name="Footer Placeholder 3"/>
-          <p:cNvSpPr>
-            <a:spLocks noGrp="1"/>
-          </p:cNvSpPr>
-          <p:nvPr>
-            <p:ph type="ftr" sz="quarter" idx="11"/>
-          </p:nvPr>
-        </p:nvSpPr>
-        <p:spPr/>
-        <p:txBody>
-          <a:bodyPr/>
-          <a:lstStyle/>
-          <a:p>
-            <a:r>
-              <a:rPr lang="en-GB"/>
-              <a:t>MHW | Introduction to NodeJS, SocketIO &amp; Libmraa for IoT</a:t>
-            </a:r>
-          </a:p>
-        </p:txBody>
-      </p:sp>
-      <p:sp>
-        <p:nvSpPr>
-          <p:cNvPr id="5" name="Slide Number Placeholder 4"/>
-          <p:cNvSpPr>
-            <a:spLocks noGrp="1"/>
-          </p:cNvSpPr>
-          <p:nvPr>
-            <p:ph type="sldNum" sz="quarter" idx="12"/>
-          </p:nvPr>
-        </p:nvSpPr>
-        <p:spPr/>
-        <p:txBody>
-          <a:bodyPr/>
-          <a:lstStyle/>
-          <a:p>
-            <a:fld id="{A9FBE660-3FB8-4F39-B090-6A019F1CE903}" type="slidenum">
-              <a:rPr lang="en-GB" smtClean="0"/>
-              <a:t>19</a:t>
+              <a:t>20</a:t>
             </a:fld>
             <a:endParaRPr lang="en-GB"/>
           </a:p>
@@ -5588,318 +5972,6 @@
     <p:extLst>
       <p:ext uri="{BB962C8B-B14F-4D97-AF65-F5344CB8AC3E}">
         <p14:creationId xmlns:p14="http://schemas.microsoft.com/office/powerpoint/2010/main" val="1164582953"/>
-      </p:ext>
-    </p:extLst>
-  </p:cSld>
-  <p:clrMapOvr>
-    <a:masterClrMapping/>
-  </p:clrMapOvr>
-</p:sld>
-</file>
-
-<file path=ppt/slides/slide2.xml><?xml version="1.0" encoding="utf-8"?>
-<p:sld xmlns:a="http://schemas.openxmlformats.org/drawingml/2006/main" xmlns:r="http://schemas.openxmlformats.org/officeDocument/2006/relationships" xmlns:p="http://schemas.openxmlformats.org/presentationml/2006/main">
-  <p:cSld>
-    <p:spTree>
-      <p:nvGrpSpPr>
-        <p:cNvPr id="1" name=""/>
-        <p:cNvGrpSpPr/>
-        <p:nvPr/>
-      </p:nvGrpSpPr>
-      <p:grpSpPr>
-        <a:xfrm>
-          <a:off x="0" y="0"/>
-          <a:ext cx="0" cy="0"/>
-          <a:chOff x="0" y="0"/>
-          <a:chExt cx="0" cy="0"/>
-        </a:xfrm>
-      </p:grpSpPr>
-      <p:sp>
-        <p:nvSpPr>
-          <p:cNvPr id="6" name="Title 5"/>
-          <p:cNvSpPr>
-            <a:spLocks noGrp="1"/>
-          </p:cNvSpPr>
-          <p:nvPr>
-            <p:ph type="title"/>
-          </p:nvPr>
-        </p:nvSpPr>
-        <p:spPr/>
-        <p:txBody>
-          <a:bodyPr/>
-          <a:lstStyle/>
-          <a:p>
-            <a:r>
-              <a:rPr lang="en-US" dirty="0"/>
-              <a:t>How to setup MQTT Demo 01</a:t>
-            </a:r>
-          </a:p>
-        </p:txBody>
-      </p:sp>
-      <p:sp>
-        <p:nvSpPr>
-          <p:cNvPr id="7" name="Text Placeholder 6"/>
-          <p:cNvSpPr>
-            <a:spLocks noGrp="1"/>
-          </p:cNvSpPr>
-          <p:nvPr>
-            <p:ph type="body" idx="1"/>
-          </p:nvPr>
-        </p:nvSpPr>
-        <p:spPr/>
-        <p:txBody>
-          <a:bodyPr/>
-          <a:lstStyle/>
-          <a:p>
-            <a:r>
-              <a:rPr lang="en-US" u="sng" dirty="0">
-                <a:latin typeface="Arial" panose="020B0604020202020204" pitchFamily="34" charset="0"/>
-                <a:cs typeface="Arial" panose="020B0604020202020204" pitchFamily="34" charset="0"/>
-              </a:rPr>
-              <a:t>https://github.com/usmcs-pdcc/mqtt-demo-01</a:t>
-            </a:r>
-          </a:p>
-        </p:txBody>
-      </p:sp>
-      <p:sp>
-        <p:nvSpPr>
-          <p:cNvPr id="4" name="Footer Placeholder 3"/>
-          <p:cNvSpPr>
-            <a:spLocks noGrp="1"/>
-          </p:cNvSpPr>
-          <p:nvPr>
-            <p:ph type="ftr" sz="quarter" idx="11"/>
-          </p:nvPr>
-        </p:nvSpPr>
-        <p:spPr/>
-        <p:txBody>
-          <a:bodyPr/>
-          <a:lstStyle/>
-          <a:p>
-            <a:r>
-              <a:rPr lang="en-GB"/>
-              <a:t>MHW | Introduction to NodeJS, SocketIO &amp; Libmraa for IoT</a:t>
-            </a:r>
-          </a:p>
-        </p:txBody>
-      </p:sp>
-      <p:sp>
-        <p:nvSpPr>
-          <p:cNvPr id="5" name="Slide Number Placeholder 4"/>
-          <p:cNvSpPr>
-            <a:spLocks noGrp="1"/>
-          </p:cNvSpPr>
-          <p:nvPr>
-            <p:ph type="sldNum" sz="quarter" idx="12"/>
-          </p:nvPr>
-        </p:nvSpPr>
-        <p:spPr/>
-        <p:txBody>
-          <a:bodyPr/>
-          <a:lstStyle/>
-          <a:p>
-            <a:fld id="{A9FBE660-3FB8-4F39-B090-6A019F1CE903}" type="slidenum">
-              <a:rPr lang="en-GB" smtClean="0"/>
-              <a:t>2</a:t>
-            </a:fld>
-            <a:endParaRPr lang="en-GB"/>
-          </a:p>
-        </p:txBody>
-      </p:sp>
-    </p:spTree>
-    <p:extLst>
-      <p:ext uri="{BB962C8B-B14F-4D97-AF65-F5344CB8AC3E}">
-        <p14:creationId xmlns:p14="http://schemas.microsoft.com/office/powerpoint/2010/main" val="1106982726"/>
-      </p:ext>
-    </p:extLst>
-  </p:cSld>
-  <p:clrMapOvr>
-    <a:masterClrMapping/>
-  </p:clrMapOvr>
-</p:sld>
-</file>
-
-<file path=ppt/slides/slide20.xml><?xml version="1.0" encoding="utf-8"?>
-<p:sld xmlns:a="http://schemas.openxmlformats.org/drawingml/2006/main" xmlns:r="http://schemas.openxmlformats.org/officeDocument/2006/relationships" xmlns:p="http://schemas.openxmlformats.org/presentationml/2006/main">
-  <p:cSld>
-    <p:spTree>
-      <p:nvGrpSpPr>
-        <p:cNvPr id="1" name=""/>
-        <p:cNvGrpSpPr/>
-        <p:nvPr/>
-      </p:nvGrpSpPr>
-      <p:grpSpPr>
-        <a:xfrm>
-          <a:off x="0" y="0"/>
-          <a:ext cx="0" cy="0"/>
-          <a:chOff x="0" y="0"/>
-          <a:chExt cx="0" cy="0"/>
-        </a:xfrm>
-      </p:grpSpPr>
-      <p:sp>
-        <p:nvSpPr>
-          <p:cNvPr id="2" name="Title 1"/>
-          <p:cNvSpPr>
-            <a:spLocks noGrp="1"/>
-          </p:cNvSpPr>
-          <p:nvPr>
-            <p:ph type="title"/>
-          </p:nvPr>
-        </p:nvSpPr>
-        <p:spPr/>
-        <p:txBody>
-          <a:bodyPr/>
-          <a:lstStyle/>
-          <a:p>
-            <a:r>
-              <a:rPr lang="en-US" dirty="0"/>
-              <a:t>Set Broker IP Address into </a:t>
-            </a:r>
-            <a:r>
-              <a:rPr lang="en-US" b="1" u="sng" dirty="0"/>
-              <a:t>mqtt-sn.js</a:t>
-            </a:r>
-          </a:p>
-        </p:txBody>
-      </p:sp>
-      <p:sp>
-        <p:nvSpPr>
-          <p:cNvPr id="4" name="Footer Placeholder 3"/>
-          <p:cNvSpPr>
-            <a:spLocks noGrp="1"/>
-          </p:cNvSpPr>
-          <p:nvPr>
-            <p:ph type="ftr" sz="quarter" idx="11"/>
-          </p:nvPr>
-        </p:nvSpPr>
-        <p:spPr/>
-        <p:txBody>
-          <a:bodyPr/>
-          <a:lstStyle/>
-          <a:p>
-            <a:r>
-              <a:rPr lang="en-GB"/>
-              <a:t>MHW | Introduction to NodeJS, SocketIO &amp; Libmraa for IoT</a:t>
-            </a:r>
-          </a:p>
-        </p:txBody>
-      </p:sp>
-      <p:sp>
-        <p:nvSpPr>
-          <p:cNvPr id="5" name="Slide Number Placeholder 4"/>
-          <p:cNvSpPr>
-            <a:spLocks noGrp="1"/>
-          </p:cNvSpPr>
-          <p:nvPr>
-            <p:ph type="sldNum" sz="quarter" idx="12"/>
-          </p:nvPr>
-        </p:nvSpPr>
-        <p:spPr/>
-        <p:txBody>
-          <a:bodyPr/>
-          <a:lstStyle/>
-          <a:p>
-            <a:fld id="{A9FBE660-3FB8-4F39-B090-6A019F1CE903}" type="slidenum">
-              <a:rPr lang="en-GB" smtClean="0"/>
-              <a:t>20</a:t>
-            </a:fld>
-            <a:endParaRPr lang="en-GB"/>
-          </a:p>
-        </p:txBody>
-      </p:sp>
-      <p:sp>
-        <p:nvSpPr>
-          <p:cNvPr id="7" name="TextBox 6"/>
-          <p:cNvSpPr txBox="1"/>
-          <p:nvPr/>
-        </p:nvSpPr>
-        <p:spPr>
-          <a:xfrm>
-            <a:off x="7743060" y="2146217"/>
-            <a:ext cx="3399421" cy="1323439"/>
-          </a:xfrm>
-          <a:prstGeom prst="rect">
-            <a:avLst/>
-          </a:prstGeom>
-          <a:noFill/>
-        </p:spPr>
-        <p:txBody>
-          <a:bodyPr wrap="square" rtlCol="0">
-            <a:spAutoFit/>
-          </a:bodyPr>
-          <a:lstStyle/>
-          <a:p>
-            <a:r>
-              <a:rPr lang="en-US" sz="2000" dirty="0">
-                <a:latin typeface="Arial" panose="020B0604020202020204" pitchFamily="34" charset="0"/>
-                <a:cs typeface="Arial" panose="020B0604020202020204" pitchFamily="34" charset="0"/>
-              </a:rPr>
-              <a:t>p/s: Access terminal of Galileo/Edison (</a:t>
-            </a:r>
-            <a:r>
-              <a:rPr lang="en-US" sz="2000" dirty="0" err="1">
-                <a:latin typeface="Arial" panose="020B0604020202020204" pitchFamily="34" charset="0"/>
-                <a:cs typeface="Arial" panose="020B0604020202020204" pitchFamily="34" charset="0"/>
-              </a:rPr>
-              <a:t>PuTTY</a:t>
-            </a:r>
-            <a:r>
-              <a:rPr lang="en-US" sz="2000" dirty="0">
-                <a:latin typeface="Arial" panose="020B0604020202020204" pitchFamily="34" charset="0"/>
-                <a:cs typeface="Arial" panose="020B0604020202020204" pitchFamily="34" charset="0"/>
-              </a:rPr>
-              <a:t> or SSH) first. You can use vim to edit </a:t>
-            </a:r>
-            <a:r>
-              <a:rPr lang="en-US" sz="2000" b="1" u="sng" dirty="0">
-                <a:latin typeface="Arial" panose="020B0604020202020204" pitchFamily="34" charset="0"/>
-                <a:cs typeface="Arial" panose="020B0604020202020204" pitchFamily="34" charset="0"/>
-              </a:rPr>
-              <a:t>mqtt-sn.js</a:t>
-            </a:r>
-            <a:r>
-              <a:rPr lang="en-US" sz="2000" dirty="0">
-                <a:latin typeface="Arial" panose="020B0604020202020204" pitchFamily="34" charset="0"/>
-                <a:cs typeface="Arial" panose="020B0604020202020204" pitchFamily="34" charset="0"/>
-              </a:rPr>
-              <a:t>.</a:t>
-            </a:r>
-          </a:p>
-        </p:txBody>
-      </p:sp>
-      <p:pic>
-        <p:nvPicPr>
-          <p:cNvPr id="13" name="Content Placeholder 12"/>
-          <p:cNvPicPr>
-            <a:picLocks noGrp="1" noChangeAspect="1"/>
-          </p:cNvPicPr>
-          <p:nvPr>
-            <p:ph idx="1"/>
-          </p:nvPr>
-        </p:nvPicPr>
-        <p:blipFill>
-          <a:blip r:embed="rId2">
-            <a:extLst>
-              <a:ext uri="{28A0092B-C50C-407E-A947-70E740481C1C}">
-                <a14:useLocalDpi xmlns:a14="http://schemas.microsoft.com/office/drawing/2010/main" val="0"/>
-              </a:ext>
-            </a:extLst>
-          </a:blip>
-          <a:stretch>
-            <a:fillRect/>
-          </a:stretch>
-        </p:blipFill>
-        <p:spPr>
-          <a:xfrm>
-            <a:off x="838200" y="1690688"/>
-            <a:ext cx="6356669" cy="4351338"/>
-          </a:xfrm>
-        </p:spPr>
-      </p:pic>
-    </p:spTree>
-    <p:extLst>
-      <p:ext uri="{BB962C8B-B14F-4D97-AF65-F5344CB8AC3E}">
-        <p14:creationId xmlns:p14="http://schemas.microsoft.com/office/powerpoint/2010/main" val="2121935336"/>
       </p:ext>
     </p:extLst>
   </p:cSld>
@@ -5943,31 +6015,12 @@
           <a:p>
             <a:r>
               <a:rPr lang="en-US" dirty="0"/>
-              <a:t>Resolve dependencies: </a:t>
+              <a:t>Set Broker IP Address into </a:t>
             </a:r>
             <a:r>
               <a:rPr lang="en-US" b="1" u="sng" dirty="0"/>
               <a:t>mqtt-sn.js</a:t>
             </a:r>
-          </a:p>
-        </p:txBody>
-      </p:sp>
-      <p:sp>
-        <p:nvSpPr>
-          <p:cNvPr id="3" name="Content Placeholder 2"/>
-          <p:cNvSpPr>
-            <a:spLocks noGrp="1"/>
-          </p:cNvSpPr>
-          <p:nvPr>
-            <p:ph idx="1"/>
-          </p:nvPr>
-        </p:nvSpPr>
-        <p:spPr/>
-        <p:txBody>
-          <a:bodyPr/>
-          <a:lstStyle/>
-          <a:p>
-            <a:endParaRPr lang="en-US"/>
           </a:p>
         </p:txBody>
       </p:sp>
@@ -6016,13 +6069,75 @@
           </a:p>
         </p:txBody>
       </p:sp>
+      <p:sp>
+        <p:nvSpPr>
+          <p:cNvPr id="7" name="TextBox 6"/>
+          <p:cNvSpPr txBox="1"/>
+          <p:nvPr/>
+        </p:nvSpPr>
+        <p:spPr>
+          <a:xfrm>
+            <a:off x="7743060" y="2146217"/>
+            <a:ext cx="3399421" cy="1323439"/>
+          </a:xfrm>
+          <a:prstGeom prst="rect">
+            <a:avLst/>
+          </a:prstGeom>
+          <a:noFill/>
+        </p:spPr>
+        <p:txBody>
+          <a:bodyPr wrap="square" rtlCol="0">
+            <a:spAutoFit/>
+          </a:bodyPr>
+          <a:lstStyle/>
+          <a:p>
+            <a:r>
+              <a:rPr lang="en-US" sz="2000" dirty="0">
+                <a:latin typeface="Arial" panose="020B0604020202020204" pitchFamily="34" charset="0"/>
+                <a:cs typeface="Arial" panose="020B0604020202020204" pitchFamily="34" charset="0"/>
+              </a:rPr>
+              <a:t>p/s: Access terminal of Galileo/Edison (</a:t>
+            </a:r>
+            <a:r>
+              <a:rPr lang="en-US" sz="2000" dirty="0" err="1">
+                <a:latin typeface="Arial" panose="020B0604020202020204" pitchFamily="34" charset="0"/>
+                <a:cs typeface="Arial" panose="020B0604020202020204" pitchFamily="34" charset="0"/>
+              </a:rPr>
+              <a:t>PuTTY</a:t>
+            </a:r>
+            <a:r>
+              <a:rPr lang="en-US" sz="2000" dirty="0">
+                <a:latin typeface="Arial" panose="020B0604020202020204" pitchFamily="34" charset="0"/>
+                <a:cs typeface="Arial" panose="020B0604020202020204" pitchFamily="34" charset="0"/>
+              </a:rPr>
+              <a:t> or SSH) first. You can use vim to edit </a:t>
+            </a:r>
+            <a:r>
+              <a:rPr lang="en-US" sz="2000" b="1" u="sng" dirty="0">
+                <a:latin typeface="Arial" panose="020B0604020202020204" pitchFamily="34" charset="0"/>
+                <a:cs typeface="Arial" panose="020B0604020202020204" pitchFamily="34" charset="0"/>
+              </a:rPr>
+              <a:t>mqtt-sn.js</a:t>
+            </a:r>
+            <a:r>
+              <a:rPr lang="en-US" sz="2000" dirty="0">
+                <a:latin typeface="Arial" panose="020B0604020202020204" pitchFamily="34" charset="0"/>
+                <a:cs typeface="Arial" panose="020B0604020202020204" pitchFamily="34" charset="0"/>
+              </a:rPr>
+              <a:t>.</a:t>
+            </a:r>
+          </a:p>
+        </p:txBody>
+      </p:sp>
       <p:pic>
         <p:nvPicPr>
-          <p:cNvPr id="6" name="Content Placeholder 9"/>
+          <p:cNvPr id="13" name="Content Placeholder 12"/>
           <p:cNvPicPr>
-            <a:picLocks noChangeAspect="1"/>
+            <a:picLocks noGrp="1" noChangeAspect="1"/>
           </p:cNvPicPr>
-          <p:nvPr/>
+          <p:nvPr>
+            <p:ph idx="1"/>
+          </p:nvPr>
         </p:nvPicPr>
         <p:blipFill>
           <a:blip r:embed="rId2">
@@ -6038,18 +6153,15 @@
         </p:blipFill>
         <p:spPr>
           <a:xfrm>
-            <a:off x="838200" y="1825625"/>
+            <a:off x="838200" y="1690688"/>
             <a:ext cx="6356669" cy="4351338"/>
           </a:xfrm>
-          <a:prstGeom prst="rect">
-            <a:avLst/>
-          </a:prstGeom>
         </p:spPr>
       </p:pic>
     </p:spTree>
     <p:extLst>
       <p:ext uri="{BB962C8B-B14F-4D97-AF65-F5344CB8AC3E}">
-        <p14:creationId xmlns:p14="http://schemas.microsoft.com/office/powerpoint/2010/main" val="2123364432"/>
+        <p14:creationId xmlns:p14="http://schemas.microsoft.com/office/powerpoint/2010/main" val="2121935336"/>
       </p:ext>
     </p:extLst>
   </p:cSld>
@@ -6078,7 +6190,7 @@
       </p:grpSpPr>
       <p:sp>
         <p:nvSpPr>
-          <p:cNvPr id="6" name="Title 5"/>
+          <p:cNvPr id="2" name="Title 1"/>
           <p:cNvSpPr>
             <a:spLocks noGrp="1"/>
           </p:cNvSpPr>
@@ -6093,12 +6205,31 @@
           <a:p>
             <a:r>
               <a:rPr lang="en-US" dirty="0"/>
-              <a:t>Run </a:t>
+              <a:t>Resolve dependencies: </a:t>
             </a:r>
             <a:r>
               <a:rPr lang="en-US" b="1" u="sng" dirty="0"/>
               <a:t>mqtt-sn.js</a:t>
             </a:r>
+          </a:p>
+        </p:txBody>
+      </p:sp>
+      <p:sp>
+        <p:nvSpPr>
+          <p:cNvPr id="3" name="Content Placeholder 2"/>
+          <p:cNvSpPr>
+            <a:spLocks noGrp="1"/>
+          </p:cNvSpPr>
+          <p:nvPr>
+            <p:ph idx="1"/>
+          </p:nvPr>
+        </p:nvSpPr>
+        <p:spPr/>
+        <p:txBody>
+          <a:bodyPr/>
+          <a:lstStyle/>
+          <a:p>
+            <a:endParaRPr lang="en-US"/>
           </a:p>
         </p:txBody>
       </p:sp>
@@ -6149,13 +6280,11 @@
       </p:sp>
       <p:pic>
         <p:nvPicPr>
-          <p:cNvPr id="14" name="Content Placeholder 13"/>
+          <p:cNvPr id="6" name="Content Placeholder 9"/>
           <p:cNvPicPr>
-            <a:picLocks noGrp="1" noChangeAspect="1"/>
+            <a:picLocks noChangeAspect="1"/>
           </p:cNvPicPr>
-          <p:nvPr>
-            <p:ph idx="1"/>
-          </p:nvPr>
+          <p:nvPr/>
         </p:nvPicPr>
         <p:blipFill>
           <a:blip r:embed="rId2">
@@ -6171,15 +6300,18 @@
         </p:blipFill>
         <p:spPr>
           <a:xfrm>
-            <a:off x="838200" y="1690688"/>
+            <a:off x="838200" y="1825625"/>
             <a:ext cx="6356669" cy="4351338"/>
           </a:xfrm>
+          <a:prstGeom prst="rect">
+            <a:avLst/>
+          </a:prstGeom>
         </p:spPr>
       </p:pic>
     </p:spTree>
     <p:extLst>
       <p:ext uri="{BB962C8B-B14F-4D97-AF65-F5344CB8AC3E}">
-        <p14:creationId xmlns:p14="http://schemas.microsoft.com/office/powerpoint/2010/main" val="1523229520"/>
+        <p14:creationId xmlns:p14="http://schemas.microsoft.com/office/powerpoint/2010/main" val="2123364432"/>
       </p:ext>
     </p:extLst>
   </p:cSld>
@@ -6208,7 +6340,7 @@
       </p:grpSpPr>
       <p:sp>
         <p:nvSpPr>
-          <p:cNvPr id="2" name="Title 1"/>
+          <p:cNvPr id="6" name="Title 5"/>
           <p:cNvSpPr>
             <a:spLocks noGrp="1"/>
           </p:cNvSpPr>
@@ -6223,14 +6355,63 @@
           <a:p>
             <a:r>
               <a:rPr lang="en-US" dirty="0"/>
-              <a:t>Verify:</a:t>
-            </a:r>
+              <a:t>Run </a:t>
+            </a:r>
+            <a:r>
+              <a:rPr lang="en-US" b="1" u="sng" dirty="0"/>
+              <a:t>mqtt-sn.js</a:t>
+            </a:r>
+          </a:p>
+        </p:txBody>
+      </p:sp>
+      <p:sp>
+        <p:nvSpPr>
+          <p:cNvPr id="4" name="Footer Placeholder 3"/>
+          <p:cNvSpPr>
+            <a:spLocks noGrp="1"/>
+          </p:cNvSpPr>
+          <p:nvPr>
+            <p:ph type="ftr" sz="quarter" idx="11"/>
+          </p:nvPr>
+        </p:nvSpPr>
+        <p:spPr/>
+        <p:txBody>
+          <a:bodyPr/>
+          <a:lstStyle/>
+          <a:p>
+            <a:r>
+              <a:rPr lang="en-GB"/>
+              <a:t>MHW | Introduction to NodeJS, SocketIO &amp; Libmraa for IoT</a:t>
+            </a:r>
+          </a:p>
+        </p:txBody>
+      </p:sp>
+      <p:sp>
+        <p:nvSpPr>
+          <p:cNvPr id="5" name="Slide Number Placeholder 4"/>
+          <p:cNvSpPr>
+            <a:spLocks noGrp="1"/>
+          </p:cNvSpPr>
+          <p:nvPr>
+            <p:ph type="sldNum" sz="quarter" idx="12"/>
+          </p:nvPr>
+        </p:nvSpPr>
+        <p:spPr/>
+        <p:txBody>
+          <a:bodyPr/>
+          <a:lstStyle/>
+          <a:p>
+            <a:fld id="{A9FBE660-3FB8-4F39-B090-6A019F1CE903}" type="slidenum">
+              <a:rPr lang="en-GB" smtClean="0"/>
+              <a:t>23</a:t>
+            </a:fld>
+            <a:endParaRPr lang="en-GB"/>
           </a:p>
         </p:txBody>
       </p:sp>
       <p:pic>
         <p:nvPicPr>
-          <p:cNvPr id="6" name="Content Placeholder 5"/>
+          <p:cNvPr id="14" name="Content Placeholder 13"/>
           <p:cNvPicPr>
             <a:picLocks noGrp="1" noChangeAspect="1"/>
           </p:cNvPicPr>
@@ -6257,87 +6438,10 @@
           </a:xfrm>
         </p:spPr>
       </p:pic>
-      <p:sp>
-        <p:nvSpPr>
-          <p:cNvPr id="4" name="Footer Placeholder 3"/>
-          <p:cNvSpPr>
-            <a:spLocks noGrp="1"/>
-          </p:cNvSpPr>
-          <p:nvPr>
-            <p:ph type="ftr" sz="quarter" idx="11"/>
-          </p:nvPr>
-        </p:nvSpPr>
-        <p:spPr/>
-        <p:txBody>
-          <a:bodyPr/>
-          <a:lstStyle/>
-          <a:p>
-            <a:r>
-              <a:rPr lang="en-GB"/>
-              <a:t>MHW | Introduction to NodeJS, SocketIO &amp; Libmraa for IoT</a:t>
-            </a:r>
-          </a:p>
-        </p:txBody>
-      </p:sp>
-      <p:sp>
-        <p:nvSpPr>
-          <p:cNvPr id="5" name="Slide Number Placeholder 4"/>
-          <p:cNvSpPr>
-            <a:spLocks noGrp="1"/>
-          </p:cNvSpPr>
-          <p:nvPr>
-            <p:ph type="sldNum" sz="quarter" idx="12"/>
-          </p:nvPr>
-        </p:nvSpPr>
-        <p:spPr/>
-        <p:txBody>
-          <a:bodyPr/>
-          <a:lstStyle/>
-          <a:p>
-            <a:fld id="{A9FBE660-3FB8-4F39-B090-6A019F1CE903}" type="slidenum">
-              <a:rPr lang="en-GB" smtClean="0"/>
-              <a:t>23</a:t>
-            </a:fld>
-            <a:endParaRPr lang="en-GB"/>
-          </a:p>
-        </p:txBody>
-      </p:sp>
-      <p:sp>
-        <p:nvSpPr>
-          <p:cNvPr id="7" name="TextBox 6"/>
-          <p:cNvSpPr txBox="1"/>
-          <p:nvPr/>
-        </p:nvSpPr>
-        <p:spPr>
-          <a:xfrm>
-            <a:off x="7441402" y="2500024"/>
-            <a:ext cx="3399421" cy="1015663"/>
-          </a:xfrm>
-          <a:prstGeom prst="rect">
-            <a:avLst/>
-          </a:prstGeom>
-          <a:noFill/>
-        </p:spPr>
-        <p:txBody>
-          <a:bodyPr wrap="square" rtlCol="0">
-            <a:spAutoFit/>
-          </a:bodyPr>
-          <a:lstStyle/>
-          <a:p>
-            <a:r>
-              <a:rPr lang="en-US" sz="2000" dirty="0">
-                <a:latin typeface="Arial" panose="020B0604020202020204" pitchFamily="34" charset="0"/>
-                <a:cs typeface="Arial" panose="020B0604020202020204" pitchFamily="34" charset="0"/>
-              </a:rPr>
-              <a:t>p/s: You should be able to see your SN(Sensor Node) connected to broker. </a:t>
-            </a:r>
-          </a:p>
-        </p:txBody>
-      </p:sp>
     </p:spTree>
     <p:extLst>
       <p:ext uri="{BB962C8B-B14F-4D97-AF65-F5344CB8AC3E}">
-        <p14:creationId xmlns:p14="http://schemas.microsoft.com/office/powerpoint/2010/main" val="3090965577"/>
+        <p14:creationId xmlns:p14="http://schemas.microsoft.com/office/powerpoint/2010/main" val="1523229520"/>
       </p:ext>
     </p:extLst>
   </p:cSld>
@@ -6379,6 +6483,164 @@
           <a:bodyPr/>
           <a:lstStyle/>
           <a:p>
+            <a:r>
+              <a:rPr lang="en-US" dirty="0"/>
+              <a:t>Verify:</a:t>
+            </a:r>
+          </a:p>
+        </p:txBody>
+      </p:sp>
+      <p:pic>
+        <p:nvPicPr>
+          <p:cNvPr id="6" name="Content Placeholder 5"/>
+          <p:cNvPicPr>
+            <a:picLocks noGrp="1" noChangeAspect="1"/>
+          </p:cNvPicPr>
+          <p:nvPr>
+            <p:ph idx="1"/>
+          </p:nvPr>
+        </p:nvPicPr>
+        <p:blipFill>
+          <a:blip r:embed="rId2">
+            <a:extLst>
+              <a:ext uri="{28A0092B-C50C-407E-A947-70E740481C1C}">
+                <a14:useLocalDpi xmlns:a14="http://schemas.microsoft.com/office/drawing/2010/main" val="0"/>
+              </a:ext>
+            </a:extLst>
+          </a:blip>
+          <a:stretch>
+            <a:fillRect/>
+          </a:stretch>
+        </p:blipFill>
+        <p:spPr>
+          <a:xfrm>
+            <a:off x="838200" y="1690688"/>
+            <a:ext cx="6356669" cy="4351338"/>
+          </a:xfrm>
+        </p:spPr>
+      </p:pic>
+      <p:sp>
+        <p:nvSpPr>
+          <p:cNvPr id="4" name="Footer Placeholder 3"/>
+          <p:cNvSpPr>
+            <a:spLocks noGrp="1"/>
+          </p:cNvSpPr>
+          <p:nvPr>
+            <p:ph type="ftr" sz="quarter" idx="11"/>
+          </p:nvPr>
+        </p:nvSpPr>
+        <p:spPr/>
+        <p:txBody>
+          <a:bodyPr/>
+          <a:lstStyle/>
+          <a:p>
+            <a:r>
+              <a:rPr lang="en-GB"/>
+              <a:t>MHW | Introduction to NodeJS, SocketIO &amp; Libmraa for IoT</a:t>
+            </a:r>
+          </a:p>
+        </p:txBody>
+      </p:sp>
+      <p:sp>
+        <p:nvSpPr>
+          <p:cNvPr id="5" name="Slide Number Placeholder 4"/>
+          <p:cNvSpPr>
+            <a:spLocks noGrp="1"/>
+          </p:cNvSpPr>
+          <p:nvPr>
+            <p:ph type="sldNum" sz="quarter" idx="12"/>
+          </p:nvPr>
+        </p:nvSpPr>
+        <p:spPr/>
+        <p:txBody>
+          <a:bodyPr/>
+          <a:lstStyle/>
+          <a:p>
+            <a:fld id="{A9FBE660-3FB8-4F39-B090-6A019F1CE903}" type="slidenum">
+              <a:rPr lang="en-GB" smtClean="0"/>
+              <a:t>24</a:t>
+            </a:fld>
+            <a:endParaRPr lang="en-GB"/>
+          </a:p>
+        </p:txBody>
+      </p:sp>
+      <p:sp>
+        <p:nvSpPr>
+          <p:cNvPr id="7" name="TextBox 6"/>
+          <p:cNvSpPr txBox="1"/>
+          <p:nvPr/>
+        </p:nvSpPr>
+        <p:spPr>
+          <a:xfrm>
+            <a:off x="7441402" y="2500024"/>
+            <a:ext cx="3399421" cy="1015663"/>
+          </a:xfrm>
+          <a:prstGeom prst="rect">
+            <a:avLst/>
+          </a:prstGeom>
+          <a:noFill/>
+        </p:spPr>
+        <p:txBody>
+          <a:bodyPr wrap="square" rtlCol="0">
+            <a:spAutoFit/>
+          </a:bodyPr>
+          <a:lstStyle/>
+          <a:p>
+            <a:r>
+              <a:rPr lang="en-US" sz="2000" dirty="0">
+                <a:latin typeface="Arial" panose="020B0604020202020204" pitchFamily="34" charset="0"/>
+                <a:cs typeface="Arial" panose="020B0604020202020204" pitchFamily="34" charset="0"/>
+              </a:rPr>
+              <a:t>p/s: You should be able to see your SN(Sensor Node) connected to broker. </a:t>
+            </a:r>
+          </a:p>
+        </p:txBody>
+      </p:sp>
+    </p:spTree>
+    <p:extLst>
+      <p:ext uri="{BB962C8B-B14F-4D97-AF65-F5344CB8AC3E}">
+        <p14:creationId xmlns:p14="http://schemas.microsoft.com/office/powerpoint/2010/main" val="3090965577"/>
+      </p:ext>
+    </p:extLst>
+  </p:cSld>
+  <p:clrMapOvr>
+    <a:masterClrMapping/>
+  </p:clrMapOvr>
+</p:sld>
+</file>
+
+<file path=ppt/slides/slide25.xml><?xml version="1.0" encoding="utf-8"?>
+<p:sld xmlns:a="http://schemas.openxmlformats.org/drawingml/2006/main" xmlns:r="http://schemas.openxmlformats.org/officeDocument/2006/relationships" xmlns:p="http://schemas.openxmlformats.org/presentationml/2006/main">
+  <p:cSld>
+    <p:spTree>
+      <p:nvGrpSpPr>
+        <p:cNvPr id="1" name=""/>
+        <p:cNvGrpSpPr/>
+        <p:nvPr/>
+      </p:nvGrpSpPr>
+      <p:grpSpPr>
+        <a:xfrm>
+          <a:off x="0" y="0"/>
+          <a:ext cx="0" cy="0"/>
+          <a:chOff x="0" y="0"/>
+          <a:chExt cx="0" cy="0"/>
+        </a:xfrm>
+      </p:grpSpPr>
+      <p:sp>
+        <p:nvSpPr>
+          <p:cNvPr id="2" name="Title 1"/>
+          <p:cNvSpPr>
+            <a:spLocks noGrp="1"/>
+          </p:cNvSpPr>
+          <p:nvPr>
+            <p:ph type="title"/>
+          </p:nvPr>
+        </p:nvSpPr>
+        <p:spPr/>
+        <p:txBody>
+          <a:bodyPr/>
+          <a:lstStyle/>
+          <a:p>
             <a:endParaRPr lang="en-US"/>
           </a:p>
         </p:txBody>
@@ -6451,7 +6713,7 @@
           <a:p>
             <a:fld id="{A9FBE660-3FB8-4F39-B090-6A019F1CE903}" type="slidenum">
               <a:rPr lang="en-GB" smtClean="0"/>
-              <a:t>24</a:t>
+              <a:t>25</a:t>
             </a:fld>
             <a:endParaRPr lang="en-GB"/>
           </a:p>
@@ -6641,6 +6903,128 @@
       </p:grpSpPr>
       <p:sp>
         <p:nvSpPr>
+          <p:cNvPr id="6" name="Title 5"/>
+          <p:cNvSpPr>
+            <a:spLocks noGrp="1"/>
+          </p:cNvSpPr>
+          <p:nvPr>
+            <p:ph type="title"/>
+          </p:nvPr>
+        </p:nvSpPr>
+        <p:spPr/>
+        <p:txBody>
+          <a:bodyPr/>
+          <a:lstStyle/>
+          <a:p>
+            <a:r>
+              <a:rPr lang="en-US" dirty="0"/>
+              <a:t>How to setup MQTT Demo 01</a:t>
+            </a:r>
+          </a:p>
+        </p:txBody>
+      </p:sp>
+      <p:sp>
+        <p:nvSpPr>
+          <p:cNvPr id="7" name="Text Placeholder 6"/>
+          <p:cNvSpPr>
+            <a:spLocks noGrp="1"/>
+          </p:cNvSpPr>
+          <p:nvPr>
+            <p:ph type="body" idx="1"/>
+          </p:nvPr>
+        </p:nvSpPr>
+        <p:spPr/>
+        <p:txBody>
+          <a:bodyPr/>
+          <a:lstStyle/>
+          <a:p>
+            <a:r>
+              <a:rPr lang="en-US" u="sng" dirty="0">
+                <a:latin typeface="Arial" panose="020B0604020202020204" pitchFamily="34" charset="0"/>
+                <a:cs typeface="Arial" panose="020B0604020202020204" pitchFamily="34" charset="0"/>
+              </a:rPr>
+              <a:t>https://github.com/usmcs-pdcc/mqtt-demo-01</a:t>
+            </a:r>
+          </a:p>
+        </p:txBody>
+      </p:sp>
+      <p:sp>
+        <p:nvSpPr>
+          <p:cNvPr id="4" name="Footer Placeholder 3"/>
+          <p:cNvSpPr>
+            <a:spLocks noGrp="1"/>
+          </p:cNvSpPr>
+          <p:nvPr>
+            <p:ph type="ftr" sz="quarter" idx="11"/>
+          </p:nvPr>
+        </p:nvSpPr>
+        <p:spPr/>
+        <p:txBody>
+          <a:bodyPr/>
+          <a:lstStyle/>
+          <a:p>
+            <a:r>
+              <a:rPr lang="en-GB"/>
+              <a:t>MHW | Introduction to NodeJS, SocketIO &amp; Libmraa for IoT</a:t>
+            </a:r>
+          </a:p>
+        </p:txBody>
+      </p:sp>
+      <p:sp>
+        <p:nvSpPr>
+          <p:cNvPr id="5" name="Slide Number Placeholder 4"/>
+          <p:cNvSpPr>
+            <a:spLocks noGrp="1"/>
+          </p:cNvSpPr>
+          <p:nvPr>
+            <p:ph type="sldNum" sz="quarter" idx="12"/>
+          </p:nvPr>
+        </p:nvSpPr>
+        <p:spPr/>
+        <p:txBody>
+          <a:bodyPr/>
+          <a:lstStyle/>
+          <a:p>
+            <a:fld id="{A9FBE660-3FB8-4F39-B090-6A019F1CE903}" type="slidenum">
+              <a:rPr lang="en-GB" smtClean="0"/>
+              <a:t>3</a:t>
+            </a:fld>
+            <a:endParaRPr lang="en-GB"/>
+          </a:p>
+        </p:txBody>
+      </p:sp>
+    </p:spTree>
+    <p:extLst>
+      <p:ext uri="{BB962C8B-B14F-4D97-AF65-F5344CB8AC3E}">
+        <p14:creationId xmlns:p14="http://schemas.microsoft.com/office/powerpoint/2010/main" val="1106982726"/>
+      </p:ext>
+    </p:extLst>
+  </p:cSld>
+  <p:clrMapOvr>
+    <a:masterClrMapping/>
+  </p:clrMapOvr>
+</p:sld>
+</file>
+
+<file path=ppt/slides/slide4.xml><?xml version="1.0" encoding="utf-8"?>
+<p:sld xmlns:a="http://schemas.openxmlformats.org/drawingml/2006/main" xmlns:r="http://schemas.openxmlformats.org/officeDocument/2006/relationships" xmlns:p="http://schemas.openxmlformats.org/presentationml/2006/main">
+  <p:cSld>
+    <p:spTree>
+      <p:nvGrpSpPr>
+        <p:cNvPr id="1" name=""/>
+        <p:cNvGrpSpPr/>
+        <p:nvPr/>
+      </p:nvGrpSpPr>
+      <p:grpSpPr>
+        <a:xfrm>
+          <a:off x="0" y="0"/>
+          <a:ext cx="0" cy="0"/>
+          <a:chOff x="0" y="0"/>
+          <a:chExt cx="0" cy="0"/>
+        </a:xfrm>
+      </p:grpSpPr>
+      <p:sp>
+        <p:nvSpPr>
           <p:cNvPr id="2" name="Title 1"/>
           <p:cNvSpPr>
             <a:spLocks noGrp="1"/>
@@ -6704,7 +7088,7 @@
           <a:p>
             <a:fld id="{A9FBE660-3FB8-4F39-B090-6A019F1CE903}" type="slidenum">
               <a:rPr lang="en-GB" smtClean="0"/>
-              <a:t>3</a:t>
+              <a:t>4</a:t>
             </a:fld>
             <a:endParaRPr lang="en-GB"/>
           </a:p>
@@ -7221,7 +7605,7 @@
 </p:sld>
 </file>
 
-<file path=ppt/slides/slide4.xml><?xml version="1.0" encoding="utf-8"?>
+<file path=ppt/slides/slide5.xml><?xml version="1.0" encoding="utf-8"?>
 <p:sld xmlns:a="http://schemas.openxmlformats.org/drawingml/2006/main" xmlns:r="http://schemas.openxmlformats.org/officeDocument/2006/relationships" xmlns:p="http://schemas.openxmlformats.org/presentationml/2006/main">
   <p:cSld>
     <p:spTree>
@@ -7328,7 +7712,7 @@
           <a:p>
             <a:fld id="{A9FBE660-3FB8-4F39-B090-6A019F1CE903}" type="slidenum">
               <a:rPr lang="en-GB" smtClean="0"/>
-              <a:t>4</a:t>
+              <a:t>5</a:t>
             </a:fld>
             <a:endParaRPr lang="en-GB"/>
           </a:p>
@@ -7370,218 +7754,6 @@
     <p:extLst>
       <p:ext uri="{BB962C8B-B14F-4D97-AF65-F5344CB8AC3E}">
         <p14:creationId xmlns:p14="http://schemas.microsoft.com/office/powerpoint/2010/main" val="1115428741"/>
-      </p:ext>
-    </p:extLst>
-  </p:cSld>
-  <p:clrMapOvr>
-    <a:masterClrMapping/>
-  </p:clrMapOvr>
-</p:sld>
-</file>
-
-<file path=ppt/slides/slide5.xml><?xml version="1.0" encoding="utf-8"?>
-<p:sld xmlns:a="http://schemas.openxmlformats.org/drawingml/2006/main" xmlns:r="http://schemas.openxmlformats.org/officeDocument/2006/relationships" xmlns:p="http://schemas.openxmlformats.org/presentationml/2006/main">
-  <p:cSld>
-    <p:spTree>
-      <p:nvGrpSpPr>
-        <p:cNvPr id="1" name=""/>
-        <p:cNvGrpSpPr/>
-        <p:nvPr/>
-      </p:nvGrpSpPr>
-      <p:grpSpPr>
-        <a:xfrm>
-          <a:off x="0" y="0"/>
-          <a:ext cx="0" cy="0"/>
-          <a:chOff x="0" y="0"/>
-          <a:chExt cx="0" cy="0"/>
-        </a:xfrm>
-      </p:grpSpPr>
-      <p:sp>
-        <p:nvSpPr>
-          <p:cNvPr id="2" name="Title 1"/>
-          <p:cNvSpPr>
-            <a:spLocks noGrp="1"/>
-          </p:cNvSpPr>
-          <p:nvPr>
-            <p:ph type="title"/>
-          </p:nvPr>
-        </p:nvSpPr>
-        <p:spPr/>
-        <p:txBody>
-          <a:bodyPr/>
-          <a:lstStyle/>
-          <a:p>
-            <a:r>
-              <a:rPr lang="en-US" dirty="0"/>
-              <a:t>Create directory: </a:t>
-            </a:r>
-            <a:r>
-              <a:rPr lang="en-US" b="1" u="sng" dirty="0"/>
-              <a:t>C:\data\db</a:t>
-            </a:r>
-          </a:p>
-        </p:txBody>
-      </p:sp>
-      <p:pic>
-        <p:nvPicPr>
-          <p:cNvPr id="6" name="Content Placeholder 5"/>
-          <p:cNvPicPr>
-            <a:picLocks noGrp="1" noChangeAspect="1"/>
-          </p:cNvPicPr>
-          <p:nvPr>
-            <p:ph idx="1"/>
-          </p:nvPr>
-        </p:nvPicPr>
-        <p:blipFill>
-          <a:blip r:embed="rId2">
-            <a:extLst>
-              <a:ext uri="{28A0092B-C50C-407E-A947-70E740481C1C}">
-                <a14:useLocalDpi xmlns:a14="http://schemas.microsoft.com/office/drawing/2010/main" val="0"/>
-              </a:ext>
-            </a:extLst>
-          </a:blip>
-          <a:stretch>
-            <a:fillRect/>
-          </a:stretch>
-        </p:blipFill>
-        <p:spPr>
-          <a:xfrm>
-            <a:off x="960748" y="1981836"/>
-            <a:ext cx="4648849" cy="2248214"/>
-          </a:xfrm>
-        </p:spPr>
-      </p:pic>
-      <p:sp>
-        <p:nvSpPr>
-          <p:cNvPr id="4" name="Footer Placeholder 3"/>
-          <p:cNvSpPr>
-            <a:spLocks noGrp="1"/>
-          </p:cNvSpPr>
-          <p:nvPr>
-            <p:ph type="ftr" sz="quarter" idx="11"/>
-          </p:nvPr>
-        </p:nvSpPr>
-        <p:spPr/>
-        <p:txBody>
-          <a:bodyPr/>
-          <a:lstStyle/>
-          <a:p>
-            <a:r>
-              <a:rPr lang="en-GB"/>
-              <a:t>MHW | Introduction to NodeJS, SocketIO &amp; Libmraa for IoT</a:t>
-            </a:r>
-          </a:p>
-        </p:txBody>
-      </p:sp>
-      <p:sp>
-        <p:nvSpPr>
-          <p:cNvPr id="5" name="Slide Number Placeholder 4"/>
-          <p:cNvSpPr>
-            <a:spLocks noGrp="1"/>
-          </p:cNvSpPr>
-          <p:nvPr>
-            <p:ph type="sldNum" sz="quarter" idx="12"/>
-          </p:nvPr>
-        </p:nvSpPr>
-        <p:spPr/>
-        <p:txBody>
-          <a:bodyPr/>
-          <a:lstStyle/>
-          <a:p>
-            <a:fld id="{A9FBE660-3FB8-4F39-B090-6A019F1CE903}" type="slidenum">
-              <a:rPr lang="en-GB" smtClean="0"/>
-              <a:t>5</a:t>
-            </a:fld>
-            <a:endParaRPr lang="en-GB"/>
-          </a:p>
-        </p:txBody>
-      </p:sp>
-      <p:sp>
-        <p:nvSpPr>
-          <p:cNvPr id="7" name="TextBox 6"/>
-          <p:cNvSpPr txBox="1"/>
-          <p:nvPr/>
-        </p:nvSpPr>
-        <p:spPr>
-          <a:xfrm>
-            <a:off x="6096000" y="2500024"/>
-            <a:ext cx="3912817" cy="1015663"/>
-          </a:xfrm>
-          <a:prstGeom prst="rect">
-            <a:avLst/>
-          </a:prstGeom>
-          <a:noFill/>
-        </p:spPr>
-        <p:txBody>
-          <a:bodyPr wrap="square" rtlCol="0">
-            <a:spAutoFit/>
-          </a:bodyPr>
-          <a:lstStyle/>
-          <a:p>
-            <a:r>
-              <a:rPr lang="en-US" sz="2000" dirty="0">
-                <a:latin typeface="Arial" panose="020B0604020202020204" pitchFamily="34" charset="0"/>
-                <a:cs typeface="Arial" panose="020B0604020202020204" pitchFamily="34" charset="0"/>
-              </a:rPr>
-              <a:t>Open Command prompt:</a:t>
-            </a:r>
-            <a:br>
-              <a:rPr lang="en-US" sz="2000" dirty="0">
-                <a:latin typeface="Arial" panose="020B0604020202020204" pitchFamily="34" charset="0"/>
-                <a:cs typeface="Arial" panose="020B0604020202020204" pitchFamily="34" charset="0"/>
-              </a:rPr>
-            </a:br>
-            <a:r>
-              <a:rPr lang="en-US" sz="2000" dirty="0">
-                <a:latin typeface="Arial" panose="020B0604020202020204" pitchFamily="34" charset="0"/>
-                <a:cs typeface="Arial" panose="020B0604020202020204" pitchFamily="34" charset="0"/>
-              </a:rPr>
-              <a:t>$ </a:t>
-            </a:r>
-            <a:r>
-              <a:rPr lang="en-US" sz="2000" dirty="0" err="1">
-                <a:latin typeface="Arial" panose="020B0604020202020204" pitchFamily="34" charset="0"/>
-                <a:cs typeface="Arial" panose="020B0604020202020204" pitchFamily="34" charset="0"/>
-              </a:rPr>
-              <a:t>mkdir</a:t>
-            </a:r>
-            <a:r>
-              <a:rPr lang="en-US" sz="2000" dirty="0">
-                <a:latin typeface="Arial" panose="020B0604020202020204" pitchFamily="34" charset="0"/>
-                <a:cs typeface="Arial" panose="020B0604020202020204" pitchFamily="34" charset="0"/>
-              </a:rPr>
-              <a:t> C:\data</a:t>
-            </a:r>
-          </a:p>
-          <a:p>
-            <a:r>
-              <a:rPr lang="en-US" sz="2000" dirty="0">
-                <a:latin typeface="Arial" panose="020B0604020202020204" pitchFamily="34" charset="0"/>
-                <a:cs typeface="Arial" panose="020B0604020202020204" pitchFamily="34" charset="0"/>
-              </a:rPr>
-              <a:t>$ </a:t>
-            </a:r>
-            <a:r>
-              <a:rPr lang="en-US" sz="2000" dirty="0" err="1">
-                <a:latin typeface="Arial" panose="020B0604020202020204" pitchFamily="34" charset="0"/>
-                <a:cs typeface="Arial" panose="020B0604020202020204" pitchFamily="34" charset="0"/>
-              </a:rPr>
-              <a:t>mkdir</a:t>
-            </a:r>
-            <a:r>
-              <a:rPr lang="en-US" sz="2000" dirty="0">
-                <a:latin typeface="Arial" panose="020B0604020202020204" pitchFamily="34" charset="0"/>
-                <a:cs typeface="Arial" panose="020B0604020202020204" pitchFamily="34" charset="0"/>
-              </a:rPr>
-              <a:t> C:\data\db</a:t>
-            </a:r>
-          </a:p>
-        </p:txBody>
-      </p:sp>
-    </p:spTree>
-    <p:extLst>
-      <p:ext uri="{BB962C8B-B14F-4D97-AF65-F5344CB8AC3E}">
-        <p14:creationId xmlns:p14="http://schemas.microsoft.com/office/powerpoint/2010/main" val="2509845966"/>
       </p:ext>
     </p:extLst>
   </p:cSld>
@@ -7625,7 +7797,11 @@
           <a:p>
             <a:r>
               <a:rPr lang="en-US" dirty="0"/>
-              <a:t>Run MongoDB (mongod.exe)</a:t>
+              <a:t>Create directory: </a:t>
+            </a:r>
+            <a:r>
+              <a:rPr lang="en-US" b="1" u="sng" dirty="0"/>
+              <a:t>C:\data\db</a:t>
             </a:r>
           </a:p>
         </p:txBody>
@@ -7654,8 +7830,8 @@
         </p:blipFill>
         <p:spPr>
           <a:xfrm>
-            <a:off x="838200" y="1543347"/>
-            <a:ext cx="6434985" cy="4351338"/>
+            <a:off x="960748" y="1981836"/>
+            <a:ext cx="4648849" cy="2248214"/>
           </a:xfrm>
         </p:spPr>
       </p:pic>
@@ -7712,65 +7888,8 @@
         </p:nvSpPr>
         <p:spPr>
           <a:xfrm>
-            <a:off x="771780" y="6048573"/>
-            <a:ext cx="7738016" cy="307777"/>
-          </a:xfrm>
-          <a:prstGeom prst="rect">
-            <a:avLst/>
-          </a:prstGeom>
-          <a:solidFill>
-            <a:schemeClr val="tx1"/>
-          </a:solidFill>
-        </p:spPr>
-        <p:txBody>
-          <a:bodyPr wrap="none" rtlCol="0">
-            <a:spAutoFit/>
-          </a:bodyPr>
-          <a:lstStyle/>
-          <a:p>
-            <a:r>
-              <a:rPr lang="en-US" sz="1400" dirty="0">
-                <a:solidFill>
-                  <a:schemeClr val="bg1"/>
-                </a:solidFill>
-                <a:latin typeface="Consolas" panose="020B0609020204030204" pitchFamily="49" charset="0"/>
-                <a:cs typeface="Arial" panose="020B0604020202020204" pitchFamily="34" charset="0"/>
-              </a:rPr>
-              <a:t>$ "C:\Program Files\MongoDB\Server\3.2\bin\mongod.exe" --</a:t>
-            </a:r>
-            <a:r>
-              <a:rPr lang="en-US" sz="1400" dirty="0" err="1">
-                <a:solidFill>
-                  <a:schemeClr val="bg1"/>
-                </a:solidFill>
-                <a:latin typeface="Consolas" panose="020B0609020204030204" pitchFamily="49" charset="0"/>
-                <a:cs typeface="Arial" panose="020B0604020202020204" pitchFamily="34" charset="0"/>
-              </a:rPr>
-              <a:t>dbpath</a:t>
-            </a:r>
-            <a:r>
-              <a:rPr lang="en-US" sz="1400" dirty="0">
-                <a:solidFill>
-                  <a:schemeClr val="bg1"/>
-                </a:solidFill>
-                <a:latin typeface="Consolas" panose="020B0609020204030204" pitchFamily="49" charset="0"/>
-                <a:cs typeface="Arial" panose="020B0604020202020204" pitchFamily="34" charset="0"/>
-              </a:rPr>
-              <a:t> "C:\data\db"</a:t>
-            </a:r>
-          </a:p>
-        </p:txBody>
-      </p:sp>
-      <p:sp>
-        <p:nvSpPr>
-          <p:cNvPr id="8" name="TextBox 7"/>
-          <p:cNvSpPr txBox="1"/>
-          <p:nvPr/>
-        </p:nvSpPr>
-        <p:spPr>
-          <a:xfrm>
-            <a:off x="7717411" y="1934416"/>
-            <a:ext cx="3912817" cy="707886"/>
+            <a:off x="6096000" y="2500024"/>
+            <a:ext cx="3912817" cy="1015663"/>
           </a:xfrm>
           <a:prstGeom prst="rect">
             <a:avLst/>
@@ -7788,7 +7907,57 @@
                 <a:latin typeface="Arial" panose="020B0604020202020204" pitchFamily="34" charset="0"/>
                 <a:cs typeface="Arial" panose="020B0604020202020204" pitchFamily="34" charset="0"/>
               </a:rPr>
-              <a:t>MongoDB is successfully running.</a:t>
+              <a:t>Open Command prompt:</a:t>
+            </a:r>
+            <a:br>
+              <a:rPr lang="en-US" sz="2000" dirty="0">
+                <a:latin typeface="Arial" panose="020B0604020202020204" pitchFamily="34" charset="0"/>
+                <a:cs typeface="Arial" panose="020B0604020202020204" pitchFamily="34" charset="0"/>
+              </a:rPr>
+            </a:br>
+            <a:r>
+              <a:rPr lang="en-US" sz="2000" dirty="0">
+                <a:latin typeface="Arial" panose="020B0604020202020204" pitchFamily="34" charset="0"/>
+                <a:cs typeface="Arial" panose="020B0604020202020204" pitchFamily="34" charset="0"/>
+              </a:rPr>
+              <a:t>$ </a:t>
+            </a:r>
+            <a:r>
+              <a:rPr lang="en-US" sz="2000" dirty="0" err="1">
+                <a:latin typeface="Arial" panose="020B0604020202020204" pitchFamily="34" charset="0"/>
+                <a:cs typeface="Arial" panose="020B0604020202020204" pitchFamily="34" charset="0"/>
+              </a:rPr>
+              <a:t>mkdir</a:t>
+            </a:r>
+            <a:r>
+              <a:rPr lang="en-US" sz="2000" dirty="0">
+                <a:latin typeface="Arial" panose="020B0604020202020204" pitchFamily="34" charset="0"/>
+                <a:cs typeface="Arial" panose="020B0604020202020204" pitchFamily="34" charset="0"/>
+              </a:rPr>
+              <a:t> C:\data</a:t>
+            </a:r>
+          </a:p>
+          <a:p>
+            <a:r>
+              <a:rPr lang="en-US" sz="2000" dirty="0">
+                <a:latin typeface="Arial" panose="020B0604020202020204" pitchFamily="34" charset="0"/>
+                <a:cs typeface="Arial" panose="020B0604020202020204" pitchFamily="34" charset="0"/>
+              </a:rPr>
+              <a:t>$ </a:t>
+            </a:r>
+            <a:r>
+              <a:rPr lang="en-US" sz="2000" dirty="0" err="1">
+                <a:latin typeface="Arial" panose="020B0604020202020204" pitchFamily="34" charset="0"/>
+                <a:cs typeface="Arial" panose="020B0604020202020204" pitchFamily="34" charset="0"/>
+              </a:rPr>
+              <a:t>mkdir</a:t>
+            </a:r>
+            <a:r>
+              <a:rPr lang="en-US" sz="2000" dirty="0">
+                <a:latin typeface="Arial" panose="020B0604020202020204" pitchFamily="34" charset="0"/>
+                <a:cs typeface="Arial" panose="020B0604020202020204" pitchFamily="34" charset="0"/>
+              </a:rPr>
+              <a:t> C:\data\db</a:t>
             </a:r>
           </a:p>
         </p:txBody>
@@ -7796,7 +7965,7 @@
     </p:spTree>
     <p:extLst>
       <p:ext uri="{BB962C8B-B14F-4D97-AF65-F5344CB8AC3E}">
-        <p14:creationId xmlns:p14="http://schemas.microsoft.com/office/powerpoint/2010/main" val="3513336878"/>
+        <p14:creationId xmlns:p14="http://schemas.microsoft.com/office/powerpoint/2010/main" val="2509845966"/>
       </p:ext>
     </p:extLst>
   </p:cSld>
@@ -7840,7 +8009,7 @@
           <a:p>
             <a:r>
               <a:rPr lang="en-US" dirty="0"/>
-              <a:t>Verify: </a:t>
+              <a:t>Run MongoDB (mongod.exe)</a:t>
             </a:r>
           </a:p>
         </p:txBody>
@@ -7869,8 +8038,8 @@
         </p:blipFill>
         <p:spPr>
           <a:xfrm>
-            <a:off x="838200" y="1690688"/>
-            <a:ext cx="6356669" cy="4351338"/>
+            <a:off x="838200" y="1543347"/>
+            <a:ext cx="6434985" cy="4351338"/>
           </a:xfrm>
         </p:spPr>
       </p:pic>
@@ -7927,8 +8096,65 @@
         </p:nvSpPr>
         <p:spPr>
           <a:xfrm>
+            <a:off x="771780" y="6048573"/>
+            <a:ext cx="7738016" cy="307777"/>
+          </a:xfrm>
+          <a:prstGeom prst="rect">
+            <a:avLst/>
+          </a:prstGeom>
+          <a:solidFill>
+            <a:schemeClr val="tx1"/>
+          </a:solidFill>
+        </p:spPr>
+        <p:txBody>
+          <a:bodyPr wrap="none" rtlCol="0">
+            <a:spAutoFit/>
+          </a:bodyPr>
+          <a:lstStyle/>
+          <a:p>
+            <a:r>
+              <a:rPr lang="en-US" sz="1400" dirty="0">
+                <a:solidFill>
+                  <a:schemeClr val="bg1"/>
+                </a:solidFill>
+                <a:latin typeface="Consolas" panose="020B0609020204030204" pitchFamily="49" charset="0"/>
+                <a:cs typeface="Arial" panose="020B0604020202020204" pitchFamily="34" charset="0"/>
+              </a:rPr>
+              <a:t>$ "C:\Program Files\MongoDB\Server\3.2\bin\mongod.exe" --</a:t>
+            </a:r>
+            <a:r>
+              <a:rPr lang="en-US" sz="1400" dirty="0" err="1">
+                <a:solidFill>
+                  <a:schemeClr val="bg1"/>
+                </a:solidFill>
+                <a:latin typeface="Consolas" panose="020B0609020204030204" pitchFamily="49" charset="0"/>
+                <a:cs typeface="Arial" panose="020B0604020202020204" pitchFamily="34" charset="0"/>
+              </a:rPr>
+              <a:t>dbpath</a:t>
+            </a:r>
+            <a:r>
+              <a:rPr lang="en-US" sz="1400" dirty="0">
+                <a:solidFill>
+                  <a:schemeClr val="bg1"/>
+                </a:solidFill>
+                <a:latin typeface="Consolas" panose="020B0609020204030204" pitchFamily="49" charset="0"/>
+                <a:cs typeface="Arial" panose="020B0604020202020204" pitchFamily="34" charset="0"/>
+              </a:rPr>
+              <a:t> "C:\data\db"</a:t>
+            </a:r>
+          </a:p>
+        </p:txBody>
+      </p:sp>
+      <p:sp>
+        <p:nvSpPr>
+          <p:cNvPr id="8" name="TextBox 7"/>
+          <p:cNvSpPr txBox="1"/>
+          <p:nvPr/>
+        </p:nvSpPr>
+        <p:spPr>
+          <a:xfrm>
             <a:off x="7717411" y="1934416"/>
-            <a:ext cx="3912817" cy="1323439"/>
+            <a:ext cx="3912817" cy="707886"/>
           </a:xfrm>
           <a:prstGeom prst="rect">
             <a:avLst/>
@@ -7946,21 +8172,7 @@
                 <a:latin typeface="Arial" panose="020B0604020202020204" pitchFamily="34" charset="0"/>
                 <a:cs typeface="Arial" panose="020B0604020202020204" pitchFamily="34" charset="0"/>
               </a:rPr>
-              <a:t>MongoDB ready to receive connection. Please note that by default MongoDB runs on port </a:t>
-            </a:r>
-            <a:r>
-              <a:rPr lang="en-US" sz="2000" b="1" u="sng" dirty="0">
-                <a:latin typeface="Arial" panose="020B0604020202020204" pitchFamily="34" charset="0"/>
-                <a:cs typeface="Arial" panose="020B0604020202020204" pitchFamily="34" charset="0"/>
-              </a:rPr>
-              <a:t>27017</a:t>
-            </a:r>
-            <a:r>
-              <a:rPr lang="en-US" sz="2000" dirty="0">
-                <a:latin typeface="Arial" panose="020B0604020202020204" pitchFamily="34" charset="0"/>
-                <a:cs typeface="Arial" panose="020B0604020202020204" pitchFamily="34" charset="0"/>
-              </a:rPr>
-              <a:t>.</a:t>
+              <a:t>MongoDB is successfully running.</a:t>
             </a:r>
           </a:p>
         </p:txBody>
@@ -7968,7 +8180,7 @@
     </p:spTree>
     <p:extLst>
       <p:ext uri="{BB962C8B-B14F-4D97-AF65-F5344CB8AC3E}">
-        <p14:creationId xmlns:p14="http://schemas.microsoft.com/office/powerpoint/2010/main" val="1968158036"/>
+        <p14:creationId xmlns:p14="http://schemas.microsoft.com/office/powerpoint/2010/main" val="3513336878"/>
       </p:ext>
     </p:extLst>
   </p:cSld>
@@ -7997,7 +8209,7 @@
       </p:grpSpPr>
       <p:sp>
         <p:nvSpPr>
-          <p:cNvPr id="6" name="Title 5"/>
+          <p:cNvPr id="2" name="Title 1"/>
           <p:cNvSpPr>
             <a:spLocks noGrp="1"/>
           </p:cNvSpPr>
@@ -8012,34 +8224,40 @@
           <a:p>
             <a:r>
               <a:rPr lang="en-US" dirty="0"/>
-              <a:t>Run </a:t>
-            </a:r>
-            <a:r>
-              <a:rPr lang="en-US" b="1" u="sng" dirty="0"/>
-              <a:t>broker-mongodb.js</a:t>
-            </a:r>
-          </a:p>
-        </p:txBody>
-      </p:sp>
-      <p:sp>
-        <p:nvSpPr>
-          <p:cNvPr id="7" name="Text Placeholder 6"/>
-          <p:cNvSpPr>
-            <a:spLocks noGrp="1"/>
-          </p:cNvSpPr>
-          <p:nvPr>
-            <p:ph type="body" idx="1"/>
-          </p:nvPr>
-        </p:nvSpPr>
-        <p:spPr/>
-        <p:txBody>
-          <a:bodyPr/>
-          <a:lstStyle/>
-          <a:p>
-            <a:endParaRPr lang="en-US"/>
-          </a:p>
-        </p:txBody>
-      </p:sp>
+              <a:t>Verify: </a:t>
+            </a:r>
+          </a:p>
+        </p:txBody>
+      </p:sp>
+      <p:pic>
+        <p:nvPicPr>
+          <p:cNvPr id="6" name="Content Placeholder 5"/>
+          <p:cNvPicPr>
+            <a:picLocks noGrp="1" noChangeAspect="1"/>
+          </p:cNvPicPr>
+          <p:nvPr>
+            <p:ph idx="1"/>
+          </p:nvPr>
+        </p:nvPicPr>
+        <p:blipFill>
+          <a:blip r:embed="rId2">
+            <a:extLst>
+              <a:ext uri="{28A0092B-C50C-407E-A947-70E740481C1C}">
+                <a14:useLocalDpi xmlns:a14="http://schemas.microsoft.com/office/drawing/2010/main" val="0"/>
+              </a:ext>
+            </a:extLst>
+          </a:blip>
+          <a:stretch>
+            <a:fillRect/>
+          </a:stretch>
+        </p:blipFill>
+        <p:spPr>
+          <a:xfrm>
+            <a:off x="838200" y="1690688"/>
+            <a:ext cx="6356669" cy="4351338"/>
+          </a:xfrm>
+        </p:spPr>
+      </p:pic>
       <p:sp>
         <p:nvSpPr>
           <p:cNvPr id="4" name="Footer Placeholder 3"/>
@@ -8085,10 +8303,56 @@
           </a:p>
         </p:txBody>
       </p:sp>
+      <p:sp>
+        <p:nvSpPr>
+          <p:cNvPr id="7" name="TextBox 6"/>
+          <p:cNvSpPr txBox="1"/>
+          <p:nvPr/>
+        </p:nvSpPr>
+        <p:spPr>
+          <a:xfrm>
+            <a:off x="7717411" y="1934416"/>
+            <a:ext cx="3912817" cy="1323439"/>
+          </a:xfrm>
+          <a:prstGeom prst="rect">
+            <a:avLst/>
+          </a:prstGeom>
+          <a:noFill/>
+        </p:spPr>
+        <p:txBody>
+          <a:bodyPr wrap="square" rtlCol="0">
+            <a:spAutoFit/>
+          </a:bodyPr>
+          <a:lstStyle/>
+          <a:p>
+            <a:r>
+              <a:rPr lang="en-US" sz="2000" dirty="0">
+                <a:latin typeface="Arial" panose="020B0604020202020204" pitchFamily="34" charset="0"/>
+                <a:cs typeface="Arial" panose="020B0604020202020204" pitchFamily="34" charset="0"/>
+              </a:rPr>
+              <a:t>MongoDB ready to receive connection. Please note that by default MongoDB runs on port </a:t>
+            </a:r>
+            <a:r>
+              <a:rPr lang="en-US" sz="2000" b="1" u="sng" dirty="0">
+                <a:latin typeface="Arial" panose="020B0604020202020204" pitchFamily="34" charset="0"/>
+                <a:cs typeface="Arial" panose="020B0604020202020204" pitchFamily="34" charset="0"/>
+              </a:rPr>
+              <a:t>27017</a:t>
+            </a:r>
+            <a:r>
+              <a:rPr lang="en-US" sz="2000" dirty="0">
+                <a:latin typeface="Arial" panose="020B0604020202020204" pitchFamily="34" charset="0"/>
+                <a:cs typeface="Arial" panose="020B0604020202020204" pitchFamily="34" charset="0"/>
+              </a:rPr>
+              <a:t>.</a:t>
+            </a:r>
+          </a:p>
+        </p:txBody>
+      </p:sp>
     </p:spTree>
     <p:extLst>
       <p:ext uri="{BB962C8B-B14F-4D97-AF65-F5344CB8AC3E}">
-        <p14:creationId xmlns:p14="http://schemas.microsoft.com/office/powerpoint/2010/main" val="2441463166"/>
+        <p14:creationId xmlns:p14="http://schemas.microsoft.com/office/powerpoint/2010/main" val="1968158036"/>
       </p:ext>
     </p:extLst>
   </p:cSld>
@@ -8132,12 +8396,31 @@
           <a:p>
             <a:r>
               <a:rPr lang="en-US" dirty="0"/>
-              <a:t>Set Broker IP Address in </a:t>
+              <a:t>Run </a:t>
             </a:r>
             <a:r>
               <a:rPr lang="en-US" b="1" u="sng" dirty="0"/>
               <a:t>broker-mongodb.js</a:t>
             </a:r>
+          </a:p>
+        </p:txBody>
+      </p:sp>
+      <p:sp>
+        <p:nvSpPr>
+          <p:cNvPr id="7" name="Text Placeholder 6"/>
+          <p:cNvSpPr>
+            <a:spLocks noGrp="1"/>
+          </p:cNvSpPr>
+          <p:nvPr>
+            <p:ph type="body" idx="1"/>
+          </p:nvPr>
+        </p:nvSpPr>
+        <p:spPr/>
+        <p:txBody>
+          <a:bodyPr/>
+          <a:lstStyle/>
+          <a:p>
+            <a:endParaRPr lang="en-US"/>
           </a:p>
         </p:txBody>
       </p:sp>
@@ -8186,151 +8469,10 @@
           </a:p>
         </p:txBody>
       </p:sp>
-      <p:pic>
-        <p:nvPicPr>
-          <p:cNvPr id="14" name="Content Placeholder 13"/>
-          <p:cNvPicPr>
-            <a:picLocks noGrp="1" noChangeAspect="1"/>
-          </p:cNvPicPr>
-          <p:nvPr>
-            <p:ph idx="1"/>
-          </p:nvPr>
-        </p:nvPicPr>
-        <p:blipFill>
-          <a:blip r:embed="rId2">
-            <a:extLst>
-              <a:ext uri="{28A0092B-C50C-407E-A947-70E740481C1C}">
-                <a14:useLocalDpi xmlns:a14="http://schemas.microsoft.com/office/drawing/2010/main" val="0"/>
-              </a:ext>
-            </a:extLst>
-          </a:blip>
-          <a:stretch>
-            <a:fillRect/>
-          </a:stretch>
-        </p:blipFill>
-        <p:spPr>
-          <a:xfrm>
-            <a:off x="838200" y="1380700"/>
-            <a:ext cx="7785029" cy="4975650"/>
-          </a:xfrm>
-        </p:spPr>
-      </p:pic>
-      <p:sp>
-        <p:nvSpPr>
-          <p:cNvPr id="9" name="Right Arrow 8"/>
-          <p:cNvSpPr/>
-          <p:nvPr/>
-        </p:nvSpPr>
-        <p:spPr>
-          <a:xfrm rot="10800000">
-            <a:off x="4405891" y="3331197"/>
-            <a:ext cx="854266" cy="537327"/>
-          </a:xfrm>
-          <a:prstGeom prst="rightArrow">
-            <a:avLst/>
-          </a:prstGeom>
-          <a:solidFill>
-            <a:srgbClr val="FF0000"/>
-          </a:solidFill>
-          <a:ln>
-            <a:solidFill>
-              <a:srgbClr val="FF0000"/>
-            </a:solidFill>
-          </a:ln>
-        </p:spPr>
-        <p:style>
-          <a:lnRef idx="2">
-            <a:schemeClr val="accent1">
-              <a:shade val="50000"/>
-            </a:schemeClr>
-          </a:lnRef>
-          <a:fillRef idx="1">
-            <a:schemeClr val="accent1"/>
-          </a:fillRef>
-          <a:effectRef idx="0">
-            <a:schemeClr val="accent1"/>
-          </a:effectRef>
-          <a:fontRef idx="minor">
-            <a:schemeClr val="lt1"/>
-          </a:fontRef>
-        </p:style>
-        <p:txBody>
-          <a:bodyPr rtlCol="0" anchor="ctr"/>
-          <a:lstStyle/>
-          <a:p>
-            <a:pPr algn="ctr"/>
-            <a:endParaRPr lang="en-US"/>
-          </a:p>
-        </p:txBody>
-      </p:sp>
-      <p:sp>
-        <p:nvSpPr>
-          <p:cNvPr id="10" name="TextBox 9"/>
-          <p:cNvSpPr txBox="1"/>
-          <p:nvPr/>
-        </p:nvSpPr>
-        <p:spPr>
-          <a:xfrm>
-            <a:off x="5334123" y="2938142"/>
-            <a:ext cx="3043692" cy="1323439"/>
-          </a:xfrm>
-          <a:prstGeom prst="rect">
-            <a:avLst/>
-          </a:prstGeom>
-          <a:solidFill>
-            <a:schemeClr val="bg1">
-              <a:lumMod val="75000"/>
-            </a:schemeClr>
-          </a:solidFill>
-        </p:spPr>
-        <p:txBody>
-          <a:bodyPr wrap="square" rtlCol="0">
-            <a:spAutoFit/>
-          </a:bodyPr>
-          <a:lstStyle/>
-          <a:p>
-            <a:r>
-              <a:rPr lang="en-US" sz="2000" dirty="0">
-                <a:latin typeface="Arial" panose="020B0604020202020204" pitchFamily="34" charset="0"/>
-                <a:cs typeface="Arial" panose="020B0604020202020204" pitchFamily="34" charset="0"/>
-              </a:rPr>
-              <a:t>p/s: Make sure to set IP for </a:t>
-            </a:r>
-            <a:r>
-              <a:rPr lang="en-US" sz="2000" b="1" u="sng" dirty="0">
-                <a:latin typeface="Arial" panose="020B0604020202020204" pitchFamily="34" charset="0"/>
-                <a:cs typeface="Arial" panose="020B0604020202020204" pitchFamily="34" charset="0"/>
-              </a:rPr>
-              <a:t>broker-mongodb.js</a:t>
-            </a:r>
-            <a:r>
-              <a:rPr lang="en-US" sz="2000" dirty="0">
-                <a:latin typeface="Arial" panose="020B0604020202020204" pitchFamily="34" charset="0"/>
-                <a:cs typeface="Arial" panose="020B0604020202020204" pitchFamily="34" charset="0"/>
-              </a:rPr>
-              <a:t> accordingly to your PC IP (run ipconfig in </a:t>
-            </a:r>
-            <a:r>
-              <a:rPr lang="en-US" sz="2000" dirty="0" err="1">
-                <a:latin typeface="Arial" panose="020B0604020202020204" pitchFamily="34" charset="0"/>
-                <a:cs typeface="Arial" panose="020B0604020202020204" pitchFamily="34" charset="0"/>
-              </a:rPr>
-              <a:t>cmd</a:t>
-            </a:r>
-            <a:r>
-              <a:rPr lang="en-US" sz="2000" dirty="0">
-                <a:latin typeface="Arial" panose="020B0604020202020204" pitchFamily="34" charset="0"/>
-                <a:cs typeface="Arial" panose="020B0604020202020204" pitchFamily="34" charset="0"/>
-              </a:rPr>
-              <a:t>). </a:t>
-            </a:r>
-          </a:p>
-        </p:txBody>
-      </p:sp>
     </p:spTree>
     <p:extLst>
       <p:ext uri="{BB962C8B-B14F-4D97-AF65-F5344CB8AC3E}">
-        <p14:creationId xmlns:p14="http://schemas.microsoft.com/office/powerpoint/2010/main" val="2008778179"/>
+        <p14:creationId xmlns:p14="http://schemas.microsoft.com/office/powerpoint/2010/main" val="2441463166"/>
       </p:ext>
     </p:extLst>
   </p:cSld>

--- a/guideline-pptx/mqtt-demo-01_guideline.pptx
+++ b/guideline-pptx/mqtt-demo-01_guideline.pptx
@@ -12,11 +12,11 @@
     <p:sldId id="331" r:id="rId3"/>
     <p:sldId id="352" r:id="rId4"/>
     <p:sldId id="332" r:id="rId5"/>
-    <p:sldId id="347" r:id="rId6"/>
-    <p:sldId id="348" r:id="rId7"/>
-    <p:sldId id="346" r:id="rId8"/>
-    <p:sldId id="349" r:id="rId9"/>
-    <p:sldId id="335" r:id="rId10"/>
+    <p:sldId id="335" r:id="rId6"/>
+    <p:sldId id="347" r:id="rId7"/>
+    <p:sldId id="348" r:id="rId8"/>
+    <p:sldId id="346" r:id="rId9"/>
+    <p:sldId id="349" r:id="rId10"/>
     <p:sldId id="337" r:id="rId11"/>
     <p:sldId id="342" r:id="rId12"/>
     <p:sldId id="333" r:id="rId13"/>
@@ -221,7 +221,7 @@
           <a:p>
             <a:fld id="{8F77BEB7-B430-4EE0-A3B9-53FF4D2A08F1}" type="datetimeFigureOut">
               <a:rPr lang="en-GB" smtClean="0"/>
-              <a:t>23/11/2016</a:t>
+              <a:t>24/11/2016</a:t>
             </a:fld>
             <a:endParaRPr lang="en-GB"/>
           </a:p>
@@ -620,7 +620,7 @@
           <a:p>
             <a:fld id="{918DACC5-9C81-4A3C-9C30-177A9FF1ED3C}" type="datetime1">
               <a:rPr lang="en-GB" smtClean="0"/>
-              <a:t>23/11/2016</a:t>
+              <a:t>24/11/2016</a:t>
             </a:fld>
             <a:endParaRPr lang="en-GB"/>
           </a:p>
@@ -793,7 +793,7 @@
           <a:p>
             <a:fld id="{E1F1FE36-DA11-4699-A771-28A1F12A4E84}" type="datetime1">
               <a:rPr lang="en-GB" smtClean="0"/>
-              <a:t>23/11/2016</a:t>
+              <a:t>24/11/2016</a:t>
             </a:fld>
             <a:endParaRPr lang="en-GB"/>
           </a:p>
@@ -976,7 +976,7 @@
           <a:p>
             <a:fld id="{5D818CA4-88D4-4C80-985B-1FFAD6228E03}" type="datetime1">
               <a:rPr lang="en-GB" smtClean="0"/>
-              <a:t>23/11/2016</a:t>
+              <a:t>24/11/2016</a:t>
             </a:fld>
             <a:endParaRPr lang="en-GB"/>
           </a:p>
@@ -1149,7 +1149,7 @@
           <a:p>
             <a:fld id="{35078E67-647B-46AF-BE98-140F84A64BAA}" type="datetime1">
               <a:rPr lang="en-GB" smtClean="0"/>
-              <a:t>23/11/2016</a:t>
+              <a:t>24/11/2016</a:t>
             </a:fld>
             <a:endParaRPr lang="en-GB"/>
           </a:p>
@@ -1398,7 +1398,7 @@
           <a:p>
             <a:fld id="{BC58D4AE-FF1F-41E6-B021-DD203D067FE5}" type="datetime1">
               <a:rPr lang="en-GB" smtClean="0"/>
-              <a:t>23/11/2016</a:t>
+              <a:t>24/11/2016</a:t>
             </a:fld>
             <a:endParaRPr lang="en-GB"/>
           </a:p>
@@ -1633,7 +1633,7 @@
           <a:p>
             <a:fld id="{B91B580D-FEFC-4441-98C5-5CD2A30A26A6}" type="datetime1">
               <a:rPr lang="en-GB" smtClean="0"/>
-              <a:t>23/11/2016</a:t>
+              <a:t>24/11/2016</a:t>
             </a:fld>
             <a:endParaRPr lang="en-GB"/>
           </a:p>
@@ -2003,7 +2003,7 @@
           <a:p>
             <a:fld id="{AD971C3B-024E-4773-AE64-C83383E25150}" type="datetime1">
               <a:rPr lang="en-GB" smtClean="0"/>
-              <a:t>23/11/2016</a:t>
+              <a:t>24/11/2016</a:t>
             </a:fld>
             <a:endParaRPr lang="en-GB"/>
           </a:p>
@@ -2124,7 +2124,7 @@
           <a:p>
             <a:fld id="{81EFBAE6-5E63-4D70-B1C4-FA9EE041B05C}" type="datetime1">
               <a:rPr lang="en-GB" smtClean="0"/>
-              <a:t>23/11/2016</a:t>
+              <a:t>24/11/2016</a:t>
             </a:fld>
             <a:endParaRPr lang="en-GB"/>
           </a:p>
@@ -2222,7 +2222,7 @@
           <a:p>
             <a:fld id="{9D7F2C7F-2B74-47CD-8C12-5CD9464413F2}" type="datetime1">
               <a:rPr lang="en-GB" smtClean="0"/>
-              <a:t>23/11/2016</a:t>
+              <a:t>24/11/2016</a:t>
             </a:fld>
             <a:endParaRPr lang="en-GB"/>
           </a:p>
@@ -2502,7 +2502,7 @@
           <a:p>
             <a:fld id="{09429627-698F-4D5A-801D-4E20457CF43F}" type="datetime1">
               <a:rPr lang="en-GB" smtClean="0"/>
-              <a:t>23/11/2016</a:t>
+              <a:t>24/11/2016</a:t>
             </a:fld>
             <a:endParaRPr lang="en-GB"/>
           </a:p>
@@ -2758,7 +2758,7 @@
           <a:p>
             <a:fld id="{02BF5127-2864-4747-A6D6-6ECD9B86BD31}" type="datetime1">
               <a:rPr lang="en-GB" smtClean="0"/>
-              <a:t>23/11/2016</a:t>
+              <a:t>24/11/2016</a:t>
             </a:fld>
             <a:endParaRPr lang="en-GB"/>
           </a:p>
@@ -2974,7 +2974,7 @@
           <a:p>
             <a:fld id="{B40DF90D-B507-46AB-9E29-EA5249D99FE6}" type="datetime1">
               <a:rPr lang="en-GB" smtClean="0"/>
-              <a:t>23/11/2016</a:t>
+              <a:t>24/11/2016</a:t>
             </a:fld>
             <a:endParaRPr lang="en-GB"/>
           </a:p>
@@ -7624,7 +7624,7 @@
       </p:grpSpPr>
       <p:sp>
         <p:nvSpPr>
-          <p:cNvPr id="2" name="Title 1"/>
+          <p:cNvPr id="6" name="Title 5"/>
           <p:cNvSpPr>
             <a:spLocks noGrp="1"/>
           </p:cNvSpPr>
@@ -7639,40 +7639,34 @@
           <a:p>
             <a:r>
               <a:rPr lang="en-US" dirty="0"/>
-              <a:t>Download and install MongoDB</a:t>
-            </a:r>
-          </a:p>
-        </p:txBody>
-      </p:sp>
-      <p:pic>
-        <p:nvPicPr>
-          <p:cNvPr id="6" name="Content Placeholder 5"/>
-          <p:cNvPicPr>
-            <a:picLocks noGrp="1" noChangeAspect="1"/>
-          </p:cNvPicPr>
-          <p:nvPr>
-            <p:ph idx="1"/>
-          </p:nvPr>
-        </p:nvPicPr>
-        <p:blipFill>
-          <a:blip r:embed="rId2">
-            <a:extLst>
-              <a:ext uri="{28A0092B-C50C-407E-A947-70E740481C1C}">
-                <a14:useLocalDpi xmlns:a14="http://schemas.microsoft.com/office/drawing/2010/main" val="0"/>
-              </a:ext>
-            </a:extLst>
-          </a:blip>
-          <a:stretch>
-            <a:fillRect/>
-          </a:stretch>
-        </p:blipFill>
-        <p:spPr>
-          <a:xfrm>
-            <a:off x="838200" y="1690688"/>
-            <a:ext cx="8973143" cy="4351338"/>
-          </a:xfrm>
-        </p:spPr>
-      </p:pic>
+              <a:t>Run </a:t>
+            </a:r>
+            <a:r>
+              <a:rPr lang="en-US" b="1" u="sng" dirty="0"/>
+              <a:t>broker-mongodb.js</a:t>
+            </a:r>
+          </a:p>
+        </p:txBody>
+      </p:sp>
+      <p:sp>
+        <p:nvSpPr>
+          <p:cNvPr id="7" name="Text Placeholder 6"/>
+          <p:cNvSpPr>
+            <a:spLocks noGrp="1"/>
+          </p:cNvSpPr>
+          <p:nvPr>
+            <p:ph type="body" idx="1"/>
+          </p:nvPr>
+        </p:nvSpPr>
+        <p:spPr/>
+        <p:txBody>
+          <a:bodyPr/>
+          <a:lstStyle/>
+          <a:p>
+            <a:endParaRPr lang="en-US"/>
+          </a:p>
+        </p:txBody>
+      </p:sp>
       <p:sp>
         <p:nvSpPr>
           <p:cNvPr id="4" name="Footer Placeholder 3"/>
@@ -7718,42 +7712,10 @@
           </a:p>
         </p:txBody>
       </p:sp>
-      <p:sp>
-        <p:nvSpPr>
-          <p:cNvPr id="7" name="TextBox 6"/>
-          <p:cNvSpPr txBox="1"/>
-          <p:nvPr/>
-        </p:nvSpPr>
-        <p:spPr>
-          <a:xfrm>
-            <a:off x="2176899" y="6016486"/>
-            <a:ext cx="6656311" cy="400110"/>
-          </a:xfrm>
-          <a:prstGeom prst="rect">
-            <a:avLst/>
-          </a:prstGeom>
-          <a:noFill/>
-        </p:spPr>
-        <p:txBody>
-          <a:bodyPr wrap="square" rtlCol="0">
-            <a:spAutoFit/>
-          </a:bodyPr>
-          <a:lstStyle/>
-          <a:p>
-            <a:r>
-              <a:rPr lang="en-US" sz="2000" dirty="0">
-                <a:latin typeface="Arial" panose="020B0604020202020204" pitchFamily="34" charset="0"/>
-                <a:cs typeface="Arial" panose="020B0604020202020204" pitchFamily="34" charset="0"/>
-              </a:rPr>
-              <a:t>https://www.mongodb.com/download-center#community</a:t>
-            </a:r>
-          </a:p>
-        </p:txBody>
-      </p:sp>
     </p:spTree>
     <p:extLst>
       <p:ext uri="{BB962C8B-B14F-4D97-AF65-F5344CB8AC3E}">
-        <p14:creationId xmlns:p14="http://schemas.microsoft.com/office/powerpoint/2010/main" val="1115428741"/>
+        <p14:creationId xmlns:p14="http://schemas.microsoft.com/office/powerpoint/2010/main" val="2441463166"/>
       </p:ext>
     </p:extLst>
   </p:cSld>
@@ -7797,11 +7759,7 @@
           <a:p>
             <a:r>
               <a:rPr lang="en-US" dirty="0"/>
-              <a:t>Create directory: </a:t>
-            </a:r>
-            <a:r>
-              <a:rPr lang="en-US" b="1" u="sng" dirty="0"/>
-              <a:t>C:\data\db</a:t>
+              <a:t>Download and install MongoDB</a:t>
             </a:r>
           </a:p>
         </p:txBody>
@@ -7830,8 +7788,8 @@
         </p:blipFill>
         <p:spPr>
           <a:xfrm>
-            <a:off x="960748" y="1981836"/>
-            <a:ext cx="4648849" cy="2248214"/>
+            <a:off x="838200" y="1690688"/>
+            <a:ext cx="8973143" cy="4351338"/>
           </a:xfrm>
         </p:spPr>
       </p:pic>
@@ -7888,8 +7846,8 @@
         </p:nvSpPr>
         <p:spPr>
           <a:xfrm>
-            <a:off x="6096000" y="2500024"/>
-            <a:ext cx="3912817" cy="1015663"/>
+            <a:off x="2176899" y="6016486"/>
+            <a:ext cx="6656311" cy="400110"/>
           </a:xfrm>
           <a:prstGeom prst="rect">
             <a:avLst/>
@@ -7907,57 +7865,7 @@
                 <a:latin typeface="Arial" panose="020B0604020202020204" pitchFamily="34" charset="0"/>
                 <a:cs typeface="Arial" panose="020B0604020202020204" pitchFamily="34" charset="0"/>
               </a:rPr>
-              <a:t>Open Command prompt:</a:t>
-            </a:r>
-            <a:br>
-              <a:rPr lang="en-US" sz="2000" dirty="0">
-                <a:latin typeface="Arial" panose="020B0604020202020204" pitchFamily="34" charset="0"/>
-                <a:cs typeface="Arial" panose="020B0604020202020204" pitchFamily="34" charset="0"/>
-              </a:rPr>
-            </a:br>
-            <a:r>
-              <a:rPr lang="en-US" sz="2000" dirty="0">
-                <a:latin typeface="Arial" panose="020B0604020202020204" pitchFamily="34" charset="0"/>
-                <a:cs typeface="Arial" panose="020B0604020202020204" pitchFamily="34" charset="0"/>
-              </a:rPr>
-              <a:t>$ </a:t>
-            </a:r>
-            <a:r>
-              <a:rPr lang="en-US" sz="2000" dirty="0" err="1">
-                <a:latin typeface="Arial" panose="020B0604020202020204" pitchFamily="34" charset="0"/>
-                <a:cs typeface="Arial" panose="020B0604020202020204" pitchFamily="34" charset="0"/>
-              </a:rPr>
-              <a:t>mkdir</a:t>
-            </a:r>
-            <a:r>
-              <a:rPr lang="en-US" sz="2000" dirty="0">
-                <a:latin typeface="Arial" panose="020B0604020202020204" pitchFamily="34" charset="0"/>
-                <a:cs typeface="Arial" panose="020B0604020202020204" pitchFamily="34" charset="0"/>
-              </a:rPr>
-              <a:t> C:\data</a:t>
-            </a:r>
-          </a:p>
-          <a:p>
-            <a:r>
-              <a:rPr lang="en-US" sz="2000" dirty="0">
-                <a:latin typeface="Arial" panose="020B0604020202020204" pitchFamily="34" charset="0"/>
-                <a:cs typeface="Arial" panose="020B0604020202020204" pitchFamily="34" charset="0"/>
-              </a:rPr>
-              <a:t>$ </a:t>
-            </a:r>
-            <a:r>
-              <a:rPr lang="en-US" sz="2000" dirty="0" err="1">
-                <a:latin typeface="Arial" panose="020B0604020202020204" pitchFamily="34" charset="0"/>
-                <a:cs typeface="Arial" panose="020B0604020202020204" pitchFamily="34" charset="0"/>
-              </a:rPr>
-              <a:t>mkdir</a:t>
-            </a:r>
-            <a:r>
-              <a:rPr lang="en-US" sz="2000" dirty="0">
-                <a:latin typeface="Arial" panose="020B0604020202020204" pitchFamily="34" charset="0"/>
-                <a:cs typeface="Arial" panose="020B0604020202020204" pitchFamily="34" charset="0"/>
-              </a:rPr>
-              <a:t> C:\data\db</a:t>
+              <a:t>https://www.mongodb.com/download-center#community</a:t>
             </a:r>
           </a:p>
         </p:txBody>
@@ -7965,7 +7873,7 @@
     </p:spTree>
     <p:extLst>
       <p:ext uri="{BB962C8B-B14F-4D97-AF65-F5344CB8AC3E}">
-        <p14:creationId xmlns:p14="http://schemas.microsoft.com/office/powerpoint/2010/main" val="2509845966"/>
+        <p14:creationId xmlns:p14="http://schemas.microsoft.com/office/powerpoint/2010/main" val="1115428741"/>
       </p:ext>
     </p:extLst>
   </p:cSld>
@@ -8009,7 +7917,11 @@
           <a:p>
             <a:r>
               <a:rPr lang="en-US" dirty="0"/>
-              <a:t>Run MongoDB (mongod.exe)</a:t>
+              <a:t>Create directory: </a:t>
+            </a:r>
+            <a:r>
+              <a:rPr lang="en-US" b="1" u="sng" dirty="0"/>
+              <a:t>C:\data\db</a:t>
             </a:r>
           </a:p>
         </p:txBody>
@@ -8038,8 +7950,8 @@
         </p:blipFill>
         <p:spPr>
           <a:xfrm>
-            <a:off x="838200" y="1543347"/>
-            <a:ext cx="6434985" cy="4351338"/>
+            <a:off x="960748" y="1981836"/>
+            <a:ext cx="4648849" cy="2248214"/>
           </a:xfrm>
         </p:spPr>
       </p:pic>
@@ -8096,65 +8008,8 @@
         </p:nvSpPr>
         <p:spPr>
           <a:xfrm>
-            <a:off x="771780" y="6048573"/>
-            <a:ext cx="7738016" cy="307777"/>
-          </a:xfrm>
-          <a:prstGeom prst="rect">
-            <a:avLst/>
-          </a:prstGeom>
-          <a:solidFill>
-            <a:schemeClr val="tx1"/>
-          </a:solidFill>
-        </p:spPr>
-        <p:txBody>
-          <a:bodyPr wrap="none" rtlCol="0">
-            <a:spAutoFit/>
-          </a:bodyPr>
-          <a:lstStyle/>
-          <a:p>
-            <a:r>
-              <a:rPr lang="en-US" sz="1400" dirty="0">
-                <a:solidFill>
-                  <a:schemeClr val="bg1"/>
-                </a:solidFill>
-                <a:latin typeface="Consolas" panose="020B0609020204030204" pitchFamily="49" charset="0"/>
-                <a:cs typeface="Arial" panose="020B0604020202020204" pitchFamily="34" charset="0"/>
-              </a:rPr>
-              <a:t>$ "C:\Program Files\MongoDB\Server\3.2\bin\mongod.exe" --</a:t>
-            </a:r>
-            <a:r>
-              <a:rPr lang="en-US" sz="1400" dirty="0" err="1">
-                <a:solidFill>
-                  <a:schemeClr val="bg1"/>
-                </a:solidFill>
-                <a:latin typeface="Consolas" panose="020B0609020204030204" pitchFamily="49" charset="0"/>
-                <a:cs typeface="Arial" panose="020B0604020202020204" pitchFamily="34" charset="0"/>
-              </a:rPr>
-              <a:t>dbpath</a:t>
-            </a:r>
-            <a:r>
-              <a:rPr lang="en-US" sz="1400" dirty="0">
-                <a:solidFill>
-                  <a:schemeClr val="bg1"/>
-                </a:solidFill>
-                <a:latin typeface="Consolas" panose="020B0609020204030204" pitchFamily="49" charset="0"/>
-                <a:cs typeface="Arial" panose="020B0604020202020204" pitchFamily="34" charset="0"/>
-              </a:rPr>
-              <a:t> "C:\data\db"</a:t>
-            </a:r>
-          </a:p>
-        </p:txBody>
-      </p:sp>
-      <p:sp>
-        <p:nvSpPr>
-          <p:cNvPr id="8" name="TextBox 7"/>
-          <p:cNvSpPr txBox="1"/>
-          <p:nvPr/>
-        </p:nvSpPr>
-        <p:spPr>
-          <a:xfrm>
-            <a:off x="7717411" y="1934416"/>
-            <a:ext cx="3912817" cy="707886"/>
+            <a:off x="6096000" y="2500024"/>
+            <a:ext cx="3912817" cy="1015663"/>
           </a:xfrm>
           <a:prstGeom prst="rect">
             <a:avLst/>
@@ -8172,7 +8027,57 @@
                 <a:latin typeface="Arial" panose="020B0604020202020204" pitchFamily="34" charset="0"/>
                 <a:cs typeface="Arial" panose="020B0604020202020204" pitchFamily="34" charset="0"/>
               </a:rPr>
-              <a:t>MongoDB is successfully running.</a:t>
+              <a:t>Open Command prompt:</a:t>
+            </a:r>
+            <a:br>
+              <a:rPr lang="en-US" sz="2000" dirty="0">
+                <a:latin typeface="Arial" panose="020B0604020202020204" pitchFamily="34" charset="0"/>
+                <a:cs typeface="Arial" panose="020B0604020202020204" pitchFamily="34" charset="0"/>
+              </a:rPr>
+            </a:br>
+            <a:r>
+              <a:rPr lang="en-US" sz="2000" dirty="0">
+                <a:latin typeface="Arial" panose="020B0604020202020204" pitchFamily="34" charset="0"/>
+                <a:cs typeface="Arial" panose="020B0604020202020204" pitchFamily="34" charset="0"/>
+              </a:rPr>
+              <a:t>$ </a:t>
+            </a:r>
+            <a:r>
+              <a:rPr lang="en-US" sz="2000" dirty="0" err="1">
+                <a:latin typeface="Arial" panose="020B0604020202020204" pitchFamily="34" charset="0"/>
+                <a:cs typeface="Arial" panose="020B0604020202020204" pitchFamily="34" charset="0"/>
+              </a:rPr>
+              <a:t>mkdir</a:t>
+            </a:r>
+            <a:r>
+              <a:rPr lang="en-US" sz="2000" dirty="0">
+                <a:latin typeface="Arial" panose="020B0604020202020204" pitchFamily="34" charset="0"/>
+                <a:cs typeface="Arial" panose="020B0604020202020204" pitchFamily="34" charset="0"/>
+              </a:rPr>
+              <a:t> C:\data</a:t>
+            </a:r>
+          </a:p>
+          <a:p>
+            <a:r>
+              <a:rPr lang="en-US" sz="2000" dirty="0">
+                <a:latin typeface="Arial" panose="020B0604020202020204" pitchFamily="34" charset="0"/>
+                <a:cs typeface="Arial" panose="020B0604020202020204" pitchFamily="34" charset="0"/>
+              </a:rPr>
+              <a:t>$ </a:t>
+            </a:r>
+            <a:r>
+              <a:rPr lang="en-US" sz="2000" dirty="0" err="1">
+                <a:latin typeface="Arial" panose="020B0604020202020204" pitchFamily="34" charset="0"/>
+                <a:cs typeface="Arial" panose="020B0604020202020204" pitchFamily="34" charset="0"/>
+              </a:rPr>
+              <a:t>mkdir</a:t>
+            </a:r>
+            <a:r>
+              <a:rPr lang="en-US" sz="2000" dirty="0">
+                <a:latin typeface="Arial" panose="020B0604020202020204" pitchFamily="34" charset="0"/>
+                <a:cs typeface="Arial" panose="020B0604020202020204" pitchFamily="34" charset="0"/>
+              </a:rPr>
+              <a:t> C:\data\db</a:t>
             </a:r>
           </a:p>
         </p:txBody>
@@ -8180,7 +8085,7 @@
     </p:spTree>
     <p:extLst>
       <p:ext uri="{BB962C8B-B14F-4D97-AF65-F5344CB8AC3E}">
-        <p14:creationId xmlns:p14="http://schemas.microsoft.com/office/powerpoint/2010/main" val="3513336878"/>
+        <p14:creationId xmlns:p14="http://schemas.microsoft.com/office/powerpoint/2010/main" val="2509845966"/>
       </p:ext>
     </p:extLst>
   </p:cSld>
@@ -8224,7 +8129,7 @@
           <a:p>
             <a:r>
               <a:rPr lang="en-US" dirty="0"/>
-              <a:t>Verify: </a:t>
+              <a:t>Run MongoDB (mongod.exe)</a:t>
             </a:r>
           </a:p>
         </p:txBody>
@@ -8253,8 +8158,8 @@
         </p:blipFill>
         <p:spPr>
           <a:xfrm>
-            <a:off x="838200" y="1690688"/>
-            <a:ext cx="6356669" cy="4351338"/>
+            <a:off x="838200" y="1543347"/>
+            <a:ext cx="6434985" cy="4351338"/>
           </a:xfrm>
         </p:spPr>
       </p:pic>
@@ -8311,8 +8216,65 @@
         </p:nvSpPr>
         <p:spPr>
           <a:xfrm>
+            <a:off x="771780" y="6048573"/>
+            <a:ext cx="7738016" cy="307777"/>
+          </a:xfrm>
+          <a:prstGeom prst="rect">
+            <a:avLst/>
+          </a:prstGeom>
+          <a:solidFill>
+            <a:schemeClr val="tx1"/>
+          </a:solidFill>
+        </p:spPr>
+        <p:txBody>
+          <a:bodyPr wrap="none" rtlCol="0">
+            <a:spAutoFit/>
+          </a:bodyPr>
+          <a:lstStyle/>
+          <a:p>
+            <a:r>
+              <a:rPr lang="en-US" sz="1400" dirty="0">
+                <a:solidFill>
+                  <a:schemeClr val="bg1"/>
+                </a:solidFill>
+                <a:latin typeface="Consolas" panose="020B0609020204030204" pitchFamily="49" charset="0"/>
+                <a:cs typeface="Arial" panose="020B0604020202020204" pitchFamily="34" charset="0"/>
+              </a:rPr>
+              <a:t>$ "C:\Program Files\MongoDB\Server\3.2\bin\mongod.exe" --</a:t>
+            </a:r>
+            <a:r>
+              <a:rPr lang="en-US" sz="1400" dirty="0" err="1">
+                <a:solidFill>
+                  <a:schemeClr val="bg1"/>
+                </a:solidFill>
+                <a:latin typeface="Consolas" panose="020B0609020204030204" pitchFamily="49" charset="0"/>
+                <a:cs typeface="Arial" panose="020B0604020202020204" pitchFamily="34" charset="0"/>
+              </a:rPr>
+              <a:t>dbpath</a:t>
+            </a:r>
+            <a:r>
+              <a:rPr lang="en-US" sz="1400" dirty="0">
+                <a:solidFill>
+                  <a:schemeClr val="bg1"/>
+                </a:solidFill>
+                <a:latin typeface="Consolas" panose="020B0609020204030204" pitchFamily="49" charset="0"/>
+                <a:cs typeface="Arial" panose="020B0604020202020204" pitchFamily="34" charset="0"/>
+              </a:rPr>
+              <a:t> "C:\data\db"</a:t>
+            </a:r>
+          </a:p>
+        </p:txBody>
+      </p:sp>
+      <p:sp>
+        <p:nvSpPr>
+          <p:cNvPr id="8" name="TextBox 7"/>
+          <p:cNvSpPr txBox="1"/>
+          <p:nvPr/>
+        </p:nvSpPr>
+        <p:spPr>
+          <a:xfrm>
             <a:off x="7717411" y="1934416"/>
-            <a:ext cx="3912817" cy="1323439"/>
+            <a:ext cx="3912817" cy="707886"/>
           </a:xfrm>
           <a:prstGeom prst="rect">
             <a:avLst/>
@@ -8330,21 +8292,7 @@
                 <a:latin typeface="Arial" panose="020B0604020202020204" pitchFamily="34" charset="0"/>
                 <a:cs typeface="Arial" panose="020B0604020202020204" pitchFamily="34" charset="0"/>
               </a:rPr>
-              <a:t>MongoDB ready to receive connection. Please note that by default MongoDB runs on port </a:t>
-            </a:r>
-            <a:r>
-              <a:rPr lang="en-US" sz="2000" b="1" u="sng" dirty="0">
-                <a:latin typeface="Arial" panose="020B0604020202020204" pitchFamily="34" charset="0"/>
-                <a:cs typeface="Arial" panose="020B0604020202020204" pitchFamily="34" charset="0"/>
-              </a:rPr>
-              <a:t>27017</a:t>
-            </a:r>
-            <a:r>
-              <a:rPr lang="en-US" sz="2000" dirty="0">
-                <a:latin typeface="Arial" panose="020B0604020202020204" pitchFamily="34" charset="0"/>
-                <a:cs typeface="Arial" panose="020B0604020202020204" pitchFamily="34" charset="0"/>
-              </a:rPr>
-              <a:t>.</a:t>
+              <a:t>MongoDB is successfully running.</a:t>
             </a:r>
           </a:p>
         </p:txBody>
@@ -8352,7 +8300,7 @@
     </p:spTree>
     <p:extLst>
       <p:ext uri="{BB962C8B-B14F-4D97-AF65-F5344CB8AC3E}">
-        <p14:creationId xmlns:p14="http://schemas.microsoft.com/office/powerpoint/2010/main" val="1968158036"/>
+        <p14:creationId xmlns:p14="http://schemas.microsoft.com/office/powerpoint/2010/main" val="3513336878"/>
       </p:ext>
     </p:extLst>
   </p:cSld>
@@ -8381,7 +8329,7 @@
       </p:grpSpPr>
       <p:sp>
         <p:nvSpPr>
-          <p:cNvPr id="6" name="Title 5"/>
+          <p:cNvPr id="2" name="Title 1"/>
           <p:cNvSpPr>
             <a:spLocks noGrp="1"/>
           </p:cNvSpPr>
@@ -8396,34 +8344,40 @@
           <a:p>
             <a:r>
               <a:rPr lang="en-US" dirty="0"/>
-              <a:t>Run </a:t>
-            </a:r>
-            <a:r>
-              <a:rPr lang="en-US" b="1" u="sng" dirty="0"/>
-              <a:t>broker-mongodb.js</a:t>
-            </a:r>
-          </a:p>
-        </p:txBody>
-      </p:sp>
-      <p:sp>
-        <p:nvSpPr>
-          <p:cNvPr id="7" name="Text Placeholder 6"/>
-          <p:cNvSpPr>
-            <a:spLocks noGrp="1"/>
-          </p:cNvSpPr>
-          <p:nvPr>
-            <p:ph type="body" idx="1"/>
-          </p:nvPr>
-        </p:nvSpPr>
-        <p:spPr/>
-        <p:txBody>
-          <a:bodyPr/>
-          <a:lstStyle/>
-          <a:p>
-            <a:endParaRPr lang="en-US"/>
-          </a:p>
-        </p:txBody>
-      </p:sp>
+              <a:t>Verify: </a:t>
+            </a:r>
+          </a:p>
+        </p:txBody>
+      </p:sp>
+      <p:pic>
+        <p:nvPicPr>
+          <p:cNvPr id="6" name="Content Placeholder 5"/>
+          <p:cNvPicPr>
+            <a:picLocks noGrp="1" noChangeAspect="1"/>
+          </p:cNvPicPr>
+          <p:nvPr>
+            <p:ph idx="1"/>
+          </p:nvPr>
+        </p:nvPicPr>
+        <p:blipFill>
+          <a:blip r:embed="rId2">
+            <a:extLst>
+              <a:ext uri="{28A0092B-C50C-407E-A947-70E740481C1C}">
+                <a14:useLocalDpi xmlns:a14="http://schemas.microsoft.com/office/drawing/2010/main" val="0"/>
+              </a:ext>
+            </a:extLst>
+          </a:blip>
+          <a:stretch>
+            <a:fillRect/>
+          </a:stretch>
+        </p:blipFill>
+        <p:spPr>
+          <a:xfrm>
+            <a:off x="838200" y="1690688"/>
+            <a:ext cx="6356669" cy="4351338"/>
+          </a:xfrm>
+        </p:spPr>
+      </p:pic>
       <p:sp>
         <p:nvSpPr>
           <p:cNvPr id="4" name="Footer Placeholder 3"/>
@@ -8469,10 +8423,56 @@
           </a:p>
         </p:txBody>
       </p:sp>
+      <p:sp>
+        <p:nvSpPr>
+          <p:cNvPr id="7" name="TextBox 6"/>
+          <p:cNvSpPr txBox="1"/>
+          <p:nvPr/>
+        </p:nvSpPr>
+        <p:spPr>
+          <a:xfrm>
+            <a:off x="7717411" y="1934416"/>
+            <a:ext cx="3912817" cy="1323439"/>
+          </a:xfrm>
+          <a:prstGeom prst="rect">
+            <a:avLst/>
+          </a:prstGeom>
+          <a:noFill/>
+        </p:spPr>
+        <p:txBody>
+          <a:bodyPr wrap="square" rtlCol="0">
+            <a:spAutoFit/>
+          </a:bodyPr>
+          <a:lstStyle/>
+          <a:p>
+            <a:r>
+              <a:rPr lang="en-US" sz="2000" dirty="0">
+                <a:latin typeface="Arial" panose="020B0604020202020204" pitchFamily="34" charset="0"/>
+                <a:cs typeface="Arial" panose="020B0604020202020204" pitchFamily="34" charset="0"/>
+              </a:rPr>
+              <a:t>MongoDB ready to receive connection. Please note that by default MongoDB runs on port </a:t>
+            </a:r>
+            <a:r>
+              <a:rPr lang="en-US" sz="2000" b="1" u="sng" dirty="0">
+                <a:latin typeface="Arial" panose="020B0604020202020204" pitchFamily="34" charset="0"/>
+                <a:cs typeface="Arial" panose="020B0604020202020204" pitchFamily="34" charset="0"/>
+              </a:rPr>
+              <a:t>27017</a:t>
+            </a:r>
+            <a:r>
+              <a:rPr lang="en-US" sz="2000" dirty="0">
+                <a:latin typeface="Arial" panose="020B0604020202020204" pitchFamily="34" charset="0"/>
+                <a:cs typeface="Arial" panose="020B0604020202020204" pitchFamily="34" charset="0"/>
+              </a:rPr>
+              <a:t>.</a:t>
+            </a:r>
+          </a:p>
+        </p:txBody>
+      </p:sp>
     </p:spTree>
     <p:extLst>
       <p:ext uri="{BB962C8B-B14F-4D97-AF65-F5344CB8AC3E}">
-        <p14:creationId xmlns:p14="http://schemas.microsoft.com/office/powerpoint/2010/main" val="2441463166"/>
+        <p14:creationId xmlns:p14="http://schemas.microsoft.com/office/powerpoint/2010/main" val="1968158036"/>
       </p:ext>
     </p:extLst>
   </p:cSld>
